--- a/ppt/자연어_임베딩.pptx
+++ b/ppt/자연어_임베딩.pptx
@@ -5,7 +5,7 @@
     <p:sldMasterId id="2147483648" r:id="rId1"/>
   </p:sldMasterIdLst>
   <p:notesMasterIdLst>
-    <p:notesMasterId r:id="rId11"/>
+    <p:notesMasterId r:id="rId21"/>
   </p:notesMasterIdLst>
   <p:sldIdLst>
     <p:sldId id="334" r:id="rId2"/>
@@ -16,7 +16,17 @@
     <p:sldId id="345" r:id="rId7"/>
     <p:sldId id="346" r:id="rId8"/>
     <p:sldId id="347" r:id="rId9"/>
-    <p:sldId id="321" r:id="rId10"/>
+    <p:sldId id="348" r:id="rId10"/>
+    <p:sldId id="349" r:id="rId11"/>
+    <p:sldId id="350" r:id="rId12"/>
+    <p:sldId id="352" r:id="rId13"/>
+    <p:sldId id="351" r:id="rId14"/>
+    <p:sldId id="353" r:id="rId15"/>
+    <p:sldId id="354" r:id="rId16"/>
+    <p:sldId id="355" r:id="rId17"/>
+    <p:sldId id="356" r:id="rId18"/>
+    <p:sldId id="357" r:id="rId19"/>
+    <p:sldId id="321" r:id="rId20"/>
   </p:sldIdLst>
   <p:sldSz cx="9144000" cy="6858000" type="screen4x3"/>
   <p:notesSz cx="6858000" cy="9144000"/>
@@ -220,7 +230,7 @@
             <a:fld id="{65771C21-3757-4199-83DE-22960358A2A5}" type="datetimeFigureOut">
               <a:rPr lang="ko-KR" altLang="en-US" smtClean="0"/>
               <a:pPr/>
-              <a:t>2025-10-27</a:t>
+              <a:t>2025-11-02</a:t>
             </a:fld>
             <a:endParaRPr lang="ko-KR" altLang="en-US"/>
           </a:p>
@@ -601,6 +611,1005 @@
 </p:notes>
 </file>
 
+<file path=ppt/notesSlides/notesSlide10.xml><?xml version="1.0" encoding="utf-8"?>
+<p:notes xmlns:a="http://schemas.openxmlformats.org/drawingml/2006/main" xmlns:r="http://schemas.openxmlformats.org/officeDocument/2006/relationships" xmlns:p="http://schemas.openxmlformats.org/presentationml/2006/main">
+  <p:cSld>
+    <p:spTree>
+      <p:nvGrpSpPr>
+        <p:cNvPr id="1" name=""/>
+        <p:cNvGrpSpPr/>
+        <p:nvPr/>
+      </p:nvGrpSpPr>
+      <p:grpSpPr>
+        <a:xfrm>
+          <a:off x="0" y="0"/>
+          <a:ext cx="0" cy="0"/>
+          <a:chOff x="0" y="0"/>
+          <a:chExt cx="0" cy="0"/>
+        </a:xfrm>
+      </p:grpSpPr>
+      <p:sp>
+        <p:nvSpPr>
+          <p:cNvPr id="2" name="슬라이드 이미지 개체 틀 1"/>
+          <p:cNvSpPr>
+            <a:spLocks noGrp="1" noRot="1" noChangeAspect="1"/>
+          </p:cNvSpPr>
+          <p:nvPr>
+            <p:ph type="sldImg"/>
+          </p:nvPr>
+        </p:nvSpPr>
+        <p:spPr/>
+      </p:sp>
+      <p:sp>
+        <p:nvSpPr>
+          <p:cNvPr id="3" name="슬라이드 노트 개체 틀 2"/>
+          <p:cNvSpPr>
+            <a:spLocks noGrp="1"/>
+          </p:cNvSpPr>
+          <p:nvPr>
+            <p:ph type="body" idx="1"/>
+          </p:nvPr>
+        </p:nvSpPr>
+        <p:spPr/>
+        <p:txBody>
+          <a:bodyPr>
+            <a:normAutofit/>
+          </a:bodyPr>
+          <a:lstStyle/>
+          <a:p>
+            <a:pPr marL="0" marR="0" indent="0" algn="l" defTabSz="914400" rtl="0" eaLnBrk="1" fontAlgn="auto" latinLnBrk="1" hangingPunct="1">
+              <a:lnSpc>
+                <a:spcPct val="100000"/>
+              </a:lnSpc>
+              <a:spcBef>
+                <a:spcPts val="0"/>
+              </a:spcBef>
+              <a:spcAft>
+                <a:spcPts val="0"/>
+              </a:spcAft>
+              <a:buClrTx/>
+              <a:buSzTx/>
+              <a:buFontTx/>
+              <a:buNone/>
+              <a:tabLst/>
+              <a:defRPr/>
+            </a:pPr>
+            <a:r>
+              <a:rPr lang="en-US" altLang="ko-KR" sz="1200" dirty="0"/>
+              <a:t>http://minheeblog.tistory.com/category/PPT</a:t>
+            </a:r>
+            <a:endParaRPr lang="ko-KR" altLang="en-US" sz="1200" dirty="0"/>
+          </a:p>
+          <a:p>
+            <a:endParaRPr lang="ko-KR" altLang="en-US" dirty="0"/>
+          </a:p>
+        </p:txBody>
+      </p:sp>
+      <p:sp>
+        <p:nvSpPr>
+          <p:cNvPr id="4" name="슬라이드 번호 개체 틀 3"/>
+          <p:cNvSpPr>
+            <a:spLocks noGrp="1"/>
+          </p:cNvSpPr>
+          <p:nvPr>
+            <p:ph type="sldNum" sz="quarter" idx="10"/>
+          </p:nvPr>
+        </p:nvSpPr>
+        <p:spPr/>
+        <p:txBody>
+          <a:bodyPr/>
+          <a:lstStyle/>
+          <a:p>
+            <a:fld id="{04A4E647-5A0F-41E6-A0EF-B58D8C1C6CD4}" type="slidenum">
+              <a:rPr lang="ko-KR" altLang="en-US" smtClean="0"/>
+              <a:pPr/>
+              <a:t>11</a:t>
+            </a:fld>
+            <a:endParaRPr lang="ko-KR" altLang="en-US"/>
+          </a:p>
+        </p:txBody>
+      </p:sp>
+    </p:spTree>
+    <p:extLst>
+      <p:ext uri="{BB962C8B-B14F-4D97-AF65-F5344CB8AC3E}">
+        <p14:creationId xmlns:p14="http://schemas.microsoft.com/office/powerpoint/2010/main" val="2997603728"/>
+      </p:ext>
+    </p:extLst>
+  </p:cSld>
+  <p:clrMapOvr>
+    <a:masterClrMapping/>
+  </p:clrMapOvr>
+</p:notes>
+</file>
+
+<file path=ppt/notesSlides/notesSlide11.xml><?xml version="1.0" encoding="utf-8"?>
+<p:notes xmlns:a="http://schemas.openxmlformats.org/drawingml/2006/main" xmlns:r="http://schemas.openxmlformats.org/officeDocument/2006/relationships" xmlns:p="http://schemas.openxmlformats.org/presentationml/2006/main">
+  <p:cSld>
+    <p:spTree>
+      <p:nvGrpSpPr>
+        <p:cNvPr id="1" name=""/>
+        <p:cNvGrpSpPr/>
+        <p:nvPr/>
+      </p:nvGrpSpPr>
+      <p:grpSpPr>
+        <a:xfrm>
+          <a:off x="0" y="0"/>
+          <a:ext cx="0" cy="0"/>
+          <a:chOff x="0" y="0"/>
+          <a:chExt cx="0" cy="0"/>
+        </a:xfrm>
+      </p:grpSpPr>
+      <p:sp>
+        <p:nvSpPr>
+          <p:cNvPr id="2" name="슬라이드 이미지 개체 틀 1"/>
+          <p:cNvSpPr>
+            <a:spLocks noGrp="1" noRot="1" noChangeAspect="1"/>
+          </p:cNvSpPr>
+          <p:nvPr>
+            <p:ph type="sldImg"/>
+          </p:nvPr>
+        </p:nvSpPr>
+        <p:spPr/>
+      </p:sp>
+      <p:sp>
+        <p:nvSpPr>
+          <p:cNvPr id="3" name="슬라이드 노트 개체 틀 2"/>
+          <p:cNvSpPr>
+            <a:spLocks noGrp="1"/>
+          </p:cNvSpPr>
+          <p:nvPr>
+            <p:ph type="body" idx="1"/>
+          </p:nvPr>
+        </p:nvSpPr>
+        <p:spPr/>
+        <p:txBody>
+          <a:bodyPr>
+            <a:normAutofit/>
+          </a:bodyPr>
+          <a:lstStyle/>
+          <a:p>
+            <a:pPr marL="0" marR="0" indent="0" algn="l" defTabSz="914400" rtl="0" eaLnBrk="1" fontAlgn="auto" latinLnBrk="1" hangingPunct="1">
+              <a:lnSpc>
+                <a:spcPct val="100000"/>
+              </a:lnSpc>
+              <a:spcBef>
+                <a:spcPts val="0"/>
+              </a:spcBef>
+              <a:spcAft>
+                <a:spcPts val="0"/>
+              </a:spcAft>
+              <a:buClrTx/>
+              <a:buSzTx/>
+              <a:buFontTx/>
+              <a:buNone/>
+              <a:tabLst/>
+              <a:defRPr/>
+            </a:pPr>
+            <a:r>
+              <a:rPr lang="en-US" altLang="ko-KR" sz="1200" dirty="0"/>
+              <a:t>http://minheeblog.tistory.com/category/PPT</a:t>
+            </a:r>
+            <a:endParaRPr lang="ko-KR" altLang="en-US" sz="1200" dirty="0"/>
+          </a:p>
+          <a:p>
+            <a:endParaRPr lang="ko-KR" altLang="en-US" dirty="0"/>
+          </a:p>
+        </p:txBody>
+      </p:sp>
+      <p:sp>
+        <p:nvSpPr>
+          <p:cNvPr id="4" name="슬라이드 번호 개체 틀 3"/>
+          <p:cNvSpPr>
+            <a:spLocks noGrp="1"/>
+          </p:cNvSpPr>
+          <p:nvPr>
+            <p:ph type="sldNum" sz="quarter" idx="10"/>
+          </p:nvPr>
+        </p:nvSpPr>
+        <p:spPr/>
+        <p:txBody>
+          <a:bodyPr/>
+          <a:lstStyle/>
+          <a:p>
+            <a:fld id="{04A4E647-5A0F-41E6-A0EF-B58D8C1C6CD4}" type="slidenum">
+              <a:rPr lang="ko-KR" altLang="en-US" smtClean="0"/>
+              <a:pPr/>
+              <a:t>12</a:t>
+            </a:fld>
+            <a:endParaRPr lang="ko-KR" altLang="en-US"/>
+          </a:p>
+        </p:txBody>
+      </p:sp>
+    </p:spTree>
+    <p:extLst>
+      <p:ext uri="{BB962C8B-B14F-4D97-AF65-F5344CB8AC3E}">
+        <p14:creationId xmlns:p14="http://schemas.microsoft.com/office/powerpoint/2010/main" val="4188027406"/>
+      </p:ext>
+    </p:extLst>
+  </p:cSld>
+  <p:clrMapOvr>
+    <a:masterClrMapping/>
+  </p:clrMapOvr>
+</p:notes>
+</file>
+
+<file path=ppt/notesSlides/notesSlide12.xml><?xml version="1.0" encoding="utf-8"?>
+<p:notes xmlns:a="http://schemas.openxmlformats.org/drawingml/2006/main" xmlns:r="http://schemas.openxmlformats.org/officeDocument/2006/relationships" xmlns:p="http://schemas.openxmlformats.org/presentationml/2006/main">
+  <p:cSld>
+    <p:spTree>
+      <p:nvGrpSpPr>
+        <p:cNvPr id="1" name=""/>
+        <p:cNvGrpSpPr/>
+        <p:nvPr/>
+      </p:nvGrpSpPr>
+      <p:grpSpPr>
+        <a:xfrm>
+          <a:off x="0" y="0"/>
+          <a:ext cx="0" cy="0"/>
+          <a:chOff x="0" y="0"/>
+          <a:chExt cx="0" cy="0"/>
+        </a:xfrm>
+      </p:grpSpPr>
+      <p:sp>
+        <p:nvSpPr>
+          <p:cNvPr id="2" name="슬라이드 이미지 개체 틀 1"/>
+          <p:cNvSpPr>
+            <a:spLocks noGrp="1" noRot="1" noChangeAspect="1"/>
+          </p:cNvSpPr>
+          <p:nvPr>
+            <p:ph type="sldImg"/>
+          </p:nvPr>
+        </p:nvSpPr>
+        <p:spPr/>
+      </p:sp>
+      <p:sp>
+        <p:nvSpPr>
+          <p:cNvPr id="3" name="슬라이드 노트 개체 틀 2"/>
+          <p:cNvSpPr>
+            <a:spLocks noGrp="1"/>
+          </p:cNvSpPr>
+          <p:nvPr>
+            <p:ph type="body" idx="1"/>
+          </p:nvPr>
+        </p:nvSpPr>
+        <p:spPr/>
+        <p:txBody>
+          <a:bodyPr>
+            <a:normAutofit/>
+          </a:bodyPr>
+          <a:lstStyle/>
+          <a:p>
+            <a:pPr marL="0" marR="0" indent="0" algn="l" defTabSz="914400" rtl="0" eaLnBrk="1" fontAlgn="auto" latinLnBrk="1" hangingPunct="1">
+              <a:lnSpc>
+                <a:spcPct val="100000"/>
+              </a:lnSpc>
+              <a:spcBef>
+                <a:spcPts val="0"/>
+              </a:spcBef>
+              <a:spcAft>
+                <a:spcPts val="0"/>
+              </a:spcAft>
+              <a:buClrTx/>
+              <a:buSzTx/>
+              <a:buFontTx/>
+              <a:buNone/>
+              <a:tabLst/>
+              <a:defRPr/>
+            </a:pPr>
+            <a:r>
+              <a:rPr lang="en-US" altLang="ko-KR" sz="1200" dirty="0"/>
+              <a:t>http://minheeblog.tistory.com/category/PPT</a:t>
+            </a:r>
+            <a:endParaRPr lang="ko-KR" altLang="en-US" sz="1200" dirty="0"/>
+          </a:p>
+          <a:p>
+            <a:endParaRPr lang="ko-KR" altLang="en-US" dirty="0"/>
+          </a:p>
+        </p:txBody>
+      </p:sp>
+      <p:sp>
+        <p:nvSpPr>
+          <p:cNvPr id="4" name="슬라이드 번호 개체 틀 3"/>
+          <p:cNvSpPr>
+            <a:spLocks noGrp="1"/>
+          </p:cNvSpPr>
+          <p:nvPr>
+            <p:ph type="sldNum" sz="quarter" idx="10"/>
+          </p:nvPr>
+        </p:nvSpPr>
+        <p:spPr/>
+        <p:txBody>
+          <a:bodyPr/>
+          <a:lstStyle/>
+          <a:p>
+            <a:fld id="{04A4E647-5A0F-41E6-A0EF-B58D8C1C6CD4}" type="slidenum">
+              <a:rPr lang="ko-KR" altLang="en-US" smtClean="0"/>
+              <a:pPr/>
+              <a:t>13</a:t>
+            </a:fld>
+            <a:endParaRPr lang="ko-KR" altLang="en-US"/>
+          </a:p>
+        </p:txBody>
+      </p:sp>
+    </p:spTree>
+    <p:extLst>
+      <p:ext uri="{BB962C8B-B14F-4D97-AF65-F5344CB8AC3E}">
+        <p14:creationId xmlns:p14="http://schemas.microsoft.com/office/powerpoint/2010/main" val="1758938247"/>
+      </p:ext>
+    </p:extLst>
+  </p:cSld>
+  <p:clrMapOvr>
+    <a:masterClrMapping/>
+  </p:clrMapOvr>
+</p:notes>
+</file>
+
+<file path=ppt/notesSlides/notesSlide13.xml><?xml version="1.0" encoding="utf-8"?>
+<p:notes xmlns:a="http://schemas.openxmlformats.org/drawingml/2006/main" xmlns:r="http://schemas.openxmlformats.org/officeDocument/2006/relationships" xmlns:p="http://schemas.openxmlformats.org/presentationml/2006/main">
+  <p:cSld>
+    <p:spTree>
+      <p:nvGrpSpPr>
+        <p:cNvPr id="1" name=""/>
+        <p:cNvGrpSpPr/>
+        <p:nvPr/>
+      </p:nvGrpSpPr>
+      <p:grpSpPr>
+        <a:xfrm>
+          <a:off x="0" y="0"/>
+          <a:ext cx="0" cy="0"/>
+          <a:chOff x="0" y="0"/>
+          <a:chExt cx="0" cy="0"/>
+        </a:xfrm>
+      </p:grpSpPr>
+      <p:sp>
+        <p:nvSpPr>
+          <p:cNvPr id="2" name="슬라이드 이미지 개체 틀 1"/>
+          <p:cNvSpPr>
+            <a:spLocks noGrp="1" noRot="1" noChangeAspect="1"/>
+          </p:cNvSpPr>
+          <p:nvPr>
+            <p:ph type="sldImg"/>
+          </p:nvPr>
+        </p:nvSpPr>
+        <p:spPr/>
+      </p:sp>
+      <p:sp>
+        <p:nvSpPr>
+          <p:cNvPr id="3" name="슬라이드 노트 개체 틀 2"/>
+          <p:cNvSpPr>
+            <a:spLocks noGrp="1"/>
+          </p:cNvSpPr>
+          <p:nvPr>
+            <p:ph type="body" idx="1"/>
+          </p:nvPr>
+        </p:nvSpPr>
+        <p:spPr/>
+        <p:txBody>
+          <a:bodyPr>
+            <a:normAutofit/>
+          </a:bodyPr>
+          <a:lstStyle/>
+          <a:p>
+            <a:pPr marL="0" marR="0" indent="0" algn="l" defTabSz="914400" rtl="0" eaLnBrk="1" fontAlgn="auto" latinLnBrk="1" hangingPunct="1">
+              <a:lnSpc>
+                <a:spcPct val="100000"/>
+              </a:lnSpc>
+              <a:spcBef>
+                <a:spcPts val="0"/>
+              </a:spcBef>
+              <a:spcAft>
+                <a:spcPts val="0"/>
+              </a:spcAft>
+              <a:buClrTx/>
+              <a:buSzTx/>
+              <a:buFontTx/>
+              <a:buNone/>
+              <a:tabLst/>
+              <a:defRPr/>
+            </a:pPr>
+            <a:r>
+              <a:rPr lang="en-US" altLang="ko-KR" sz="1200" dirty="0"/>
+              <a:t>http://minheeblog.tistory.com/category/PPT</a:t>
+            </a:r>
+            <a:endParaRPr lang="ko-KR" altLang="en-US" sz="1200" dirty="0"/>
+          </a:p>
+          <a:p>
+            <a:endParaRPr lang="ko-KR" altLang="en-US" dirty="0"/>
+          </a:p>
+        </p:txBody>
+      </p:sp>
+      <p:sp>
+        <p:nvSpPr>
+          <p:cNvPr id="4" name="슬라이드 번호 개체 틀 3"/>
+          <p:cNvSpPr>
+            <a:spLocks noGrp="1"/>
+          </p:cNvSpPr>
+          <p:nvPr>
+            <p:ph type="sldNum" sz="quarter" idx="10"/>
+          </p:nvPr>
+        </p:nvSpPr>
+        <p:spPr/>
+        <p:txBody>
+          <a:bodyPr/>
+          <a:lstStyle/>
+          <a:p>
+            <a:fld id="{04A4E647-5A0F-41E6-A0EF-B58D8C1C6CD4}" type="slidenum">
+              <a:rPr lang="ko-KR" altLang="en-US" smtClean="0"/>
+              <a:pPr/>
+              <a:t>14</a:t>
+            </a:fld>
+            <a:endParaRPr lang="ko-KR" altLang="en-US"/>
+          </a:p>
+        </p:txBody>
+      </p:sp>
+    </p:spTree>
+    <p:extLst>
+      <p:ext uri="{BB962C8B-B14F-4D97-AF65-F5344CB8AC3E}">
+        <p14:creationId xmlns:p14="http://schemas.microsoft.com/office/powerpoint/2010/main" val="32956078"/>
+      </p:ext>
+    </p:extLst>
+  </p:cSld>
+  <p:clrMapOvr>
+    <a:masterClrMapping/>
+  </p:clrMapOvr>
+</p:notes>
+</file>
+
+<file path=ppt/notesSlides/notesSlide14.xml><?xml version="1.0" encoding="utf-8"?>
+<p:notes xmlns:a="http://schemas.openxmlformats.org/drawingml/2006/main" xmlns:r="http://schemas.openxmlformats.org/officeDocument/2006/relationships" xmlns:p="http://schemas.openxmlformats.org/presentationml/2006/main">
+  <p:cSld>
+    <p:spTree>
+      <p:nvGrpSpPr>
+        <p:cNvPr id="1" name=""/>
+        <p:cNvGrpSpPr/>
+        <p:nvPr/>
+      </p:nvGrpSpPr>
+      <p:grpSpPr>
+        <a:xfrm>
+          <a:off x="0" y="0"/>
+          <a:ext cx="0" cy="0"/>
+          <a:chOff x="0" y="0"/>
+          <a:chExt cx="0" cy="0"/>
+        </a:xfrm>
+      </p:grpSpPr>
+      <p:sp>
+        <p:nvSpPr>
+          <p:cNvPr id="2" name="슬라이드 이미지 개체 틀 1"/>
+          <p:cNvSpPr>
+            <a:spLocks noGrp="1" noRot="1" noChangeAspect="1"/>
+          </p:cNvSpPr>
+          <p:nvPr>
+            <p:ph type="sldImg"/>
+          </p:nvPr>
+        </p:nvSpPr>
+        <p:spPr/>
+      </p:sp>
+      <p:sp>
+        <p:nvSpPr>
+          <p:cNvPr id="3" name="슬라이드 노트 개체 틀 2"/>
+          <p:cNvSpPr>
+            <a:spLocks noGrp="1"/>
+          </p:cNvSpPr>
+          <p:nvPr>
+            <p:ph type="body" idx="1"/>
+          </p:nvPr>
+        </p:nvSpPr>
+        <p:spPr/>
+        <p:txBody>
+          <a:bodyPr>
+            <a:normAutofit/>
+          </a:bodyPr>
+          <a:lstStyle/>
+          <a:p>
+            <a:pPr marL="0" marR="0" indent="0" algn="l" defTabSz="914400" rtl="0" eaLnBrk="1" fontAlgn="auto" latinLnBrk="1" hangingPunct="1">
+              <a:lnSpc>
+                <a:spcPct val="100000"/>
+              </a:lnSpc>
+              <a:spcBef>
+                <a:spcPts val="0"/>
+              </a:spcBef>
+              <a:spcAft>
+                <a:spcPts val="0"/>
+              </a:spcAft>
+              <a:buClrTx/>
+              <a:buSzTx/>
+              <a:buFontTx/>
+              <a:buNone/>
+              <a:tabLst/>
+              <a:defRPr/>
+            </a:pPr>
+            <a:r>
+              <a:rPr lang="en-US" altLang="ko-KR" sz="1200" dirty="0"/>
+              <a:t>http://minheeblog.tistory.com/category/PPT</a:t>
+            </a:r>
+            <a:endParaRPr lang="ko-KR" altLang="en-US" sz="1200" dirty="0"/>
+          </a:p>
+          <a:p>
+            <a:endParaRPr lang="ko-KR" altLang="en-US" dirty="0"/>
+          </a:p>
+        </p:txBody>
+      </p:sp>
+      <p:sp>
+        <p:nvSpPr>
+          <p:cNvPr id="4" name="슬라이드 번호 개체 틀 3"/>
+          <p:cNvSpPr>
+            <a:spLocks noGrp="1"/>
+          </p:cNvSpPr>
+          <p:nvPr>
+            <p:ph type="sldNum" sz="quarter" idx="10"/>
+          </p:nvPr>
+        </p:nvSpPr>
+        <p:spPr/>
+        <p:txBody>
+          <a:bodyPr/>
+          <a:lstStyle/>
+          <a:p>
+            <a:fld id="{04A4E647-5A0F-41E6-A0EF-B58D8C1C6CD4}" type="slidenum">
+              <a:rPr lang="ko-KR" altLang="en-US" smtClean="0"/>
+              <a:pPr/>
+              <a:t>15</a:t>
+            </a:fld>
+            <a:endParaRPr lang="ko-KR" altLang="en-US"/>
+          </a:p>
+        </p:txBody>
+      </p:sp>
+    </p:spTree>
+    <p:extLst>
+      <p:ext uri="{BB962C8B-B14F-4D97-AF65-F5344CB8AC3E}">
+        <p14:creationId xmlns:p14="http://schemas.microsoft.com/office/powerpoint/2010/main" val="1758850147"/>
+      </p:ext>
+    </p:extLst>
+  </p:cSld>
+  <p:clrMapOvr>
+    <a:masterClrMapping/>
+  </p:clrMapOvr>
+</p:notes>
+</file>
+
+<file path=ppt/notesSlides/notesSlide15.xml><?xml version="1.0" encoding="utf-8"?>
+<p:notes xmlns:a="http://schemas.openxmlformats.org/drawingml/2006/main" xmlns:r="http://schemas.openxmlformats.org/officeDocument/2006/relationships" xmlns:p="http://schemas.openxmlformats.org/presentationml/2006/main">
+  <p:cSld>
+    <p:spTree>
+      <p:nvGrpSpPr>
+        <p:cNvPr id="1" name=""/>
+        <p:cNvGrpSpPr/>
+        <p:nvPr/>
+      </p:nvGrpSpPr>
+      <p:grpSpPr>
+        <a:xfrm>
+          <a:off x="0" y="0"/>
+          <a:ext cx="0" cy="0"/>
+          <a:chOff x="0" y="0"/>
+          <a:chExt cx="0" cy="0"/>
+        </a:xfrm>
+      </p:grpSpPr>
+      <p:sp>
+        <p:nvSpPr>
+          <p:cNvPr id="2" name="슬라이드 이미지 개체 틀 1"/>
+          <p:cNvSpPr>
+            <a:spLocks noGrp="1" noRot="1" noChangeAspect="1"/>
+          </p:cNvSpPr>
+          <p:nvPr>
+            <p:ph type="sldImg"/>
+          </p:nvPr>
+        </p:nvSpPr>
+        <p:spPr/>
+      </p:sp>
+      <p:sp>
+        <p:nvSpPr>
+          <p:cNvPr id="3" name="슬라이드 노트 개체 틀 2"/>
+          <p:cNvSpPr>
+            <a:spLocks noGrp="1"/>
+          </p:cNvSpPr>
+          <p:nvPr>
+            <p:ph type="body" idx="1"/>
+          </p:nvPr>
+        </p:nvSpPr>
+        <p:spPr/>
+        <p:txBody>
+          <a:bodyPr>
+            <a:normAutofit/>
+          </a:bodyPr>
+          <a:lstStyle/>
+          <a:p>
+            <a:pPr marL="0" marR="0" indent="0" algn="l" defTabSz="914400" rtl="0" eaLnBrk="1" fontAlgn="auto" latinLnBrk="1" hangingPunct="1">
+              <a:lnSpc>
+                <a:spcPct val="100000"/>
+              </a:lnSpc>
+              <a:spcBef>
+                <a:spcPts val="0"/>
+              </a:spcBef>
+              <a:spcAft>
+                <a:spcPts val="0"/>
+              </a:spcAft>
+              <a:buClrTx/>
+              <a:buSzTx/>
+              <a:buFontTx/>
+              <a:buNone/>
+              <a:tabLst/>
+              <a:defRPr/>
+            </a:pPr>
+            <a:r>
+              <a:rPr lang="en-US" altLang="ko-KR" sz="1200" dirty="0"/>
+              <a:t>http://minheeblog.tistory.com/category/PPT</a:t>
+            </a:r>
+            <a:endParaRPr lang="ko-KR" altLang="en-US" sz="1200" dirty="0"/>
+          </a:p>
+          <a:p>
+            <a:endParaRPr lang="ko-KR" altLang="en-US" dirty="0"/>
+          </a:p>
+        </p:txBody>
+      </p:sp>
+      <p:sp>
+        <p:nvSpPr>
+          <p:cNvPr id="4" name="슬라이드 번호 개체 틀 3"/>
+          <p:cNvSpPr>
+            <a:spLocks noGrp="1"/>
+          </p:cNvSpPr>
+          <p:nvPr>
+            <p:ph type="sldNum" sz="quarter" idx="10"/>
+          </p:nvPr>
+        </p:nvSpPr>
+        <p:spPr/>
+        <p:txBody>
+          <a:bodyPr/>
+          <a:lstStyle/>
+          <a:p>
+            <a:fld id="{04A4E647-5A0F-41E6-A0EF-B58D8C1C6CD4}" type="slidenum">
+              <a:rPr lang="ko-KR" altLang="en-US" smtClean="0"/>
+              <a:pPr/>
+              <a:t>16</a:t>
+            </a:fld>
+            <a:endParaRPr lang="ko-KR" altLang="en-US"/>
+          </a:p>
+        </p:txBody>
+      </p:sp>
+    </p:spTree>
+    <p:extLst>
+      <p:ext uri="{BB962C8B-B14F-4D97-AF65-F5344CB8AC3E}">
+        <p14:creationId xmlns:p14="http://schemas.microsoft.com/office/powerpoint/2010/main" val="3821018633"/>
+      </p:ext>
+    </p:extLst>
+  </p:cSld>
+  <p:clrMapOvr>
+    <a:masterClrMapping/>
+  </p:clrMapOvr>
+</p:notes>
+</file>
+
+<file path=ppt/notesSlides/notesSlide16.xml><?xml version="1.0" encoding="utf-8"?>
+<p:notes xmlns:a="http://schemas.openxmlformats.org/drawingml/2006/main" xmlns:r="http://schemas.openxmlformats.org/officeDocument/2006/relationships" xmlns:p="http://schemas.openxmlformats.org/presentationml/2006/main">
+  <p:cSld>
+    <p:spTree>
+      <p:nvGrpSpPr>
+        <p:cNvPr id="1" name=""/>
+        <p:cNvGrpSpPr/>
+        <p:nvPr/>
+      </p:nvGrpSpPr>
+      <p:grpSpPr>
+        <a:xfrm>
+          <a:off x="0" y="0"/>
+          <a:ext cx="0" cy="0"/>
+          <a:chOff x="0" y="0"/>
+          <a:chExt cx="0" cy="0"/>
+        </a:xfrm>
+      </p:grpSpPr>
+      <p:sp>
+        <p:nvSpPr>
+          <p:cNvPr id="2" name="슬라이드 이미지 개체 틀 1"/>
+          <p:cNvSpPr>
+            <a:spLocks noGrp="1" noRot="1" noChangeAspect="1"/>
+          </p:cNvSpPr>
+          <p:nvPr>
+            <p:ph type="sldImg"/>
+          </p:nvPr>
+        </p:nvSpPr>
+        <p:spPr/>
+      </p:sp>
+      <p:sp>
+        <p:nvSpPr>
+          <p:cNvPr id="3" name="슬라이드 노트 개체 틀 2"/>
+          <p:cNvSpPr>
+            <a:spLocks noGrp="1"/>
+          </p:cNvSpPr>
+          <p:nvPr>
+            <p:ph type="body" idx="1"/>
+          </p:nvPr>
+        </p:nvSpPr>
+        <p:spPr/>
+        <p:txBody>
+          <a:bodyPr>
+            <a:normAutofit/>
+          </a:bodyPr>
+          <a:lstStyle/>
+          <a:p>
+            <a:pPr marL="0" marR="0" indent="0" algn="l" defTabSz="914400" rtl="0" eaLnBrk="1" fontAlgn="auto" latinLnBrk="1" hangingPunct="1">
+              <a:lnSpc>
+                <a:spcPct val="100000"/>
+              </a:lnSpc>
+              <a:spcBef>
+                <a:spcPts val="0"/>
+              </a:spcBef>
+              <a:spcAft>
+                <a:spcPts val="0"/>
+              </a:spcAft>
+              <a:buClrTx/>
+              <a:buSzTx/>
+              <a:buFontTx/>
+              <a:buNone/>
+              <a:tabLst/>
+              <a:defRPr/>
+            </a:pPr>
+            <a:r>
+              <a:rPr lang="en-US" altLang="ko-KR" sz="1200" dirty="0"/>
+              <a:t>http://minheeblog.tistory.com/category/PPT</a:t>
+            </a:r>
+            <a:endParaRPr lang="ko-KR" altLang="en-US" sz="1200" dirty="0"/>
+          </a:p>
+          <a:p>
+            <a:endParaRPr lang="ko-KR" altLang="en-US" dirty="0"/>
+          </a:p>
+        </p:txBody>
+      </p:sp>
+      <p:sp>
+        <p:nvSpPr>
+          <p:cNvPr id="4" name="슬라이드 번호 개체 틀 3"/>
+          <p:cNvSpPr>
+            <a:spLocks noGrp="1"/>
+          </p:cNvSpPr>
+          <p:nvPr>
+            <p:ph type="sldNum" sz="quarter" idx="10"/>
+          </p:nvPr>
+        </p:nvSpPr>
+        <p:spPr/>
+        <p:txBody>
+          <a:bodyPr/>
+          <a:lstStyle/>
+          <a:p>
+            <a:fld id="{04A4E647-5A0F-41E6-A0EF-B58D8C1C6CD4}" type="slidenum">
+              <a:rPr lang="ko-KR" altLang="en-US" smtClean="0"/>
+              <a:pPr/>
+              <a:t>17</a:t>
+            </a:fld>
+            <a:endParaRPr lang="ko-KR" altLang="en-US"/>
+          </a:p>
+        </p:txBody>
+      </p:sp>
+    </p:spTree>
+    <p:extLst>
+      <p:ext uri="{BB962C8B-B14F-4D97-AF65-F5344CB8AC3E}">
+        <p14:creationId xmlns:p14="http://schemas.microsoft.com/office/powerpoint/2010/main" val="2286793052"/>
+      </p:ext>
+    </p:extLst>
+  </p:cSld>
+  <p:clrMapOvr>
+    <a:masterClrMapping/>
+  </p:clrMapOvr>
+</p:notes>
+</file>
+
+<file path=ppt/notesSlides/notesSlide17.xml><?xml version="1.0" encoding="utf-8"?>
+<p:notes xmlns:a="http://schemas.openxmlformats.org/drawingml/2006/main" xmlns:r="http://schemas.openxmlformats.org/officeDocument/2006/relationships" xmlns:p="http://schemas.openxmlformats.org/presentationml/2006/main">
+  <p:cSld>
+    <p:spTree>
+      <p:nvGrpSpPr>
+        <p:cNvPr id="1" name=""/>
+        <p:cNvGrpSpPr/>
+        <p:nvPr/>
+      </p:nvGrpSpPr>
+      <p:grpSpPr>
+        <a:xfrm>
+          <a:off x="0" y="0"/>
+          <a:ext cx="0" cy="0"/>
+          <a:chOff x="0" y="0"/>
+          <a:chExt cx="0" cy="0"/>
+        </a:xfrm>
+      </p:grpSpPr>
+      <p:sp>
+        <p:nvSpPr>
+          <p:cNvPr id="2" name="슬라이드 이미지 개체 틀 1"/>
+          <p:cNvSpPr>
+            <a:spLocks noGrp="1" noRot="1" noChangeAspect="1"/>
+          </p:cNvSpPr>
+          <p:nvPr>
+            <p:ph type="sldImg"/>
+          </p:nvPr>
+        </p:nvSpPr>
+        <p:spPr/>
+      </p:sp>
+      <p:sp>
+        <p:nvSpPr>
+          <p:cNvPr id="3" name="슬라이드 노트 개체 틀 2"/>
+          <p:cNvSpPr>
+            <a:spLocks noGrp="1"/>
+          </p:cNvSpPr>
+          <p:nvPr>
+            <p:ph type="body" idx="1"/>
+          </p:nvPr>
+        </p:nvSpPr>
+        <p:spPr/>
+        <p:txBody>
+          <a:bodyPr>
+            <a:normAutofit/>
+          </a:bodyPr>
+          <a:lstStyle/>
+          <a:p>
+            <a:pPr marL="0" marR="0" indent="0" algn="l" defTabSz="914400" rtl="0" eaLnBrk="1" fontAlgn="auto" latinLnBrk="1" hangingPunct="1">
+              <a:lnSpc>
+                <a:spcPct val="100000"/>
+              </a:lnSpc>
+              <a:spcBef>
+                <a:spcPts val="0"/>
+              </a:spcBef>
+              <a:spcAft>
+                <a:spcPts val="0"/>
+              </a:spcAft>
+              <a:buClrTx/>
+              <a:buSzTx/>
+              <a:buFontTx/>
+              <a:buNone/>
+              <a:tabLst/>
+              <a:defRPr/>
+            </a:pPr>
+            <a:r>
+              <a:rPr lang="en-US" altLang="ko-KR" sz="1200" dirty="0"/>
+              <a:t>http://minheeblog.tistory.com/category/PPT</a:t>
+            </a:r>
+            <a:endParaRPr lang="ko-KR" altLang="en-US" sz="1200" dirty="0"/>
+          </a:p>
+          <a:p>
+            <a:endParaRPr lang="ko-KR" altLang="en-US" dirty="0"/>
+          </a:p>
+        </p:txBody>
+      </p:sp>
+      <p:sp>
+        <p:nvSpPr>
+          <p:cNvPr id="4" name="슬라이드 번호 개체 틀 3"/>
+          <p:cNvSpPr>
+            <a:spLocks noGrp="1"/>
+          </p:cNvSpPr>
+          <p:nvPr>
+            <p:ph type="sldNum" sz="quarter" idx="10"/>
+          </p:nvPr>
+        </p:nvSpPr>
+        <p:spPr/>
+        <p:txBody>
+          <a:bodyPr/>
+          <a:lstStyle/>
+          <a:p>
+            <a:fld id="{04A4E647-5A0F-41E6-A0EF-B58D8C1C6CD4}" type="slidenum">
+              <a:rPr lang="ko-KR" altLang="en-US" smtClean="0"/>
+              <a:pPr/>
+              <a:t>18</a:t>
+            </a:fld>
+            <a:endParaRPr lang="ko-KR" altLang="en-US"/>
+          </a:p>
+        </p:txBody>
+      </p:sp>
+    </p:spTree>
+    <p:extLst>
+      <p:ext uri="{BB962C8B-B14F-4D97-AF65-F5344CB8AC3E}">
+        <p14:creationId xmlns:p14="http://schemas.microsoft.com/office/powerpoint/2010/main" val="4196308984"/>
+      </p:ext>
+    </p:extLst>
+  </p:cSld>
+  <p:clrMapOvr>
+    <a:masterClrMapping/>
+  </p:clrMapOvr>
+</p:notes>
+</file>
+
+<file path=ppt/notesSlides/notesSlide18.xml><?xml version="1.0" encoding="utf-8"?>
+<p:notes xmlns:a="http://schemas.openxmlformats.org/drawingml/2006/main" xmlns:r="http://schemas.openxmlformats.org/officeDocument/2006/relationships" xmlns:p="http://schemas.openxmlformats.org/presentationml/2006/main">
+  <p:cSld>
+    <p:spTree>
+      <p:nvGrpSpPr>
+        <p:cNvPr id="1" name=""/>
+        <p:cNvGrpSpPr/>
+        <p:nvPr/>
+      </p:nvGrpSpPr>
+      <p:grpSpPr>
+        <a:xfrm>
+          <a:off x="0" y="0"/>
+          <a:ext cx="0" cy="0"/>
+          <a:chOff x="0" y="0"/>
+          <a:chExt cx="0" cy="0"/>
+        </a:xfrm>
+      </p:grpSpPr>
+      <p:sp>
+        <p:nvSpPr>
+          <p:cNvPr id="2" name="슬라이드 이미지 개체 틀 1"/>
+          <p:cNvSpPr>
+            <a:spLocks noGrp="1" noRot="1" noChangeAspect="1"/>
+          </p:cNvSpPr>
+          <p:nvPr>
+            <p:ph type="sldImg"/>
+          </p:nvPr>
+        </p:nvSpPr>
+        <p:spPr/>
+      </p:sp>
+      <p:sp>
+        <p:nvSpPr>
+          <p:cNvPr id="3" name="슬라이드 노트 개체 틀 2"/>
+          <p:cNvSpPr>
+            <a:spLocks noGrp="1"/>
+          </p:cNvSpPr>
+          <p:nvPr>
+            <p:ph type="body" idx="1"/>
+          </p:nvPr>
+        </p:nvSpPr>
+        <p:spPr/>
+        <p:txBody>
+          <a:bodyPr>
+            <a:normAutofit/>
+          </a:bodyPr>
+          <a:lstStyle/>
+          <a:p>
+            <a:pPr marL="0" marR="0" indent="0" algn="l" defTabSz="914400" rtl="0" eaLnBrk="1" fontAlgn="auto" latinLnBrk="1" hangingPunct="1">
+              <a:lnSpc>
+                <a:spcPct val="100000"/>
+              </a:lnSpc>
+              <a:spcBef>
+                <a:spcPts val="0"/>
+              </a:spcBef>
+              <a:spcAft>
+                <a:spcPts val="0"/>
+              </a:spcAft>
+              <a:buClrTx/>
+              <a:buSzTx/>
+              <a:buFontTx/>
+              <a:buNone/>
+              <a:tabLst/>
+              <a:defRPr/>
+            </a:pPr>
+            <a:r>
+              <a:rPr lang="en-US" altLang="ko-KR" sz="1200" dirty="0"/>
+              <a:t>http://minheeblog.tistory.com/category/PPT</a:t>
+            </a:r>
+            <a:endParaRPr lang="ko-KR" altLang="en-US" sz="1200" dirty="0"/>
+          </a:p>
+          <a:p>
+            <a:endParaRPr lang="ko-KR" altLang="en-US" dirty="0"/>
+          </a:p>
+        </p:txBody>
+      </p:sp>
+      <p:sp>
+        <p:nvSpPr>
+          <p:cNvPr id="4" name="슬라이드 번호 개체 틀 3"/>
+          <p:cNvSpPr>
+            <a:spLocks noGrp="1"/>
+          </p:cNvSpPr>
+          <p:nvPr>
+            <p:ph type="sldNum" sz="quarter" idx="10"/>
+          </p:nvPr>
+        </p:nvSpPr>
+        <p:spPr/>
+        <p:txBody>
+          <a:bodyPr/>
+          <a:lstStyle/>
+          <a:p>
+            <a:fld id="{04A4E647-5A0F-41E6-A0EF-B58D8C1C6CD4}" type="slidenum">
+              <a:rPr lang="ko-KR" altLang="en-US" smtClean="0"/>
+              <a:pPr/>
+              <a:t>19</a:t>
+            </a:fld>
+            <a:endParaRPr lang="ko-KR" altLang="en-US"/>
+          </a:p>
+        </p:txBody>
+      </p:sp>
+    </p:spTree>
+    <p:extLst>
+      <p:ext uri="{BB962C8B-B14F-4D97-AF65-F5344CB8AC3E}">
+        <p14:creationId xmlns:p14="http://schemas.microsoft.com/office/powerpoint/2010/main" val="3557393855"/>
+      </p:ext>
+    </p:extLst>
+  </p:cSld>
+  <p:clrMapOvr>
+    <a:masterClrMapping/>
+  </p:clrMapOvr>
+</p:notes>
+</file>
+
 <file path=ppt/notesSlides/notesSlide2.xml><?xml version="1.0" encoding="utf-8"?>
 <p:notes xmlns:a="http://schemas.openxmlformats.org/drawingml/2006/main" xmlns:r="http://schemas.openxmlformats.org/officeDocument/2006/relationships" xmlns:p="http://schemas.openxmlformats.org/presentationml/2006/main">
   <p:cSld>
@@ -1368,7 +2377,118 @@
     </p:spTree>
     <p:extLst>
       <p:ext uri="{BB962C8B-B14F-4D97-AF65-F5344CB8AC3E}">
-        <p14:creationId xmlns:p14="http://schemas.microsoft.com/office/powerpoint/2010/main" val="3557393855"/>
+        <p14:creationId xmlns:p14="http://schemas.microsoft.com/office/powerpoint/2010/main" val="871227385"/>
+      </p:ext>
+    </p:extLst>
+  </p:cSld>
+  <p:clrMapOvr>
+    <a:masterClrMapping/>
+  </p:clrMapOvr>
+</p:notes>
+</file>
+
+<file path=ppt/notesSlides/notesSlide9.xml><?xml version="1.0" encoding="utf-8"?>
+<p:notes xmlns:a="http://schemas.openxmlformats.org/drawingml/2006/main" xmlns:r="http://schemas.openxmlformats.org/officeDocument/2006/relationships" xmlns:p="http://schemas.openxmlformats.org/presentationml/2006/main">
+  <p:cSld>
+    <p:spTree>
+      <p:nvGrpSpPr>
+        <p:cNvPr id="1" name=""/>
+        <p:cNvGrpSpPr/>
+        <p:nvPr/>
+      </p:nvGrpSpPr>
+      <p:grpSpPr>
+        <a:xfrm>
+          <a:off x="0" y="0"/>
+          <a:ext cx="0" cy="0"/>
+          <a:chOff x="0" y="0"/>
+          <a:chExt cx="0" cy="0"/>
+        </a:xfrm>
+      </p:grpSpPr>
+      <p:sp>
+        <p:nvSpPr>
+          <p:cNvPr id="2" name="슬라이드 이미지 개체 틀 1"/>
+          <p:cNvSpPr>
+            <a:spLocks noGrp="1" noRot="1" noChangeAspect="1"/>
+          </p:cNvSpPr>
+          <p:nvPr>
+            <p:ph type="sldImg"/>
+          </p:nvPr>
+        </p:nvSpPr>
+        <p:spPr/>
+      </p:sp>
+      <p:sp>
+        <p:nvSpPr>
+          <p:cNvPr id="3" name="슬라이드 노트 개체 틀 2"/>
+          <p:cNvSpPr>
+            <a:spLocks noGrp="1"/>
+          </p:cNvSpPr>
+          <p:nvPr>
+            <p:ph type="body" idx="1"/>
+          </p:nvPr>
+        </p:nvSpPr>
+        <p:spPr/>
+        <p:txBody>
+          <a:bodyPr>
+            <a:normAutofit/>
+          </a:bodyPr>
+          <a:lstStyle/>
+          <a:p>
+            <a:pPr marL="0" marR="0" indent="0" algn="l" defTabSz="914400" rtl="0" eaLnBrk="1" fontAlgn="auto" latinLnBrk="1" hangingPunct="1">
+              <a:lnSpc>
+                <a:spcPct val="100000"/>
+              </a:lnSpc>
+              <a:spcBef>
+                <a:spcPts val="0"/>
+              </a:spcBef>
+              <a:spcAft>
+                <a:spcPts val="0"/>
+              </a:spcAft>
+              <a:buClrTx/>
+              <a:buSzTx/>
+              <a:buFontTx/>
+              <a:buNone/>
+              <a:tabLst/>
+              <a:defRPr/>
+            </a:pPr>
+            <a:r>
+              <a:rPr lang="en-US" altLang="ko-KR" sz="1200" dirty="0"/>
+              <a:t>http://minheeblog.tistory.com/category/PPT</a:t>
+            </a:r>
+            <a:endParaRPr lang="ko-KR" altLang="en-US" sz="1200" dirty="0"/>
+          </a:p>
+          <a:p>
+            <a:endParaRPr lang="ko-KR" altLang="en-US" dirty="0"/>
+          </a:p>
+        </p:txBody>
+      </p:sp>
+      <p:sp>
+        <p:nvSpPr>
+          <p:cNvPr id="4" name="슬라이드 번호 개체 틀 3"/>
+          <p:cNvSpPr>
+            <a:spLocks noGrp="1"/>
+          </p:cNvSpPr>
+          <p:nvPr>
+            <p:ph type="sldNum" sz="quarter" idx="10"/>
+          </p:nvPr>
+        </p:nvSpPr>
+        <p:spPr/>
+        <p:txBody>
+          <a:bodyPr/>
+          <a:lstStyle/>
+          <a:p>
+            <a:fld id="{04A4E647-5A0F-41E6-A0EF-B58D8C1C6CD4}" type="slidenum">
+              <a:rPr lang="ko-KR" altLang="en-US" smtClean="0"/>
+              <a:pPr/>
+              <a:t>10</a:t>
+            </a:fld>
+            <a:endParaRPr lang="ko-KR" altLang="en-US"/>
+          </a:p>
+        </p:txBody>
+      </p:sp>
+    </p:spTree>
+    <p:extLst>
+      <p:ext uri="{BB962C8B-B14F-4D97-AF65-F5344CB8AC3E}">
+        <p14:creationId xmlns:p14="http://schemas.microsoft.com/office/powerpoint/2010/main" val="2603843365"/>
       </p:ext>
     </p:extLst>
   </p:cSld>
@@ -1558,7 +2678,7 @@
             <a:fld id="{A22FE722-38C7-4231-8BB5-7A27D4E5977D}" type="datetimeFigureOut">
               <a:rPr lang="ko-KR" altLang="en-US" smtClean="0"/>
               <a:pPr/>
-              <a:t>2025-10-27</a:t>
+              <a:t>2025-11-02</a:t>
             </a:fld>
             <a:endParaRPr lang="ko-KR" altLang="en-US"/>
           </a:p>
@@ -1723,7 +2843,7 @@
             <a:fld id="{A22FE722-38C7-4231-8BB5-7A27D4E5977D}" type="datetimeFigureOut">
               <a:rPr lang="ko-KR" altLang="en-US" smtClean="0"/>
               <a:pPr/>
-              <a:t>2025-10-27</a:t>
+              <a:t>2025-11-02</a:t>
             </a:fld>
             <a:endParaRPr lang="ko-KR" altLang="en-US"/>
           </a:p>
@@ -1898,7 +3018,7 @@
             <a:fld id="{A22FE722-38C7-4231-8BB5-7A27D4E5977D}" type="datetimeFigureOut">
               <a:rPr lang="ko-KR" altLang="en-US" smtClean="0"/>
               <a:pPr/>
-              <a:t>2025-10-27</a:t>
+              <a:t>2025-11-02</a:t>
             </a:fld>
             <a:endParaRPr lang="ko-KR" altLang="en-US"/>
           </a:p>
@@ -2063,7 +3183,7 @@
             <a:fld id="{A22FE722-38C7-4231-8BB5-7A27D4E5977D}" type="datetimeFigureOut">
               <a:rPr lang="ko-KR" altLang="en-US" smtClean="0"/>
               <a:pPr/>
-              <a:t>2025-10-27</a:t>
+              <a:t>2025-11-02</a:t>
             </a:fld>
             <a:endParaRPr lang="ko-KR" altLang="en-US"/>
           </a:p>
@@ -2305,7 +3425,7 @@
             <a:fld id="{A22FE722-38C7-4231-8BB5-7A27D4E5977D}" type="datetimeFigureOut">
               <a:rPr lang="ko-KR" altLang="en-US" smtClean="0"/>
               <a:pPr/>
-              <a:t>2025-10-27</a:t>
+              <a:t>2025-11-02</a:t>
             </a:fld>
             <a:endParaRPr lang="ko-KR" altLang="en-US"/>
           </a:p>
@@ -2587,7 +3707,7 @@
             <a:fld id="{A22FE722-38C7-4231-8BB5-7A27D4E5977D}" type="datetimeFigureOut">
               <a:rPr lang="ko-KR" altLang="en-US" smtClean="0"/>
               <a:pPr/>
-              <a:t>2025-10-27</a:t>
+              <a:t>2025-11-02</a:t>
             </a:fld>
             <a:endParaRPr lang="ko-KR" altLang="en-US"/>
           </a:p>
@@ -3003,7 +4123,7 @@
             <a:fld id="{A22FE722-38C7-4231-8BB5-7A27D4E5977D}" type="datetimeFigureOut">
               <a:rPr lang="ko-KR" altLang="en-US" smtClean="0"/>
               <a:pPr/>
-              <a:t>2025-10-27</a:t>
+              <a:t>2025-11-02</a:t>
             </a:fld>
             <a:endParaRPr lang="ko-KR" altLang="en-US"/>
           </a:p>
@@ -3117,7 +4237,7 @@
             <a:fld id="{A22FE722-38C7-4231-8BB5-7A27D4E5977D}" type="datetimeFigureOut">
               <a:rPr lang="ko-KR" altLang="en-US" smtClean="0"/>
               <a:pPr/>
-              <a:t>2025-10-27</a:t>
+              <a:t>2025-11-02</a:t>
             </a:fld>
             <a:endParaRPr lang="ko-KR" altLang="en-US"/>
           </a:p>
@@ -3508,7 +4628,7 @@
             <a:fld id="{A22FE722-38C7-4231-8BB5-7A27D4E5977D}" type="datetimeFigureOut">
               <a:rPr lang="ko-KR" altLang="en-US" smtClean="0"/>
               <a:pPr/>
-              <a:t>2025-10-27</a:t>
+              <a:t>2025-11-02</a:t>
             </a:fld>
             <a:endParaRPr lang="ko-KR" altLang="en-US"/>
           </a:p>
@@ -3757,7 +4877,7 @@
             <a:fld id="{A22FE722-38C7-4231-8BB5-7A27D4E5977D}" type="datetimeFigureOut">
               <a:rPr lang="ko-KR" altLang="en-US" smtClean="0"/>
               <a:pPr/>
-              <a:t>2025-10-27</a:t>
+              <a:t>2025-11-02</a:t>
             </a:fld>
             <a:endParaRPr lang="ko-KR" altLang="en-US"/>
           </a:p>
@@ -3970,7 +5090,7 @@
             <a:fld id="{A22FE722-38C7-4231-8BB5-7A27D4E5977D}" type="datetimeFigureOut">
               <a:rPr lang="ko-KR" altLang="en-US" smtClean="0"/>
               <a:pPr/>
-              <a:t>2025-10-27</a:t>
+              <a:t>2025-11-02</a:t>
             </a:fld>
             <a:endParaRPr lang="ko-KR" altLang="en-US"/>
           </a:p>
@@ -4464,7 +5584,609 @@
 </p:sld>
 </file>
 
-<file path=ppt/slides/slide2.xml><?xml version="1.0" encoding="utf-8"?>
+<file path=ppt/slides/slide10.xml><?xml version="1.0" encoding="utf-8"?>
+<p:sld xmlns:a="http://schemas.openxmlformats.org/drawingml/2006/main" xmlns:r="http://schemas.openxmlformats.org/officeDocument/2006/relationships" xmlns:p="http://schemas.openxmlformats.org/presentationml/2006/main">
+  <p:cSld>
+    <p:spTree>
+      <p:nvGrpSpPr>
+        <p:cNvPr id="1" name=""/>
+        <p:cNvGrpSpPr/>
+        <p:nvPr/>
+      </p:nvGrpSpPr>
+      <p:grpSpPr>
+        <a:xfrm>
+          <a:off x="0" y="0"/>
+          <a:ext cx="0" cy="0"/>
+          <a:chOff x="0" y="0"/>
+          <a:chExt cx="0" cy="0"/>
+        </a:xfrm>
+      </p:grpSpPr>
+      <p:sp>
+        <p:nvSpPr>
+          <p:cNvPr id="3" name="타원 2"/>
+          <p:cNvSpPr/>
+          <p:nvPr/>
+        </p:nvSpPr>
+        <p:spPr>
+          <a:xfrm>
+            <a:off x="4067944" y="74100"/>
+            <a:ext cx="936104" cy="936104"/>
+          </a:xfrm>
+          <a:prstGeom prst="ellipse">
+            <a:avLst/>
+          </a:prstGeom>
+          <a:solidFill>
+            <a:schemeClr val="tx2">
+              <a:lumMod val="75000"/>
+            </a:schemeClr>
+          </a:solidFill>
+          <a:ln>
+            <a:noFill/>
+          </a:ln>
+        </p:spPr>
+        <p:style>
+          <a:lnRef idx="2">
+            <a:schemeClr val="accent1">
+              <a:shade val="50000"/>
+            </a:schemeClr>
+          </a:lnRef>
+          <a:fillRef idx="1">
+            <a:schemeClr val="accent1"/>
+          </a:fillRef>
+          <a:effectRef idx="0">
+            <a:schemeClr val="accent1"/>
+          </a:effectRef>
+          <a:fontRef idx="minor">
+            <a:schemeClr val="lt1"/>
+          </a:fontRef>
+        </p:style>
+        <p:txBody>
+          <a:bodyPr rtlCol="0" anchor="ctr"/>
+          <a:lstStyle/>
+          <a:p>
+            <a:pPr algn="ctr"/>
+            <a:endParaRPr lang="ko-KR" altLang="en-US"/>
+          </a:p>
+        </p:txBody>
+      </p:sp>
+      <p:sp>
+        <p:nvSpPr>
+          <p:cNvPr id="8" name="직사각형 7"/>
+          <p:cNvSpPr/>
+          <p:nvPr/>
+        </p:nvSpPr>
+        <p:spPr>
+          <a:xfrm>
+            <a:off x="708380" y="271681"/>
+            <a:ext cx="857927" cy="276999"/>
+          </a:xfrm>
+          <a:prstGeom prst="rect">
+            <a:avLst/>
+          </a:prstGeom>
+        </p:spPr>
+        <p:txBody>
+          <a:bodyPr wrap="none">
+            <a:spAutoFit/>
+          </a:bodyPr>
+          <a:lstStyle/>
+          <a:p>
+            <a:pPr algn="ctr"/>
+            <a:r>
+              <a:rPr lang="ko-KR" altLang="en-US" sz="1200" b="1" spc="-150" dirty="0">
+                <a:solidFill>
+                  <a:schemeClr val="bg1"/>
+                </a:solidFill>
+              </a:rPr>
+              <a:t>자연어처리</a:t>
+            </a:r>
+            <a:endParaRPr lang="en-US" altLang="ko-KR" sz="1200" b="1" spc="-150" dirty="0">
+              <a:solidFill>
+                <a:schemeClr val="bg1"/>
+              </a:solidFill>
+            </a:endParaRPr>
+          </a:p>
+        </p:txBody>
+      </p:sp>
+      <p:sp>
+        <p:nvSpPr>
+          <p:cNvPr id="9" name="TextBox 8"/>
+          <p:cNvSpPr txBox="1"/>
+          <p:nvPr/>
+        </p:nvSpPr>
+        <p:spPr>
+          <a:xfrm>
+            <a:off x="3995936" y="479095"/>
+            <a:ext cx="1080120" cy="461665"/>
+          </a:xfrm>
+          <a:prstGeom prst="rect">
+            <a:avLst/>
+          </a:prstGeom>
+          <a:noFill/>
+        </p:spPr>
+        <p:txBody>
+          <a:bodyPr wrap="square" rtlCol="0">
+            <a:spAutoFit/>
+          </a:bodyPr>
+          <a:lstStyle/>
+          <a:p>
+            <a:pPr algn="ctr"/>
+            <a:r>
+              <a:rPr lang="en-US" altLang="ko-KR" sz="2400" dirty="0">
+                <a:solidFill>
+                  <a:schemeClr val="bg1"/>
+                </a:solidFill>
+                <a:latin typeface="HY헤드라인M" pitchFamily="18" charset="-127"/>
+                <a:ea typeface="HY헤드라인M" pitchFamily="18" charset="-127"/>
+              </a:rPr>
+              <a:t>01</a:t>
+            </a:r>
+            <a:endParaRPr lang="ko-KR" altLang="en-US" sz="2400" dirty="0">
+              <a:solidFill>
+                <a:schemeClr val="bg1"/>
+              </a:solidFill>
+              <a:latin typeface="HY헤드라인M" pitchFamily="18" charset="-127"/>
+              <a:ea typeface="HY헤드라인M" pitchFamily="18" charset="-127"/>
+            </a:endParaRPr>
+          </a:p>
+        </p:txBody>
+      </p:sp>
+      <p:sp>
+        <p:nvSpPr>
+          <p:cNvPr id="4" name="TextBox 3"/>
+          <p:cNvSpPr txBox="1"/>
+          <p:nvPr/>
+        </p:nvSpPr>
+        <p:spPr>
+          <a:xfrm>
+            <a:off x="971600" y="1700955"/>
+            <a:ext cx="7200800" cy="1754326"/>
+          </a:xfrm>
+          <a:prstGeom prst="rect">
+            <a:avLst/>
+          </a:prstGeom>
+          <a:noFill/>
+        </p:spPr>
+        <p:txBody>
+          <a:bodyPr wrap="square" rtlCol="0">
+            <a:spAutoFit/>
+          </a:bodyPr>
+          <a:lstStyle/>
+          <a:p>
+            <a:pPr marL="285750" indent="-285750">
+              <a:buFont typeface="Arial" panose="020B0604020202020204" pitchFamily="34" charset="0"/>
+              <a:buChar char="•"/>
+            </a:pPr>
+            <a:r>
+              <a:rPr lang="ko-KR" altLang="en-US" dirty="0"/>
+              <a:t>문장 전체를 하나의 벡터로 </a:t>
+            </a:r>
+            <a:r>
+              <a:rPr lang="ko-KR" altLang="en-US" dirty="0" err="1"/>
+              <a:t>임베딩</a:t>
+            </a:r>
+            <a:r>
+              <a:rPr lang="ko-KR" altLang="en-US" dirty="0"/>
+              <a:t> 하는 알고리즘</a:t>
+            </a:r>
+            <a:endParaRPr lang="en-US" altLang="ko-KR" dirty="0"/>
+          </a:p>
+          <a:p>
+            <a:pPr marL="285750" indent="-285750">
+              <a:buFont typeface="Arial" panose="020B0604020202020204" pitchFamily="34" charset="0"/>
+              <a:buChar char="•"/>
+            </a:pPr>
+            <a:r>
+              <a:rPr lang="en-US" altLang="ko-KR" dirty="0"/>
+              <a:t>Word2Vec</a:t>
+            </a:r>
+            <a:r>
+              <a:rPr lang="ko-KR" altLang="en-US" dirty="0"/>
+              <a:t>의 확장판으로 문서에 </a:t>
+            </a:r>
+            <a:r>
+              <a:rPr lang="en-US" altLang="ko-KR" dirty="0"/>
+              <a:t>ID</a:t>
+            </a:r>
+            <a:r>
+              <a:rPr lang="ko-KR" altLang="en-US" dirty="0"/>
+              <a:t>를 추가하여 학습에 참여 시키는 방법</a:t>
+            </a:r>
+            <a:endParaRPr lang="en-US" altLang="ko-KR" dirty="0"/>
+          </a:p>
+          <a:p>
+            <a:pPr marL="285750" indent="-285750">
+              <a:buFont typeface="Arial" panose="020B0604020202020204" pitchFamily="34" charset="0"/>
+              <a:buChar char="•"/>
+            </a:pPr>
+            <a:r>
+              <a:rPr lang="ko-KR" altLang="en-US" dirty="0"/>
+              <a:t>문장에 </a:t>
+            </a:r>
+            <a:r>
+              <a:rPr lang="en-US" altLang="ko-KR" dirty="0"/>
+              <a:t>ID</a:t>
+            </a:r>
+            <a:r>
+              <a:rPr lang="ko-KR" altLang="en-US" dirty="0"/>
+              <a:t>를 추가하기 위해 </a:t>
+            </a:r>
+            <a:r>
+              <a:rPr lang="en-US" altLang="ko-KR" dirty="0" err="1"/>
+              <a:t>TaggedDocument</a:t>
+            </a:r>
+            <a:r>
+              <a:rPr lang="ko-KR" altLang="en-US" dirty="0"/>
+              <a:t>를 사용</a:t>
+            </a:r>
+            <a:endParaRPr lang="en-US" altLang="ko-KR" dirty="0"/>
+          </a:p>
+          <a:p>
+            <a:pPr marL="285750" indent="-285750">
+              <a:buFont typeface="Arial" panose="020B0604020202020204" pitchFamily="34" charset="0"/>
+              <a:buChar char="•"/>
+            </a:pPr>
+            <a:r>
+              <a:rPr lang="ko-KR" altLang="en-US" dirty="0"/>
+              <a:t>정적인 문맥 기반 모델로 단어의 위치나 순서의 미세한 차이를 반영하지 못함</a:t>
+            </a:r>
+            <a:endParaRPr lang="en-US" altLang="ko-KR" dirty="0"/>
+          </a:p>
+        </p:txBody>
+      </p:sp>
+      <p:sp>
+        <p:nvSpPr>
+          <p:cNvPr id="6" name="TextBox 5"/>
+          <p:cNvSpPr txBox="1"/>
+          <p:nvPr/>
+        </p:nvSpPr>
+        <p:spPr>
+          <a:xfrm>
+            <a:off x="539552" y="1065096"/>
+            <a:ext cx="7992888" cy="446276"/>
+          </a:xfrm>
+          <a:prstGeom prst="rect">
+            <a:avLst/>
+          </a:prstGeom>
+          <a:noFill/>
+        </p:spPr>
+        <p:txBody>
+          <a:bodyPr wrap="square" rtlCol="0">
+            <a:spAutoFit/>
+          </a:bodyPr>
+          <a:lstStyle/>
+          <a:p>
+            <a:r>
+              <a:rPr lang="en-US" altLang="ko-KR" sz="2300" dirty="0"/>
+              <a:t>Doc2Vec</a:t>
+            </a:r>
+            <a:endParaRPr lang="ko-KR" altLang="en-US" sz="2300" dirty="0"/>
+          </a:p>
+        </p:txBody>
+      </p:sp>
+    </p:spTree>
+    <p:extLst>
+      <p:ext uri="{BB962C8B-B14F-4D97-AF65-F5344CB8AC3E}">
+        <p14:creationId xmlns:p14="http://schemas.microsoft.com/office/powerpoint/2010/main" val="3613297929"/>
+      </p:ext>
+    </p:extLst>
+  </p:cSld>
+  <p:clrMapOvr>
+    <a:masterClrMapping/>
+  </p:clrMapOvr>
+</p:sld>
+</file>
+
+<file path=ppt/slides/slide11.xml><?xml version="1.0" encoding="utf-8"?>
+<p:sld xmlns:a="http://schemas.openxmlformats.org/drawingml/2006/main" xmlns:r="http://schemas.openxmlformats.org/officeDocument/2006/relationships" xmlns:p="http://schemas.openxmlformats.org/presentationml/2006/main">
+  <p:cSld>
+    <p:spTree>
+      <p:nvGrpSpPr>
+        <p:cNvPr id="1" name=""/>
+        <p:cNvGrpSpPr/>
+        <p:nvPr/>
+      </p:nvGrpSpPr>
+      <p:grpSpPr>
+        <a:xfrm>
+          <a:off x="0" y="0"/>
+          <a:ext cx="0" cy="0"/>
+          <a:chOff x="0" y="0"/>
+          <a:chExt cx="0" cy="0"/>
+        </a:xfrm>
+      </p:grpSpPr>
+      <p:sp>
+        <p:nvSpPr>
+          <p:cNvPr id="3" name="타원 2"/>
+          <p:cNvSpPr/>
+          <p:nvPr/>
+        </p:nvSpPr>
+        <p:spPr>
+          <a:xfrm>
+            <a:off x="4067944" y="74100"/>
+            <a:ext cx="936104" cy="936104"/>
+          </a:xfrm>
+          <a:prstGeom prst="ellipse">
+            <a:avLst/>
+          </a:prstGeom>
+          <a:solidFill>
+            <a:schemeClr val="tx2">
+              <a:lumMod val="75000"/>
+            </a:schemeClr>
+          </a:solidFill>
+          <a:ln>
+            <a:noFill/>
+          </a:ln>
+        </p:spPr>
+        <p:style>
+          <a:lnRef idx="2">
+            <a:schemeClr val="accent1">
+              <a:shade val="50000"/>
+            </a:schemeClr>
+          </a:lnRef>
+          <a:fillRef idx="1">
+            <a:schemeClr val="accent1"/>
+          </a:fillRef>
+          <a:effectRef idx="0">
+            <a:schemeClr val="accent1"/>
+          </a:effectRef>
+          <a:fontRef idx="minor">
+            <a:schemeClr val="lt1"/>
+          </a:fontRef>
+        </p:style>
+        <p:txBody>
+          <a:bodyPr rtlCol="0" anchor="ctr"/>
+          <a:lstStyle/>
+          <a:p>
+            <a:pPr algn="ctr"/>
+            <a:endParaRPr lang="ko-KR" altLang="en-US"/>
+          </a:p>
+        </p:txBody>
+      </p:sp>
+      <p:sp>
+        <p:nvSpPr>
+          <p:cNvPr id="8" name="직사각형 7"/>
+          <p:cNvSpPr/>
+          <p:nvPr/>
+        </p:nvSpPr>
+        <p:spPr>
+          <a:xfrm>
+            <a:off x="708380" y="271681"/>
+            <a:ext cx="857927" cy="276999"/>
+          </a:xfrm>
+          <a:prstGeom prst="rect">
+            <a:avLst/>
+          </a:prstGeom>
+        </p:spPr>
+        <p:txBody>
+          <a:bodyPr wrap="none">
+            <a:spAutoFit/>
+          </a:bodyPr>
+          <a:lstStyle/>
+          <a:p>
+            <a:pPr algn="ctr"/>
+            <a:r>
+              <a:rPr lang="ko-KR" altLang="en-US" sz="1200" b="1" spc="-150" dirty="0">
+                <a:solidFill>
+                  <a:schemeClr val="bg1"/>
+                </a:solidFill>
+              </a:rPr>
+              <a:t>자연어처리</a:t>
+            </a:r>
+            <a:endParaRPr lang="en-US" altLang="ko-KR" sz="1200" b="1" spc="-150" dirty="0">
+              <a:solidFill>
+                <a:schemeClr val="bg1"/>
+              </a:solidFill>
+            </a:endParaRPr>
+          </a:p>
+        </p:txBody>
+      </p:sp>
+      <p:sp>
+        <p:nvSpPr>
+          <p:cNvPr id="9" name="TextBox 8"/>
+          <p:cNvSpPr txBox="1"/>
+          <p:nvPr/>
+        </p:nvSpPr>
+        <p:spPr>
+          <a:xfrm>
+            <a:off x="3995936" y="479095"/>
+            <a:ext cx="1080120" cy="461665"/>
+          </a:xfrm>
+          <a:prstGeom prst="rect">
+            <a:avLst/>
+          </a:prstGeom>
+          <a:noFill/>
+        </p:spPr>
+        <p:txBody>
+          <a:bodyPr wrap="square" rtlCol="0">
+            <a:spAutoFit/>
+          </a:bodyPr>
+          <a:lstStyle/>
+          <a:p>
+            <a:pPr algn="ctr"/>
+            <a:r>
+              <a:rPr lang="en-US" altLang="ko-KR" sz="2400" dirty="0">
+                <a:solidFill>
+                  <a:schemeClr val="bg1"/>
+                </a:solidFill>
+                <a:latin typeface="HY헤드라인M" pitchFamily="18" charset="-127"/>
+                <a:ea typeface="HY헤드라인M" pitchFamily="18" charset="-127"/>
+              </a:rPr>
+              <a:t>01</a:t>
+            </a:r>
+            <a:endParaRPr lang="ko-KR" altLang="en-US" sz="2400" dirty="0">
+              <a:solidFill>
+                <a:schemeClr val="bg1"/>
+              </a:solidFill>
+              <a:latin typeface="HY헤드라인M" pitchFamily="18" charset="-127"/>
+              <a:ea typeface="HY헤드라인M" pitchFamily="18" charset="-127"/>
+            </a:endParaRPr>
+          </a:p>
+        </p:txBody>
+      </p:sp>
+      <p:sp>
+        <p:nvSpPr>
+          <p:cNvPr id="4" name="TextBox 3"/>
+          <p:cNvSpPr txBox="1"/>
+          <p:nvPr/>
+        </p:nvSpPr>
+        <p:spPr>
+          <a:xfrm>
+            <a:off x="971600" y="1700955"/>
+            <a:ext cx="7200800" cy="2308324"/>
+          </a:xfrm>
+          <a:prstGeom prst="rect">
+            <a:avLst/>
+          </a:prstGeom>
+          <a:noFill/>
+        </p:spPr>
+        <p:txBody>
+          <a:bodyPr wrap="square" rtlCol="0">
+            <a:spAutoFit/>
+          </a:bodyPr>
+          <a:lstStyle/>
+          <a:p>
+            <a:pPr marL="285750" indent="-285750">
+              <a:buFont typeface="Arial" panose="020B0604020202020204" pitchFamily="34" charset="0"/>
+              <a:buChar char="•"/>
+            </a:pPr>
+            <a:r>
+              <a:rPr lang="en-US" altLang="ko-KR" dirty="0"/>
+              <a:t>PV-DM</a:t>
+            </a:r>
+          </a:p>
+          <a:p>
+            <a:pPr marL="742950" lvl="1" indent="-285750">
+              <a:buFont typeface="Arial" panose="020B0604020202020204" pitchFamily="34" charset="0"/>
+              <a:buChar char="•"/>
+            </a:pPr>
+            <a:r>
+              <a:rPr lang="ko-KR" altLang="en-US" dirty="0"/>
+              <a:t>문서 벡터 </a:t>
+            </a:r>
+            <a:r>
+              <a:rPr lang="en-US" altLang="ko-KR" dirty="0"/>
+              <a:t>+ </a:t>
+            </a:r>
+            <a:r>
+              <a:rPr lang="ko-KR" altLang="en-US" dirty="0"/>
+              <a:t>주변 단어들로 중심 단어를 예측</a:t>
+            </a:r>
+            <a:endParaRPr lang="en-US" altLang="ko-KR" dirty="0"/>
+          </a:p>
+          <a:p>
+            <a:pPr marL="742950" lvl="1" indent="-285750">
+              <a:buFont typeface="Arial" panose="020B0604020202020204" pitchFamily="34" charset="0"/>
+              <a:buChar char="•"/>
+            </a:pPr>
+            <a:r>
+              <a:rPr lang="ko-KR" altLang="en-US" dirty="0"/>
+              <a:t>순서와 문맥을 보존하여 일반적으로 사용하는 기본값</a:t>
+            </a:r>
+            <a:endParaRPr lang="en-US" altLang="ko-KR" dirty="0"/>
+          </a:p>
+          <a:p>
+            <a:pPr marL="285750" indent="-285750">
+              <a:buFont typeface="Arial" panose="020B0604020202020204" pitchFamily="34" charset="0"/>
+              <a:buChar char="•"/>
+            </a:pPr>
+            <a:r>
+              <a:rPr lang="en-US" altLang="ko-KR" dirty="0"/>
+              <a:t>PV-DBOW</a:t>
+            </a:r>
+          </a:p>
+          <a:p>
+            <a:pPr marL="742950" lvl="1" indent="-285750">
+              <a:buFont typeface="Arial" panose="020B0604020202020204" pitchFamily="34" charset="0"/>
+              <a:buChar char="•"/>
+            </a:pPr>
+            <a:r>
+              <a:rPr lang="ko-KR" altLang="en-US" dirty="0"/>
+              <a:t>문서 벡터로 단어를 직접 예측</a:t>
+            </a:r>
+            <a:r>
+              <a:rPr lang="en-US" altLang="ko-KR" dirty="0"/>
+              <a:t>(</a:t>
+            </a:r>
+            <a:r>
+              <a:rPr lang="ko-KR" altLang="en-US" dirty="0"/>
+              <a:t>단어의 순서는 무시</a:t>
+            </a:r>
+            <a:r>
+              <a:rPr lang="en-US" altLang="ko-KR" dirty="0"/>
+              <a:t>)</a:t>
+            </a:r>
+          </a:p>
+          <a:p>
+            <a:pPr marL="742950" lvl="1" indent="-285750">
+              <a:buFont typeface="Arial" panose="020B0604020202020204" pitchFamily="34" charset="0"/>
+              <a:buChar char="•"/>
+            </a:pPr>
+            <a:r>
+              <a:rPr lang="ko-KR" altLang="en-US" dirty="0"/>
+              <a:t>가볍고 빠르게 확인하기 위해 사용</a:t>
+            </a:r>
+            <a:endParaRPr lang="en-US" altLang="ko-KR" dirty="0"/>
+          </a:p>
+          <a:p>
+            <a:pPr marL="742950" lvl="1" indent="-285750">
+              <a:buFont typeface="Arial" panose="020B0604020202020204" pitchFamily="34" charset="0"/>
+              <a:buChar char="•"/>
+            </a:pPr>
+            <a:r>
+              <a:rPr lang="en-US" altLang="ko-KR" dirty="0"/>
+              <a:t>PV-DM</a:t>
+            </a:r>
+            <a:r>
+              <a:rPr lang="ko-KR" altLang="en-US" dirty="0"/>
+              <a:t>과 결합해서 사용하면 성능이 좋게 나오는 경우가 발생</a:t>
+            </a:r>
+            <a:endParaRPr lang="en-US" altLang="ko-KR" dirty="0"/>
+          </a:p>
+        </p:txBody>
+      </p:sp>
+      <p:sp>
+        <p:nvSpPr>
+          <p:cNvPr id="6" name="TextBox 5"/>
+          <p:cNvSpPr txBox="1"/>
+          <p:nvPr/>
+        </p:nvSpPr>
+        <p:spPr>
+          <a:xfrm>
+            <a:off x="539552" y="1065096"/>
+            <a:ext cx="7992888" cy="446276"/>
+          </a:xfrm>
+          <a:prstGeom prst="rect">
+            <a:avLst/>
+          </a:prstGeom>
+          <a:noFill/>
+        </p:spPr>
+        <p:txBody>
+          <a:bodyPr wrap="square" rtlCol="0">
+            <a:spAutoFit/>
+          </a:bodyPr>
+          <a:lstStyle/>
+          <a:p>
+            <a:r>
+              <a:rPr lang="en-US" altLang="ko-KR" sz="2300" dirty="0"/>
+              <a:t>Doc2Vec</a:t>
+            </a:r>
+            <a:endParaRPr lang="ko-KR" altLang="en-US" sz="2300" dirty="0"/>
+          </a:p>
+        </p:txBody>
+      </p:sp>
+    </p:spTree>
+    <p:extLst>
+      <p:ext uri="{BB962C8B-B14F-4D97-AF65-F5344CB8AC3E}">
+        <p14:creationId xmlns:p14="http://schemas.microsoft.com/office/powerpoint/2010/main" val="4105575565"/>
+      </p:ext>
+    </p:extLst>
+  </p:cSld>
+  <p:clrMapOvr>
+    <a:masterClrMapping/>
+  </p:clrMapOvr>
+</p:sld>
+</file>
+
+<file path=ppt/slides/slide12.xml><?xml version="1.0" encoding="utf-8"?>
 <p:sld xmlns:a="http://schemas.openxmlformats.org/drawingml/2006/main" xmlns:r="http://schemas.openxmlformats.org/officeDocument/2006/relationships" xmlns:p="http://schemas.openxmlformats.org/presentationml/2006/main">
   <p:cSld>
     <p:spTree>
@@ -4558,7 +6280,15 @@
                   <a:schemeClr val="bg1"/>
                 </a:solidFill>
               </a:rPr>
-              <a:t>Word-level </a:t>
+              <a:t>Transformer </a:t>
+            </a:r>
+            <a:r>
+              <a:rPr lang="ko-KR" altLang="en-US" sz="3500" b="1" dirty="0">
+                <a:solidFill>
+                  <a:schemeClr val="bg1"/>
+                </a:solidFill>
+              </a:rPr>
+              <a:t>기반 </a:t>
             </a:r>
             <a:r>
               <a:rPr lang="ko-KR" altLang="en-US" sz="3500" b="1" dirty="0" err="1">
@@ -4612,7 +6342,7 @@
     </p:spTree>
     <p:extLst>
       <p:ext uri="{BB962C8B-B14F-4D97-AF65-F5344CB8AC3E}">
-        <p14:creationId xmlns:p14="http://schemas.microsoft.com/office/powerpoint/2010/main" val="1192776622"/>
+        <p14:creationId xmlns:p14="http://schemas.microsoft.com/office/powerpoint/2010/main" val="621214150"/>
       </p:ext>
     </p:extLst>
   </p:cSld>
@@ -4622,7 +6352,7 @@
 </p:sld>
 </file>
 
-<file path=ppt/slides/slide3.xml><?xml version="1.0" encoding="utf-8"?>
+<file path=ppt/slides/slide13.xml><?xml version="1.0" encoding="utf-8"?>
 <p:sld xmlns:a="http://schemas.openxmlformats.org/drawingml/2006/main" xmlns:r="http://schemas.openxmlformats.org/officeDocument/2006/relationships" xmlns:p="http://schemas.openxmlformats.org/presentationml/2006/main">
   <p:cSld>
     <p:spTree>
@@ -4777,7 +6507,7 @@
         <p:spPr>
           <a:xfrm>
             <a:off x="971600" y="1700955"/>
-            <a:ext cx="7200800" cy="1477328"/>
+            <a:ext cx="7200800" cy="2585323"/>
           </a:xfrm>
           <a:prstGeom prst="rect">
             <a:avLst/>
@@ -4796,19 +6526,39 @@
             </a:pPr>
             <a:r>
               <a:rPr lang="en-US" altLang="ko-KR" dirty="0"/>
-              <a:t>Word2Vec</a:t>
+              <a:t>RNN</a:t>
             </a:r>
             <a:r>
               <a:rPr lang="ko-KR" altLang="en-US" dirty="0"/>
-              <a:t>은 단어를 단순한 문자로 생각하는 것이 아니라 의미를 가진 벡터로 표현하는 딥러닝 </a:t>
+              <a:t>이나 </a:t>
+            </a:r>
+            <a:r>
+              <a:rPr lang="en-US" altLang="ko-KR" dirty="0"/>
+              <a:t>LSTM</a:t>
+            </a:r>
+            <a:r>
+              <a:rPr lang="ko-KR" altLang="en-US" dirty="0"/>
+              <a:t>은 문장을 순차적으로 처리 하지만 </a:t>
+            </a:r>
+            <a:r>
+              <a:rPr lang="en-US" altLang="ko-KR" dirty="0"/>
+              <a:t>Transformer</a:t>
+            </a:r>
+            <a:r>
+              <a:rPr lang="ko-KR" altLang="en-US" dirty="0"/>
+              <a:t>는 문장 전체를 한 번에 병렬로 처리하면서 단어들 사이에 관계를 </a:t>
+            </a:r>
+            <a:r>
+              <a:rPr lang="en-US" altLang="ko-KR" dirty="0"/>
+              <a:t>Attention </a:t>
             </a:r>
             <a:r>
               <a:rPr lang="ko-KR" altLang="en-US" dirty="0" err="1"/>
-              <a:t>임베딩</a:t>
+              <a:t>매커니즘으로</a:t>
             </a:r>
             <a:r>
               <a:rPr lang="ko-KR" altLang="en-US" dirty="0"/>
-              <a:t> 방식</a:t>
+              <a:t> 계산하는 방식</a:t>
             </a:r>
             <a:endParaRPr lang="en-US" altLang="ko-KR" dirty="0"/>
           </a:p>
@@ -4819,7 +6569,7 @@
             </a:pPr>
             <a:r>
               <a:rPr lang="ko-KR" altLang="en-US" dirty="0"/>
-              <a:t>문맥을 바탕으로 단어의 의미를 학습하는 모델</a:t>
+              <a:t>문장의 순서보다는 단어들 사이에 관계를 중요시 여김</a:t>
             </a:r>
             <a:endParaRPr lang="en-US" altLang="ko-KR" dirty="0"/>
           </a:p>
@@ -4828,9 +6578,47 @@
               <a:buFont typeface="Arial" panose="020B0604020202020204" pitchFamily="34" charset="0"/>
               <a:buChar char="•"/>
             </a:pPr>
+            <a:endParaRPr lang="en-US" altLang="ko-KR" dirty="0"/>
+          </a:p>
+          <a:p>
+            <a:pPr marL="285750" indent="-285750">
+              <a:buFont typeface="Arial" panose="020B0604020202020204" pitchFamily="34" charset="0"/>
+              <a:buChar char="•"/>
+            </a:pPr>
+            <a:r>
+              <a:rPr lang="en-US" altLang="ko-KR" dirty="0"/>
+              <a:t>Encoder</a:t>
+            </a:r>
+          </a:p>
+          <a:p>
+            <a:pPr marL="742950" lvl="1" indent="-285750">
+              <a:buFont typeface="Arial" panose="020B0604020202020204" pitchFamily="34" charset="0"/>
+              <a:buChar char="•"/>
+            </a:pPr>
             <a:r>
               <a:rPr lang="ko-KR" altLang="en-US" dirty="0"/>
-              <a:t>코사인 유사도를 활용하여 단어 간 의미적 유사성을 표현 할 수 있는 모델</a:t>
+              <a:t>입력 문장의 의미를 이해 </a:t>
+            </a:r>
+            <a:endParaRPr lang="en-US" altLang="ko-KR" dirty="0"/>
+          </a:p>
+          <a:p>
+            <a:pPr marL="285750" indent="-285750">
+              <a:buFont typeface="Arial" panose="020B0604020202020204" pitchFamily="34" charset="0"/>
+              <a:buChar char="•"/>
+            </a:pPr>
+            <a:r>
+              <a:rPr lang="en-US" altLang="ko-KR" dirty="0"/>
+              <a:t>Decoder</a:t>
+            </a:r>
+          </a:p>
+          <a:p>
+            <a:pPr marL="742950" lvl="1" indent="-285750">
+              <a:buFont typeface="Arial" panose="020B0604020202020204" pitchFamily="34" charset="0"/>
+              <a:buChar char="•"/>
+            </a:pPr>
+            <a:r>
+              <a:rPr lang="ko-KR" altLang="en-US" dirty="0"/>
+              <a:t>이해한 의미를 바탕으로 출력을 생성</a:t>
             </a:r>
             <a:endParaRPr lang="en-US" altLang="ko-KR" dirty="0"/>
           </a:p>
@@ -4845,7 +6633,7 @@
         <p:spPr>
           <a:xfrm>
             <a:off x="539552" y="1065096"/>
-            <a:ext cx="7992888" cy="446276"/>
+            <a:ext cx="7992888" cy="461665"/>
           </a:xfrm>
           <a:prstGeom prst="rect">
             <a:avLst/>
@@ -4859,14 +6647,19 @@
           <a:lstStyle/>
           <a:p>
             <a:r>
-              <a:rPr lang="en-US" altLang="ko-KR" sz="2300" dirty="0"/>
-              <a:t>Word2Vec</a:t>
+              <a:rPr lang="en-US" altLang="ko-KR" sz="2400" dirty="0"/>
+              <a:t>Transformer</a:t>
             </a:r>
             <a:endParaRPr lang="ko-KR" altLang="en-US" sz="2300" dirty="0"/>
           </a:p>
         </p:txBody>
       </p:sp>
     </p:spTree>
+    <p:extLst>
+      <p:ext uri="{BB962C8B-B14F-4D97-AF65-F5344CB8AC3E}">
+        <p14:creationId xmlns:p14="http://schemas.microsoft.com/office/powerpoint/2010/main" val="2934796513"/>
+      </p:ext>
+    </p:extLst>
   </p:cSld>
   <p:clrMapOvr>
     <a:masterClrMapping/>
@@ -4874,7 +6667,7 @@
 </p:sld>
 </file>
 
-<file path=ppt/slides/slide4.xml><?xml version="1.0" encoding="utf-8"?>
+<file path=ppt/slides/slide14.xml><?xml version="1.0" encoding="utf-8"?>
 <p:sld xmlns:a="http://schemas.openxmlformats.org/drawingml/2006/main" xmlns:r="http://schemas.openxmlformats.org/officeDocument/2006/relationships" xmlns:p="http://schemas.openxmlformats.org/presentationml/2006/main">
   <p:cSld>
     <p:spTree>
@@ -5029,7 +6822,7 @@
         <p:spPr>
           <a:xfrm>
             <a:off x="971600" y="1700955"/>
-            <a:ext cx="7200800" cy="2031325"/>
+            <a:ext cx="7200800" cy="2308324"/>
           </a:xfrm>
           <a:prstGeom prst="rect">
             <a:avLst/>
@@ -5048,7 +6841,7 @@
             </a:pPr>
             <a:r>
               <a:rPr lang="en-US" altLang="ko-KR" dirty="0"/>
-              <a:t>CBOW</a:t>
+              <a:t>Self-Attention</a:t>
             </a:r>
           </a:p>
           <a:p>
@@ -5058,7 +6851,7 @@
             </a:pPr>
             <a:r>
               <a:rPr lang="ko-KR" altLang="en-US" dirty="0"/>
-              <a:t>주변 단어를 이용하여 중심 단어를 예측</a:t>
+              <a:t>문장 내의 모든 단어가 얼마나 관련이 있는가를 계산</a:t>
             </a:r>
             <a:endParaRPr lang="en-US" altLang="ko-KR" dirty="0"/>
           </a:p>
@@ -5069,28 +6862,17 @@
             </a:pPr>
             <a:r>
               <a:rPr lang="ko-KR" altLang="en-US" dirty="0"/>
-              <a:t>문맥의 단어 </a:t>
-            </a:r>
-            <a:r>
-              <a:rPr lang="en-US" altLang="ko-KR" dirty="0"/>
-              <a:t>: [</a:t>
+              <a:t>입력 단어들을 </a:t>
+            </a:r>
+            <a:r>
+              <a:rPr lang="ko-KR" altLang="en-US" dirty="0" err="1"/>
+              <a:t>임베딩</a:t>
             </a:r>
             <a:r>
               <a:rPr lang="ko-KR" altLang="en-US" dirty="0"/>
-              <a:t>나는</a:t>
-            </a:r>
-            <a:r>
-              <a:rPr lang="en-US" altLang="ko-KR" dirty="0"/>
-              <a:t>, </a:t>
-            </a:r>
-            <a:r>
-              <a:rPr lang="ko-KR" altLang="en-US" dirty="0"/>
-              <a:t>먹었다</a:t>
-            </a:r>
-            <a:r>
-              <a:rPr lang="en-US" altLang="ko-KR" dirty="0"/>
-              <a:t>]</a:t>
-            </a:r>
+              <a:t> </a:t>
+            </a:r>
+            <a:endParaRPr lang="en-US" altLang="ko-KR" dirty="0"/>
           </a:p>
           <a:p>
             <a:pPr marL="1200150" lvl="2" indent="-285750">
@@ -5099,68 +6881,92 @@
             </a:pPr>
             <a:r>
               <a:rPr lang="ko-KR" altLang="en-US" dirty="0"/>
-              <a:t>중심 단어 </a:t>
+              <a:t>각 </a:t>
+            </a:r>
+            <a:r>
+              <a:rPr lang="ko-KR" altLang="en-US" dirty="0" err="1"/>
+              <a:t>단어별</a:t>
+            </a:r>
+            <a:r>
+              <a:rPr lang="ko-KR" altLang="en-US" dirty="0"/>
+              <a:t> </a:t>
             </a:r>
             <a:r>
               <a:rPr lang="en-US" altLang="ko-KR" dirty="0"/>
-              <a:t>: </a:t>
+              <a:t>Query, Key, Value </a:t>
             </a:r>
             <a:r>
               <a:rPr lang="ko-KR" altLang="en-US" dirty="0"/>
-              <a:t>밥</a:t>
+              <a:t>벡터로 변환 </a:t>
             </a:r>
             <a:endParaRPr lang="en-US" altLang="ko-KR" dirty="0"/>
           </a:p>
           <a:p>
-            <a:pPr marL="742950" lvl="1" indent="-285750">
+            <a:pPr marL="1200150" lvl="2" indent="-285750">
               <a:buFont typeface="Arial" panose="020B0604020202020204" pitchFamily="34" charset="0"/>
               <a:buChar char="•"/>
             </a:pPr>
             <a:r>
               <a:rPr lang="ko-KR" altLang="en-US" dirty="0"/>
-              <a:t>특정 단어가 어떤 문맥에 등장하는지를 이해하는 방법</a:t>
+              <a:t>각 단어의 </a:t>
+            </a:r>
+            <a:r>
+              <a:rPr lang="en-US" altLang="ko-KR" dirty="0"/>
+              <a:t>Query</a:t>
+            </a:r>
+            <a:r>
+              <a:rPr lang="ko-KR" altLang="en-US" dirty="0"/>
+              <a:t>와 모든 단어의 </a:t>
+            </a:r>
+            <a:r>
+              <a:rPr lang="en-US" altLang="ko-KR" dirty="0"/>
+              <a:t>Key</a:t>
+            </a:r>
+            <a:r>
+              <a:rPr lang="ko-KR" altLang="en-US" dirty="0"/>
+              <a:t>를 </a:t>
+            </a:r>
+            <a:r>
+              <a:rPr lang="ko-KR" altLang="en-US" dirty="0" err="1"/>
+              <a:t>내적하여</a:t>
+            </a:r>
+            <a:r>
+              <a:rPr lang="ko-KR" altLang="en-US" dirty="0"/>
+              <a:t> 유사도를 계산</a:t>
             </a:r>
             <a:endParaRPr lang="en-US" altLang="ko-KR" dirty="0"/>
           </a:p>
           <a:p>
-            <a:pPr marL="742950" lvl="1" indent="-285750">
+            <a:pPr marL="1200150" lvl="2" indent="-285750">
               <a:buFont typeface="Arial" panose="020B0604020202020204" pitchFamily="34" charset="0"/>
               <a:buChar char="•"/>
             </a:pPr>
             <a:r>
               <a:rPr lang="ko-KR" altLang="en-US" dirty="0"/>
-              <a:t>긴 문맥에서는 잘 반영이 되지 </a:t>
-            </a:r>
-            <a:r>
-              <a:rPr lang="ko-KR" altLang="en-US" dirty="0" smtClean="0"/>
-              <a:t>않는 </a:t>
+              <a:t>정규화 </a:t>
+            </a:r>
+            <a:r>
+              <a:rPr lang="en-US" altLang="ko-KR" dirty="0"/>
+              <a:t>-&gt; </a:t>
             </a:r>
             <a:r>
               <a:rPr lang="ko-KR" altLang="en-US" dirty="0"/>
-              <a:t>문제가 있음</a:t>
+              <a:t>가중치 생성</a:t>
             </a:r>
             <a:endParaRPr lang="en-US" altLang="ko-KR" dirty="0"/>
           </a:p>
           <a:p>
-            <a:pPr marL="742950" lvl="1" indent="-285750">
+            <a:pPr marL="1200150" lvl="2" indent="-285750">
               <a:buFont typeface="Arial" panose="020B0604020202020204" pitchFamily="34" charset="0"/>
               <a:buChar char="•"/>
             </a:pPr>
             <a:r>
-              <a:rPr lang="ko-KR" altLang="en-US" dirty="0" smtClean="0"/>
-              <a:t>속도가 빠르고</a:t>
-            </a:r>
-            <a:r>
-              <a:rPr lang="en-US" altLang="ko-KR" dirty="0" smtClean="0"/>
-              <a:t>,</a:t>
-            </a:r>
-            <a:r>
-              <a:rPr lang="ko-KR" altLang="en-US" dirty="0" smtClean="0"/>
-              <a:t> </a:t>
+              <a:rPr lang="en-US" altLang="ko-KR" dirty="0"/>
+              <a:t>Value </a:t>
             </a:r>
             <a:r>
               <a:rPr lang="ko-KR" altLang="en-US" dirty="0"/>
-              <a:t>자주 등장하는 단어에 유리</a:t>
+              <a:t>벡터에 가중치를 곱해 최종 단어 표현을 생성</a:t>
             </a:r>
             <a:endParaRPr lang="en-US" altLang="ko-KR" dirty="0"/>
           </a:p>
@@ -5175,7 +6981,7 @@
         <p:spPr>
           <a:xfrm>
             <a:off x="539552" y="1065096"/>
-            <a:ext cx="7992888" cy="446276"/>
+            <a:ext cx="7992888" cy="461665"/>
           </a:xfrm>
           <a:prstGeom prst="rect">
             <a:avLst/>
@@ -5189,17 +6995,719 @@
           <a:lstStyle/>
           <a:p>
             <a:r>
-              <a:rPr lang="en-US" altLang="ko-KR" sz="2300" dirty="0"/>
-              <a:t>Word2Vec</a:t>
+              <a:rPr lang="en-US" altLang="ko-KR" sz="2400" dirty="0"/>
+              <a:t>Transformer </a:t>
+            </a:r>
+            <a:r>
+              <a:rPr lang="ko-KR" altLang="en-US" sz="2400" dirty="0"/>
+              <a:t>구조</a:t>
             </a:r>
             <a:endParaRPr lang="ko-KR" altLang="en-US" sz="2300" dirty="0"/>
           </a:p>
         </p:txBody>
       </p:sp>
+      <p:graphicFrame>
+        <p:nvGraphicFramePr>
+          <p:cNvPr id="2" name="표 1">
+            <a:extLst>
+              <a:ext uri="{FF2B5EF4-FFF2-40B4-BE49-F238E27FC236}">
+                <a16:creationId xmlns:a16="http://schemas.microsoft.com/office/drawing/2014/main" id="{900FFAA2-E65E-4B95-8557-01964A744DAA}"/>
+              </a:ext>
+            </a:extLst>
+          </p:cNvPr>
+          <p:cNvGraphicFramePr>
+            <a:graphicFrameLocks noGrp="1"/>
+          </p:cNvGraphicFramePr>
+          <p:nvPr>
+            <p:extLst>
+              <p:ext uri="{D42A27DB-BD31-4B8C-83A1-F6EECF244321}">
+                <p14:modId xmlns:p14="http://schemas.microsoft.com/office/powerpoint/2010/main" val="1570181403"/>
+              </p:ext>
+            </p:extLst>
+          </p:nvPr>
+        </p:nvGraphicFramePr>
+        <p:xfrm>
+          <a:off x="750404" y="4183473"/>
+          <a:ext cx="7571184" cy="1944078"/>
+        </p:xfrm>
+        <a:graphic>
+          <a:graphicData uri="http://schemas.openxmlformats.org/drawingml/2006/table">
+            <a:tbl>
+              <a:tblPr/>
+              <a:tblGrid>
+                <a:gridCol w="2523728">
+                  <a:extLst>
+                    <a:ext uri="{9D8B030D-6E8A-4147-A177-3AD203B41FA5}">
+                      <a16:colId xmlns:a16="http://schemas.microsoft.com/office/drawing/2014/main" val="3002977722"/>
+                    </a:ext>
+                  </a:extLst>
+                </a:gridCol>
+                <a:gridCol w="2523728">
+                  <a:extLst>
+                    <a:ext uri="{9D8B030D-6E8A-4147-A177-3AD203B41FA5}">
+                      <a16:colId xmlns:a16="http://schemas.microsoft.com/office/drawing/2014/main" val="2024848494"/>
+                    </a:ext>
+                  </a:extLst>
+                </a:gridCol>
+                <a:gridCol w="2523728">
+                  <a:extLst>
+                    <a:ext uri="{9D8B030D-6E8A-4147-A177-3AD203B41FA5}">
+                      <a16:colId xmlns:a16="http://schemas.microsoft.com/office/drawing/2014/main" val="517907460"/>
+                    </a:ext>
+                  </a:extLst>
+                </a:gridCol>
+              </a:tblGrid>
+              <a:tr h="353469">
+                <a:tc>
+                  <a:txBody>
+                    <a:bodyPr/>
+                    <a:lstStyle/>
+                    <a:p>
+                      <a:r>
+                        <a:rPr lang="ko-KR" altLang="en-US" sz="1500"/>
+                        <a:t>이름</a:t>
+                      </a:r>
+                    </a:p>
+                  </a:txBody>
+                  <a:tcPr anchor="ctr">
+                    <a:lnL w="12700" cap="flat" cmpd="sng" algn="ctr">
+                      <a:solidFill>
+                        <a:schemeClr val="tx1"/>
+                      </a:solidFill>
+                      <a:prstDash val="solid"/>
+                      <a:round/>
+                      <a:headEnd type="none" w="med" len="med"/>
+                      <a:tailEnd type="none" w="med" len="med"/>
+                    </a:lnL>
+                    <a:lnR w="12700" cap="flat" cmpd="sng" algn="ctr">
+                      <a:solidFill>
+                        <a:schemeClr val="tx1"/>
+                      </a:solidFill>
+                      <a:prstDash val="solid"/>
+                      <a:round/>
+                      <a:headEnd type="none" w="med" len="med"/>
+                      <a:tailEnd type="none" w="med" len="med"/>
+                    </a:lnR>
+                    <a:lnT w="12700" cap="flat" cmpd="sng" algn="ctr">
+                      <a:solidFill>
+                        <a:schemeClr val="tx1"/>
+                      </a:solidFill>
+                      <a:prstDash val="solid"/>
+                      <a:round/>
+                      <a:headEnd type="none" w="med" len="med"/>
+                      <a:tailEnd type="none" w="med" len="med"/>
+                    </a:lnT>
+                    <a:lnB w="12700" cap="flat" cmpd="sng" algn="ctr">
+                      <a:solidFill>
+                        <a:schemeClr val="tx1"/>
+                      </a:solidFill>
+                      <a:prstDash val="solid"/>
+                      <a:round/>
+                      <a:headEnd type="none" w="med" len="med"/>
+                      <a:tailEnd type="none" w="med" len="med"/>
+                    </a:lnB>
+                  </a:tcPr>
+                </a:tc>
+                <a:tc>
+                  <a:txBody>
+                    <a:bodyPr/>
+                    <a:lstStyle/>
+                    <a:p>
+                      <a:r>
+                        <a:rPr lang="ko-KR" altLang="en-US" sz="1500"/>
+                        <a:t>역할</a:t>
+                      </a:r>
+                    </a:p>
+                  </a:txBody>
+                  <a:tcPr anchor="ctr">
+                    <a:lnL w="12700" cap="flat" cmpd="sng" algn="ctr">
+                      <a:solidFill>
+                        <a:schemeClr val="tx1"/>
+                      </a:solidFill>
+                      <a:prstDash val="solid"/>
+                      <a:round/>
+                      <a:headEnd type="none" w="med" len="med"/>
+                      <a:tailEnd type="none" w="med" len="med"/>
+                    </a:lnL>
+                    <a:lnR w="12700" cap="flat" cmpd="sng" algn="ctr">
+                      <a:solidFill>
+                        <a:schemeClr val="tx1"/>
+                      </a:solidFill>
+                      <a:prstDash val="solid"/>
+                      <a:round/>
+                      <a:headEnd type="none" w="med" len="med"/>
+                      <a:tailEnd type="none" w="med" len="med"/>
+                    </a:lnR>
+                    <a:lnT w="12700" cap="flat" cmpd="sng" algn="ctr">
+                      <a:solidFill>
+                        <a:schemeClr val="tx1"/>
+                      </a:solidFill>
+                      <a:prstDash val="solid"/>
+                      <a:round/>
+                      <a:headEnd type="none" w="med" len="med"/>
+                      <a:tailEnd type="none" w="med" len="med"/>
+                    </a:lnT>
+                    <a:lnB w="12700" cap="flat" cmpd="sng" algn="ctr">
+                      <a:solidFill>
+                        <a:schemeClr val="tx1"/>
+                      </a:solidFill>
+                      <a:prstDash val="solid"/>
+                      <a:round/>
+                      <a:headEnd type="none" w="med" len="med"/>
+                      <a:tailEnd type="none" w="med" len="med"/>
+                    </a:lnB>
+                  </a:tcPr>
+                </a:tc>
+                <a:tc>
+                  <a:txBody>
+                    <a:bodyPr/>
+                    <a:lstStyle/>
+                    <a:p>
+                      <a:r>
+                        <a:rPr lang="ko-KR" altLang="en-US" sz="1500"/>
+                        <a:t>비유</a:t>
+                      </a:r>
+                    </a:p>
+                  </a:txBody>
+                  <a:tcPr anchor="ctr">
+                    <a:lnL w="12700" cap="flat" cmpd="sng" algn="ctr">
+                      <a:solidFill>
+                        <a:schemeClr val="tx1"/>
+                      </a:solidFill>
+                      <a:prstDash val="solid"/>
+                      <a:round/>
+                      <a:headEnd type="none" w="med" len="med"/>
+                      <a:tailEnd type="none" w="med" len="med"/>
+                    </a:lnL>
+                    <a:lnR w="12700" cap="flat" cmpd="sng" algn="ctr">
+                      <a:solidFill>
+                        <a:schemeClr val="tx1"/>
+                      </a:solidFill>
+                      <a:prstDash val="solid"/>
+                      <a:round/>
+                      <a:headEnd type="none" w="med" len="med"/>
+                      <a:tailEnd type="none" w="med" len="med"/>
+                    </a:lnR>
+                    <a:lnT w="12700" cap="flat" cmpd="sng" algn="ctr">
+                      <a:solidFill>
+                        <a:schemeClr val="tx1"/>
+                      </a:solidFill>
+                      <a:prstDash val="solid"/>
+                      <a:round/>
+                      <a:headEnd type="none" w="med" len="med"/>
+                      <a:tailEnd type="none" w="med" len="med"/>
+                    </a:lnT>
+                    <a:lnB w="12700" cap="flat" cmpd="sng" algn="ctr">
+                      <a:solidFill>
+                        <a:schemeClr val="tx1"/>
+                      </a:solidFill>
+                      <a:prstDash val="solid"/>
+                      <a:round/>
+                      <a:headEnd type="none" w="med" len="med"/>
+                      <a:tailEnd type="none" w="med" len="med"/>
+                    </a:lnB>
+                  </a:tcPr>
+                </a:tc>
+                <a:extLst>
+                  <a:ext uri="{0D108BD9-81ED-4DB2-BD59-A6C34878D82A}">
+                    <a16:rowId xmlns:a16="http://schemas.microsoft.com/office/drawing/2014/main" val="780124942"/>
+                  </a:ext>
+                </a:extLst>
+              </a:tr>
+              <a:tr h="618570">
+                <a:tc>
+                  <a:txBody>
+                    <a:bodyPr/>
+                    <a:lstStyle/>
+                    <a:p>
+                      <a:r>
+                        <a:rPr lang="en-US" sz="1500" b="1"/>
+                        <a:t>Query (Q)</a:t>
+                      </a:r>
+                      <a:endParaRPr lang="en-US" sz="1500"/>
+                    </a:p>
+                  </a:txBody>
+                  <a:tcPr anchor="ctr">
+                    <a:lnL w="12700" cap="flat" cmpd="sng" algn="ctr">
+                      <a:solidFill>
+                        <a:schemeClr val="tx1"/>
+                      </a:solidFill>
+                      <a:prstDash val="solid"/>
+                      <a:round/>
+                      <a:headEnd type="none" w="med" len="med"/>
+                      <a:tailEnd type="none" w="med" len="med"/>
+                    </a:lnL>
+                    <a:lnR w="12700" cap="flat" cmpd="sng" algn="ctr">
+                      <a:solidFill>
+                        <a:schemeClr val="tx1"/>
+                      </a:solidFill>
+                      <a:prstDash val="solid"/>
+                      <a:round/>
+                      <a:headEnd type="none" w="med" len="med"/>
+                      <a:tailEnd type="none" w="med" len="med"/>
+                    </a:lnR>
+                    <a:lnT w="12700" cap="flat" cmpd="sng" algn="ctr">
+                      <a:solidFill>
+                        <a:schemeClr val="tx1"/>
+                      </a:solidFill>
+                      <a:prstDash val="solid"/>
+                      <a:round/>
+                      <a:headEnd type="none" w="med" len="med"/>
+                      <a:tailEnd type="none" w="med" len="med"/>
+                    </a:lnT>
+                    <a:lnB w="12700" cap="flat" cmpd="sng" algn="ctr">
+                      <a:solidFill>
+                        <a:schemeClr val="tx1"/>
+                      </a:solidFill>
+                      <a:prstDash val="solid"/>
+                      <a:round/>
+                      <a:headEnd type="none" w="med" len="med"/>
+                      <a:tailEnd type="none" w="med" len="med"/>
+                    </a:lnB>
+                  </a:tcPr>
+                </a:tc>
+                <a:tc>
+                  <a:txBody>
+                    <a:bodyPr/>
+                    <a:lstStyle/>
+                    <a:p>
+                      <a:r>
+                        <a:rPr lang="ko-KR" altLang="en-US" sz="1500"/>
+                        <a:t>“내가 찾고 싶은 정보는 뭐지</a:t>
+                      </a:r>
+                      <a:r>
+                        <a:rPr lang="en-US" altLang="ko-KR" sz="1500"/>
+                        <a:t>?”</a:t>
+                      </a:r>
+                    </a:p>
+                  </a:txBody>
+                  <a:tcPr anchor="ctr">
+                    <a:lnL w="12700" cap="flat" cmpd="sng" algn="ctr">
+                      <a:solidFill>
+                        <a:schemeClr val="tx1"/>
+                      </a:solidFill>
+                      <a:prstDash val="solid"/>
+                      <a:round/>
+                      <a:headEnd type="none" w="med" len="med"/>
+                      <a:tailEnd type="none" w="med" len="med"/>
+                    </a:lnL>
+                    <a:lnR w="12700" cap="flat" cmpd="sng" algn="ctr">
+                      <a:solidFill>
+                        <a:schemeClr val="tx1"/>
+                      </a:solidFill>
+                      <a:prstDash val="solid"/>
+                      <a:round/>
+                      <a:headEnd type="none" w="med" len="med"/>
+                      <a:tailEnd type="none" w="med" len="med"/>
+                    </a:lnR>
+                    <a:lnT w="12700" cap="flat" cmpd="sng" algn="ctr">
+                      <a:solidFill>
+                        <a:schemeClr val="tx1"/>
+                      </a:solidFill>
+                      <a:prstDash val="solid"/>
+                      <a:round/>
+                      <a:headEnd type="none" w="med" len="med"/>
+                      <a:tailEnd type="none" w="med" len="med"/>
+                    </a:lnT>
+                    <a:lnB w="12700" cap="flat" cmpd="sng" algn="ctr">
+                      <a:solidFill>
+                        <a:schemeClr val="tx1"/>
+                      </a:solidFill>
+                      <a:prstDash val="solid"/>
+                      <a:round/>
+                      <a:headEnd type="none" w="med" len="med"/>
+                      <a:tailEnd type="none" w="med" len="med"/>
+                    </a:lnB>
+                  </a:tcPr>
+                </a:tc>
+                <a:tc>
+                  <a:txBody>
+                    <a:bodyPr/>
+                    <a:lstStyle/>
+                    <a:p>
+                      <a:r>
+                        <a:rPr lang="ko-KR" altLang="en-US" sz="1500"/>
+                        <a:t>질문자</a:t>
+                      </a:r>
+                    </a:p>
+                  </a:txBody>
+                  <a:tcPr anchor="ctr">
+                    <a:lnL w="12700" cap="flat" cmpd="sng" algn="ctr">
+                      <a:solidFill>
+                        <a:schemeClr val="tx1"/>
+                      </a:solidFill>
+                      <a:prstDash val="solid"/>
+                      <a:round/>
+                      <a:headEnd type="none" w="med" len="med"/>
+                      <a:tailEnd type="none" w="med" len="med"/>
+                    </a:lnL>
+                    <a:lnR w="12700" cap="flat" cmpd="sng" algn="ctr">
+                      <a:solidFill>
+                        <a:schemeClr val="tx1"/>
+                      </a:solidFill>
+                      <a:prstDash val="solid"/>
+                      <a:round/>
+                      <a:headEnd type="none" w="med" len="med"/>
+                      <a:tailEnd type="none" w="med" len="med"/>
+                    </a:lnR>
+                    <a:lnT w="12700" cap="flat" cmpd="sng" algn="ctr">
+                      <a:solidFill>
+                        <a:schemeClr val="tx1"/>
+                      </a:solidFill>
+                      <a:prstDash val="solid"/>
+                      <a:round/>
+                      <a:headEnd type="none" w="med" len="med"/>
+                      <a:tailEnd type="none" w="med" len="med"/>
+                    </a:lnT>
+                    <a:lnB w="12700" cap="flat" cmpd="sng" algn="ctr">
+                      <a:solidFill>
+                        <a:schemeClr val="tx1"/>
+                      </a:solidFill>
+                      <a:prstDash val="solid"/>
+                      <a:round/>
+                      <a:headEnd type="none" w="med" len="med"/>
+                      <a:tailEnd type="none" w="med" len="med"/>
+                    </a:lnB>
+                  </a:tcPr>
+                </a:tc>
+                <a:extLst>
+                  <a:ext uri="{0D108BD9-81ED-4DB2-BD59-A6C34878D82A}">
+                    <a16:rowId xmlns:a16="http://schemas.microsoft.com/office/drawing/2014/main" val="1705754885"/>
+                  </a:ext>
+                </a:extLst>
+              </a:tr>
+              <a:tr h="618570">
+                <a:tc>
+                  <a:txBody>
+                    <a:bodyPr/>
+                    <a:lstStyle/>
+                    <a:p>
+                      <a:r>
+                        <a:rPr lang="en-US" sz="1500" b="1"/>
+                        <a:t>Key (K)</a:t>
+                      </a:r>
+                      <a:endParaRPr lang="en-US" sz="1500"/>
+                    </a:p>
+                  </a:txBody>
+                  <a:tcPr anchor="ctr">
+                    <a:lnL w="12700" cap="flat" cmpd="sng" algn="ctr">
+                      <a:solidFill>
+                        <a:schemeClr val="tx1"/>
+                      </a:solidFill>
+                      <a:prstDash val="solid"/>
+                      <a:round/>
+                      <a:headEnd type="none" w="med" len="med"/>
+                      <a:tailEnd type="none" w="med" len="med"/>
+                    </a:lnL>
+                    <a:lnR w="12700" cap="flat" cmpd="sng" algn="ctr">
+                      <a:solidFill>
+                        <a:schemeClr val="tx1"/>
+                      </a:solidFill>
+                      <a:prstDash val="solid"/>
+                      <a:round/>
+                      <a:headEnd type="none" w="med" len="med"/>
+                      <a:tailEnd type="none" w="med" len="med"/>
+                    </a:lnR>
+                    <a:lnT w="12700" cap="flat" cmpd="sng" algn="ctr">
+                      <a:solidFill>
+                        <a:schemeClr val="tx1"/>
+                      </a:solidFill>
+                      <a:prstDash val="solid"/>
+                      <a:round/>
+                      <a:headEnd type="none" w="med" len="med"/>
+                      <a:tailEnd type="none" w="med" len="med"/>
+                    </a:lnT>
+                    <a:lnB w="12700" cap="flat" cmpd="sng" algn="ctr">
+                      <a:solidFill>
+                        <a:schemeClr val="tx1"/>
+                      </a:solidFill>
+                      <a:prstDash val="solid"/>
+                      <a:round/>
+                      <a:headEnd type="none" w="med" len="med"/>
+                      <a:tailEnd type="none" w="med" len="med"/>
+                    </a:lnB>
+                  </a:tcPr>
+                </a:tc>
+                <a:tc>
+                  <a:txBody>
+                    <a:bodyPr/>
+                    <a:lstStyle/>
+                    <a:p>
+                      <a:r>
+                        <a:rPr lang="ko-KR" altLang="en-US" sz="1500"/>
+                        <a:t>“내가 가진 정보는 이런 거야</a:t>
+                      </a:r>
+                      <a:r>
+                        <a:rPr lang="en-US" altLang="ko-KR" sz="1500"/>
+                        <a:t>.”</a:t>
+                      </a:r>
+                    </a:p>
+                  </a:txBody>
+                  <a:tcPr anchor="ctr">
+                    <a:lnL w="12700" cap="flat" cmpd="sng" algn="ctr">
+                      <a:solidFill>
+                        <a:schemeClr val="tx1"/>
+                      </a:solidFill>
+                      <a:prstDash val="solid"/>
+                      <a:round/>
+                      <a:headEnd type="none" w="med" len="med"/>
+                      <a:tailEnd type="none" w="med" len="med"/>
+                    </a:lnL>
+                    <a:lnR w="12700" cap="flat" cmpd="sng" algn="ctr">
+                      <a:solidFill>
+                        <a:schemeClr val="tx1"/>
+                      </a:solidFill>
+                      <a:prstDash val="solid"/>
+                      <a:round/>
+                      <a:headEnd type="none" w="med" len="med"/>
+                      <a:tailEnd type="none" w="med" len="med"/>
+                    </a:lnR>
+                    <a:lnT w="12700" cap="flat" cmpd="sng" algn="ctr">
+                      <a:solidFill>
+                        <a:schemeClr val="tx1"/>
+                      </a:solidFill>
+                      <a:prstDash val="solid"/>
+                      <a:round/>
+                      <a:headEnd type="none" w="med" len="med"/>
+                      <a:tailEnd type="none" w="med" len="med"/>
+                    </a:lnT>
+                    <a:lnB w="12700" cap="flat" cmpd="sng" algn="ctr">
+                      <a:solidFill>
+                        <a:schemeClr val="tx1"/>
+                      </a:solidFill>
+                      <a:prstDash val="solid"/>
+                      <a:round/>
+                      <a:headEnd type="none" w="med" len="med"/>
+                      <a:tailEnd type="none" w="med" len="med"/>
+                    </a:lnB>
+                  </a:tcPr>
+                </a:tc>
+                <a:tc>
+                  <a:txBody>
+                    <a:bodyPr/>
+                    <a:lstStyle/>
+                    <a:p>
+                      <a:r>
+                        <a:rPr lang="ko-KR" altLang="en-US" sz="1500"/>
+                        <a:t>도서관 책의 색인</a:t>
+                      </a:r>
+                    </a:p>
+                  </a:txBody>
+                  <a:tcPr anchor="ctr">
+                    <a:lnL w="12700" cap="flat" cmpd="sng" algn="ctr">
+                      <a:solidFill>
+                        <a:schemeClr val="tx1"/>
+                      </a:solidFill>
+                      <a:prstDash val="solid"/>
+                      <a:round/>
+                      <a:headEnd type="none" w="med" len="med"/>
+                      <a:tailEnd type="none" w="med" len="med"/>
+                    </a:lnL>
+                    <a:lnR w="12700" cap="flat" cmpd="sng" algn="ctr">
+                      <a:solidFill>
+                        <a:schemeClr val="tx1"/>
+                      </a:solidFill>
+                      <a:prstDash val="solid"/>
+                      <a:round/>
+                      <a:headEnd type="none" w="med" len="med"/>
+                      <a:tailEnd type="none" w="med" len="med"/>
+                    </a:lnR>
+                    <a:lnT w="12700" cap="flat" cmpd="sng" algn="ctr">
+                      <a:solidFill>
+                        <a:schemeClr val="tx1"/>
+                      </a:solidFill>
+                      <a:prstDash val="solid"/>
+                      <a:round/>
+                      <a:headEnd type="none" w="med" len="med"/>
+                      <a:tailEnd type="none" w="med" len="med"/>
+                    </a:lnT>
+                    <a:lnB w="12700" cap="flat" cmpd="sng" algn="ctr">
+                      <a:solidFill>
+                        <a:schemeClr val="tx1"/>
+                      </a:solidFill>
+                      <a:prstDash val="solid"/>
+                      <a:round/>
+                      <a:headEnd type="none" w="med" len="med"/>
+                      <a:tailEnd type="none" w="med" len="med"/>
+                    </a:lnB>
+                  </a:tcPr>
+                </a:tc>
+                <a:extLst>
+                  <a:ext uri="{0D108BD9-81ED-4DB2-BD59-A6C34878D82A}">
+                    <a16:rowId xmlns:a16="http://schemas.microsoft.com/office/drawing/2014/main" val="3566817288"/>
+                  </a:ext>
+                </a:extLst>
+              </a:tr>
+              <a:tr h="353469">
+                <a:tc>
+                  <a:txBody>
+                    <a:bodyPr/>
+                    <a:lstStyle/>
+                    <a:p>
+                      <a:r>
+                        <a:rPr lang="en-US" sz="1500" b="1"/>
+                        <a:t>Value (V)</a:t>
+                      </a:r>
+                      <a:endParaRPr lang="en-US" sz="1500"/>
+                    </a:p>
+                  </a:txBody>
+                  <a:tcPr anchor="ctr">
+                    <a:lnL w="12700" cap="flat" cmpd="sng" algn="ctr">
+                      <a:solidFill>
+                        <a:schemeClr val="tx1"/>
+                      </a:solidFill>
+                      <a:prstDash val="solid"/>
+                      <a:round/>
+                      <a:headEnd type="none" w="med" len="med"/>
+                      <a:tailEnd type="none" w="med" len="med"/>
+                    </a:lnL>
+                    <a:lnR w="12700" cap="flat" cmpd="sng" algn="ctr">
+                      <a:solidFill>
+                        <a:schemeClr val="tx1"/>
+                      </a:solidFill>
+                      <a:prstDash val="solid"/>
+                      <a:round/>
+                      <a:headEnd type="none" w="med" len="med"/>
+                      <a:tailEnd type="none" w="med" len="med"/>
+                    </a:lnR>
+                    <a:lnT w="12700" cap="flat" cmpd="sng" algn="ctr">
+                      <a:solidFill>
+                        <a:schemeClr val="tx1"/>
+                      </a:solidFill>
+                      <a:prstDash val="solid"/>
+                      <a:round/>
+                      <a:headEnd type="none" w="med" len="med"/>
+                      <a:tailEnd type="none" w="med" len="med"/>
+                    </a:lnT>
+                    <a:lnB w="12700" cap="flat" cmpd="sng" algn="ctr">
+                      <a:solidFill>
+                        <a:schemeClr val="tx1"/>
+                      </a:solidFill>
+                      <a:prstDash val="solid"/>
+                      <a:round/>
+                      <a:headEnd type="none" w="med" len="med"/>
+                      <a:tailEnd type="none" w="med" len="med"/>
+                    </a:lnB>
+                  </a:tcPr>
+                </a:tc>
+                <a:tc>
+                  <a:txBody>
+                    <a:bodyPr/>
+                    <a:lstStyle/>
+                    <a:p>
+                      <a:r>
+                        <a:rPr lang="ko-KR" altLang="en-US" sz="1500"/>
+                        <a:t>“실제 내용은 이거야</a:t>
+                      </a:r>
+                      <a:r>
+                        <a:rPr lang="en-US" altLang="ko-KR" sz="1500"/>
+                        <a:t>.”</a:t>
+                      </a:r>
+                    </a:p>
+                  </a:txBody>
+                  <a:tcPr anchor="ctr">
+                    <a:lnL w="12700" cap="flat" cmpd="sng" algn="ctr">
+                      <a:solidFill>
+                        <a:schemeClr val="tx1"/>
+                      </a:solidFill>
+                      <a:prstDash val="solid"/>
+                      <a:round/>
+                      <a:headEnd type="none" w="med" len="med"/>
+                      <a:tailEnd type="none" w="med" len="med"/>
+                    </a:lnL>
+                    <a:lnR w="12700" cap="flat" cmpd="sng" algn="ctr">
+                      <a:solidFill>
+                        <a:schemeClr val="tx1"/>
+                      </a:solidFill>
+                      <a:prstDash val="solid"/>
+                      <a:round/>
+                      <a:headEnd type="none" w="med" len="med"/>
+                      <a:tailEnd type="none" w="med" len="med"/>
+                    </a:lnR>
+                    <a:lnT w="12700" cap="flat" cmpd="sng" algn="ctr">
+                      <a:solidFill>
+                        <a:schemeClr val="tx1"/>
+                      </a:solidFill>
+                      <a:prstDash val="solid"/>
+                      <a:round/>
+                      <a:headEnd type="none" w="med" len="med"/>
+                      <a:tailEnd type="none" w="med" len="med"/>
+                    </a:lnT>
+                    <a:lnB w="12700" cap="flat" cmpd="sng" algn="ctr">
+                      <a:solidFill>
+                        <a:schemeClr val="tx1"/>
+                      </a:solidFill>
+                      <a:prstDash val="solid"/>
+                      <a:round/>
+                      <a:headEnd type="none" w="med" len="med"/>
+                      <a:tailEnd type="none" w="med" len="med"/>
+                    </a:lnB>
+                  </a:tcPr>
+                </a:tc>
+                <a:tc>
+                  <a:txBody>
+                    <a:bodyPr/>
+                    <a:lstStyle/>
+                    <a:p>
+                      <a:r>
+                        <a:rPr lang="ko-KR" altLang="en-US" sz="1500" dirty="0"/>
+                        <a:t>책의 내용</a:t>
+                      </a:r>
+                    </a:p>
+                  </a:txBody>
+                  <a:tcPr anchor="ctr">
+                    <a:lnL w="12700" cap="flat" cmpd="sng" algn="ctr">
+                      <a:solidFill>
+                        <a:schemeClr val="tx1"/>
+                      </a:solidFill>
+                      <a:prstDash val="solid"/>
+                      <a:round/>
+                      <a:headEnd type="none" w="med" len="med"/>
+                      <a:tailEnd type="none" w="med" len="med"/>
+                    </a:lnL>
+                    <a:lnR w="12700" cap="flat" cmpd="sng" algn="ctr">
+                      <a:solidFill>
+                        <a:schemeClr val="tx1"/>
+                      </a:solidFill>
+                      <a:prstDash val="solid"/>
+                      <a:round/>
+                      <a:headEnd type="none" w="med" len="med"/>
+                      <a:tailEnd type="none" w="med" len="med"/>
+                    </a:lnR>
+                    <a:lnT w="12700" cap="flat" cmpd="sng" algn="ctr">
+                      <a:solidFill>
+                        <a:schemeClr val="tx1"/>
+                      </a:solidFill>
+                      <a:prstDash val="solid"/>
+                      <a:round/>
+                      <a:headEnd type="none" w="med" len="med"/>
+                      <a:tailEnd type="none" w="med" len="med"/>
+                    </a:lnT>
+                    <a:lnB w="12700" cap="flat" cmpd="sng" algn="ctr">
+                      <a:solidFill>
+                        <a:schemeClr val="tx1"/>
+                      </a:solidFill>
+                      <a:prstDash val="solid"/>
+                      <a:round/>
+                      <a:headEnd type="none" w="med" len="med"/>
+                      <a:tailEnd type="none" w="med" len="med"/>
+                    </a:lnB>
+                  </a:tcPr>
+                </a:tc>
+                <a:extLst>
+                  <a:ext uri="{0D108BD9-81ED-4DB2-BD59-A6C34878D82A}">
+                    <a16:rowId xmlns:a16="http://schemas.microsoft.com/office/drawing/2014/main" val="2407161901"/>
+                  </a:ext>
+                </a:extLst>
+              </a:tr>
+            </a:tbl>
+          </a:graphicData>
+        </a:graphic>
+      </p:graphicFrame>
     </p:spTree>
     <p:extLst>
       <p:ext uri="{BB962C8B-B14F-4D97-AF65-F5344CB8AC3E}">
-        <p14:creationId xmlns:p14="http://schemas.microsoft.com/office/powerpoint/2010/main" val="2819083101"/>
+        <p14:creationId xmlns:p14="http://schemas.microsoft.com/office/powerpoint/2010/main" val="3370834600"/>
       </p:ext>
     </p:extLst>
   </p:cSld>
@@ -5209,7 +7717,7 @@
 </p:sld>
 </file>
 
-<file path=ppt/slides/slide5.xml><?xml version="1.0" encoding="utf-8"?>
+<file path=ppt/slides/slide15.xml><?xml version="1.0" encoding="utf-8"?>
 <p:sld xmlns:a="http://schemas.openxmlformats.org/drawingml/2006/main" xmlns:r="http://schemas.openxmlformats.org/officeDocument/2006/relationships" xmlns:p="http://schemas.openxmlformats.org/presentationml/2006/main">
   <p:cSld>
     <p:spTree>
@@ -5364,7 +7872,7 @@
         <p:spPr>
           <a:xfrm>
             <a:off x="971600" y="1700955"/>
-            <a:ext cx="7200800" cy="2585323"/>
+            <a:ext cx="7200800" cy="1477328"/>
           </a:xfrm>
           <a:prstGeom prst="rect">
             <a:avLst/>
@@ -5383,7 +7891,7 @@
             </a:pPr>
             <a:r>
               <a:rPr lang="en-US" altLang="ko-KR" dirty="0"/>
-              <a:t>Skip-Gram</a:t>
+              <a:t>Feed Forward Network</a:t>
             </a:r>
           </a:p>
           <a:p>
@@ -5392,58 +7900,23 @@
               <a:buChar char="•"/>
             </a:pPr>
             <a:r>
+              <a:rPr lang="en-US" altLang="ko-KR" dirty="0"/>
+              <a:t>Attention </a:t>
+            </a:r>
+            <a:r>
               <a:rPr lang="ko-KR" altLang="en-US" dirty="0"/>
-              <a:t>중심 단어를 이용하여 주변 단어를 예측</a:t>
+              <a:t>결과를 바탕으로 각 단어의 표현을 비선형 변환</a:t>
             </a:r>
             <a:endParaRPr lang="en-US" altLang="ko-KR" dirty="0"/>
           </a:p>
           <a:p>
-            <a:pPr marL="1200150" lvl="2" indent="-285750">
+            <a:pPr marL="285750" indent="-285750">
               <a:buFont typeface="Arial" panose="020B0604020202020204" pitchFamily="34" charset="0"/>
               <a:buChar char="•"/>
             </a:pPr>
             <a:r>
-              <a:rPr lang="ko-KR" altLang="en-US" dirty="0"/>
-              <a:t>중심 단어 </a:t>
-            </a:r>
-            <a:r>
               <a:rPr lang="en-US" altLang="ko-KR" dirty="0"/>
-              <a:t>: </a:t>
-            </a:r>
-            <a:r>
-              <a:rPr lang="ko-KR" altLang="en-US" dirty="0"/>
-              <a:t>밥을</a:t>
-            </a:r>
-            <a:endParaRPr lang="en-US" altLang="ko-KR" dirty="0"/>
-          </a:p>
-          <a:p>
-            <a:pPr marL="1200150" lvl="2" indent="-285750">
-              <a:buFont typeface="Arial" panose="020B0604020202020204" pitchFamily="34" charset="0"/>
-              <a:buChar char="•"/>
-            </a:pPr>
-            <a:r>
-              <a:rPr lang="ko-KR" altLang="en-US" dirty="0"/>
-              <a:t>문맥 단어 </a:t>
-            </a:r>
-            <a:r>
-              <a:rPr lang="en-US" altLang="ko-KR" dirty="0"/>
-              <a:t>: [</a:t>
-            </a:r>
-            <a:r>
-              <a:rPr lang="ko-KR" altLang="en-US" dirty="0"/>
-              <a:t>나는</a:t>
-            </a:r>
-            <a:r>
-              <a:rPr lang="en-US" altLang="ko-KR" dirty="0"/>
-              <a:t>, </a:t>
-            </a:r>
-            <a:r>
-              <a:rPr lang="ko-KR" altLang="en-US" dirty="0"/>
-              <a:t>먹었다</a:t>
-            </a:r>
-            <a:r>
-              <a:rPr lang="en-US" altLang="ko-KR" dirty="0"/>
-              <a:t>]</a:t>
+              <a:t>Layer Normalization + Residual Connection</a:t>
             </a:r>
           </a:p>
           <a:p>
@@ -5453,56 +7926,16 @@
             </a:pPr>
             <a:r>
               <a:rPr lang="ko-KR" altLang="en-US" dirty="0"/>
-              <a:t>희귀 단어 학습에 강함 </a:t>
-            </a:r>
-            <a:endParaRPr lang="en-US" altLang="ko-KR" dirty="0"/>
-          </a:p>
-          <a:p>
-            <a:pPr marL="742950" lvl="1" indent="-285750">
-              <a:buFont typeface="Arial" panose="020B0604020202020204" pitchFamily="34" charset="0"/>
-              <a:buChar char="•"/>
-            </a:pPr>
+              <a:t>학습의 안정성과 성능 향상을 위해 </a:t>
+            </a:r>
             <a:r>
               <a:rPr lang="en-US" altLang="ko-KR" dirty="0"/>
-              <a:t>CBOW</a:t>
+              <a:t>skip connection</a:t>
             </a:r>
             <a:r>
               <a:rPr lang="ko-KR" altLang="en-US" dirty="0"/>
-              <a:t>에 비해 일반적으로 사용</a:t>
-            </a:r>
-            <a:endParaRPr lang="en-US" altLang="ko-KR" dirty="0"/>
-          </a:p>
-          <a:p>
-            <a:pPr marL="742950" lvl="1" indent="-285750">
-              <a:buFont typeface="Arial" panose="020B0604020202020204" pitchFamily="34" charset="0"/>
-              <a:buChar char="•"/>
-            </a:pPr>
-            <a:r>
-              <a:rPr lang="ko-KR" altLang="en-US" dirty="0"/>
-              <a:t>더 좋은 </a:t>
-            </a:r>
-            <a:r>
-              <a:rPr lang="ko-KR" altLang="en-US" dirty="0" err="1"/>
-              <a:t>임베딩</a:t>
-            </a:r>
-            <a:r>
-              <a:rPr lang="ko-KR" altLang="en-US" dirty="0"/>
-              <a:t> 품질을 보임</a:t>
-            </a:r>
-            <a:endParaRPr lang="en-US" altLang="ko-KR" dirty="0"/>
-          </a:p>
-          <a:p>
-            <a:pPr marL="742950" lvl="1" indent="-285750">
-              <a:buFont typeface="Arial" panose="020B0604020202020204" pitchFamily="34" charset="0"/>
-              <a:buChar char="•"/>
-            </a:pPr>
-            <a:endParaRPr lang="en-US" altLang="ko-KR" dirty="0"/>
-          </a:p>
-          <a:p>
-            <a:pPr marL="742950" lvl="1" indent="-285750">
-              <a:buFont typeface="Arial" panose="020B0604020202020204" pitchFamily="34" charset="0"/>
-              <a:buChar char="•"/>
-            </a:pPr>
+              <a:t>과 정규화를 적용</a:t>
+            </a:r>
             <a:endParaRPr lang="en-US" altLang="ko-KR" dirty="0"/>
           </a:p>
         </p:txBody>
@@ -5516,7 +7949,7 @@
         <p:spPr>
           <a:xfrm>
             <a:off x="539552" y="1065096"/>
-            <a:ext cx="7992888" cy="446276"/>
+            <a:ext cx="7992888" cy="461665"/>
           </a:xfrm>
           <a:prstGeom prst="rect">
             <a:avLst/>
@@ -5530,8 +7963,12 @@
           <a:lstStyle/>
           <a:p>
             <a:r>
-              <a:rPr lang="en-US" altLang="ko-KR" sz="2300" dirty="0"/>
-              <a:t>Word2Vec</a:t>
+              <a:rPr lang="en-US" altLang="ko-KR" sz="2400" dirty="0"/>
+              <a:t>Transformer </a:t>
+            </a:r>
+            <a:r>
+              <a:rPr lang="ko-KR" altLang="en-US" sz="2400" dirty="0"/>
+              <a:t>구조</a:t>
             </a:r>
             <a:endParaRPr lang="ko-KR" altLang="en-US" sz="2300" dirty="0"/>
           </a:p>
@@ -5540,7 +7977,7 @@
     </p:spTree>
     <p:extLst>
       <p:ext uri="{BB962C8B-B14F-4D97-AF65-F5344CB8AC3E}">
-        <p14:creationId xmlns:p14="http://schemas.microsoft.com/office/powerpoint/2010/main" val="1572472878"/>
+        <p14:creationId xmlns:p14="http://schemas.microsoft.com/office/powerpoint/2010/main" val="3876528415"/>
       </p:ext>
     </p:extLst>
   </p:cSld>
@@ -5550,7 +7987,7 @@
 </p:sld>
 </file>
 
-<file path=ppt/slides/slide6.xml><?xml version="1.0" encoding="utf-8"?>
+<file path=ppt/slides/slide16.xml><?xml version="1.0" encoding="utf-8"?>
 <p:sld xmlns:a="http://schemas.openxmlformats.org/drawingml/2006/main" xmlns:r="http://schemas.openxmlformats.org/officeDocument/2006/relationships" xmlns:p="http://schemas.openxmlformats.org/presentationml/2006/main">
   <p:cSld>
     <p:spTree>
@@ -5698,14 +8135,14 @@
       </p:sp>
       <p:sp>
         <p:nvSpPr>
-          <p:cNvPr id="4" name="TextBox 3"/>
+          <p:cNvPr id="6" name="TextBox 5"/>
           <p:cNvSpPr txBox="1"/>
           <p:nvPr/>
         </p:nvSpPr>
         <p:spPr>
           <a:xfrm>
-            <a:off x="971600" y="1700955"/>
-            <a:ext cx="7200800" cy="646331"/>
+            <a:off x="539552" y="1065096"/>
+            <a:ext cx="7992888" cy="461665"/>
           </a:xfrm>
           <a:prstGeom prst="rect">
             <a:avLst/>
@@ -5718,95 +8155,1404 @@
           </a:bodyPr>
           <a:lstStyle/>
           <a:p>
-            <a:pPr marL="285750" indent="-285750">
-              <a:buFont typeface="Arial" panose="020B0604020202020204" pitchFamily="34" charset="0"/>
-              <a:buChar char="•"/>
-            </a:pPr>
-            <a:r>
-              <a:rPr lang="ko-KR" altLang="en-US" dirty="0" err="1"/>
-              <a:t>단어간의</a:t>
-            </a:r>
-            <a:r>
-              <a:rPr lang="ko-KR" altLang="en-US" dirty="0"/>
-              <a:t> 유사도 </a:t>
-            </a:r>
-            <a:r>
-              <a:rPr lang="ko-KR" altLang="en-US" dirty="0" smtClean="0"/>
-              <a:t>계산 </a:t>
-            </a:r>
-            <a:r>
-              <a:rPr lang="ko-KR" altLang="en-US" dirty="0"/>
-              <a:t>가능</a:t>
-            </a:r>
-            <a:endParaRPr lang="en-US" altLang="ko-KR" dirty="0"/>
-          </a:p>
-          <a:p>
-            <a:pPr marL="285750" indent="-285750">
-              <a:buFont typeface="Arial" panose="020B0604020202020204" pitchFamily="34" charset="0"/>
-              <a:buChar char="•"/>
-            </a:pPr>
-            <a:r>
-              <a:rPr lang="ko-KR" altLang="en-US" dirty="0" err="1"/>
-              <a:t>머신러닝과</a:t>
-            </a:r>
-            <a:r>
-              <a:rPr lang="ko-KR" altLang="en-US" dirty="0"/>
-              <a:t> </a:t>
-            </a:r>
-            <a:r>
-              <a:rPr lang="ko-KR" altLang="en-US" dirty="0" err="1"/>
-              <a:t>딥러닝에서</a:t>
-            </a:r>
-            <a:r>
-              <a:rPr lang="ko-KR" altLang="en-US" dirty="0"/>
-              <a:t> 입력 데이터로 </a:t>
-            </a:r>
-            <a:r>
-              <a:rPr lang="ko-KR" altLang="en-US" dirty="0" smtClean="0"/>
-              <a:t>사용 </a:t>
-            </a:r>
-            <a:r>
-              <a:rPr lang="ko-KR" altLang="en-US" dirty="0"/>
-              <a:t>가능</a:t>
-            </a:r>
-            <a:endParaRPr lang="en-US" altLang="ko-KR" dirty="0"/>
-          </a:p>
-        </p:txBody>
-      </p:sp>
-      <p:sp>
-        <p:nvSpPr>
-          <p:cNvPr id="6" name="TextBox 5"/>
-          <p:cNvSpPr txBox="1"/>
-          <p:nvPr/>
-        </p:nvSpPr>
-        <p:spPr>
-          <a:xfrm>
-            <a:off x="539552" y="1065096"/>
-            <a:ext cx="7992888" cy="446276"/>
-          </a:xfrm>
-          <a:prstGeom prst="rect">
-            <a:avLst/>
-          </a:prstGeom>
-          <a:noFill/>
-        </p:spPr>
-        <p:txBody>
-          <a:bodyPr wrap="square" rtlCol="0">
-            <a:spAutoFit/>
-          </a:bodyPr>
-          <a:lstStyle/>
-          <a:p>
-            <a:r>
-              <a:rPr lang="en-US" altLang="ko-KR" sz="2300" b="1" dirty="0"/>
-              <a:t>Word2Vec</a:t>
-            </a:r>
-            <a:endParaRPr lang="ko-KR" altLang="en-US" sz="2300" b="1" dirty="0"/>
-          </a:p>
-        </p:txBody>
-      </p:sp>
+            <a:r>
+              <a:rPr lang="en-US" altLang="ko-KR" sz="2400" dirty="0"/>
+              <a:t>Transformer </a:t>
+            </a:r>
+            <a:r>
+              <a:rPr lang="ko-KR" altLang="en-US" sz="2400" dirty="0"/>
+              <a:t>모델 종류</a:t>
+            </a:r>
+            <a:endParaRPr lang="ko-KR" altLang="en-US" sz="2300" dirty="0"/>
+          </a:p>
+        </p:txBody>
+      </p:sp>
+      <p:graphicFrame>
+        <p:nvGraphicFramePr>
+          <p:cNvPr id="2" name="표 1">
+            <a:extLst>
+              <a:ext uri="{FF2B5EF4-FFF2-40B4-BE49-F238E27FC236}">
+                <a16:creationId xmlns:a16="http://schemas.microsoft.com/office/drawing/2014/main" id="{DEE144A9-4B71-49FF-B767-0EF2E554EF0F}"/>
+              </a:ext>
+            </a:extLst>
+          </p:cNvPr>
+          <p:cNvGraphicFramePr>
+            <a:graphicFrameLocks noGrp="1"/>
+          </p:cNvGraphicFramePr>
+          <p:nvPr>
+            <p:extLst>
+              <p:ext uri="{D42A27DB-BD31-4B8C-83A1-F6EECF244321}">
+                <p14:modId xmlns:p14="http://schemas.microsoft.com/office/powerpoint/2010/main" val="1749023784"/>
+              </p:ext>
+            </p:extLst>
+          </p:nvPr>
+        </p:nvGraphicFramePr>
+        <p:xfrm>
+          <a:off x="457200" y="1988661"/>
+          <a:ext cx="8229600" cy="3749040"/>
+        </p:xfrm>
+        <a:graphic>
+          <a:graphicData uri="http://schemas.openxmlformats.org/drawingml/2006/table">
+            <a:tbl>
+              <a:tblPr/>
+              <a:tblGrid>
+                <a:gridCol w="2743200">
+                  <a:extLst>
+                    <a:ext uri="{9D8B030D-6E8A-4147-A177-3AD203B41FA5}">
+                      <a16:colId xmlns:a16="http://schemas.microsoft.com/office/drawing/2014/main" val="3237870413"/>
+                    </a:ext>
+                  </a:extLst>
+                </a:gridCol>
+                <a:gridCol w="2743200">
+                  <a:extLst>
+                    <a:ext uri="{9D8B030D-6E8A-4147-A177-3AD203B41FA5}">
+                      <a16:colId xmlns:a16="http://schemas.microsoft.com/office/drawing/2014/main" val="1373987316"/>
+                    </a:ext>
+                  </a:extLst>
+                </a:gridCol>
+                <a:gridCol w="2743200">
+                  <a:extLst>
+                    <a:ext uri="{9D8B030D-6E8A-4147-A177-3AD203B41FA5}">
+                      <a16:colId xmlns:a16="http://schemas.microsoft.com/office/drawing/2014/main" val="91642686"/>
+                    </a:ext>
+                  </a:extLst>
+                </a:gridCol>
+              </a:tblGrid>
+              <a:tr h="0">
+                <a:tc>
+                  <a:txBody>
+                    <a:bodyPr/>
+                    <a:lstStyle/>
+                    <a:p>
+                      <a:r>
+                        <a:rPr lang="ko-KR" altLang="en-US"/>
+                        <a:t>모델</a:t>
+                      </a:r>
+                    </a:p>
+                  </a:txBody>
+                  <a:tcPr anchor="ctr">
+                    <a:lnL w="12700" cap="flat" cmpd="sng" algn="ctr">
+                      <a:solidFill>
+                        <a:schemeClr val="tx1"/>
+                      </a:solidFill>
+                      <a:prstDash val="solid"/>
+                      <a:round/>
+                      <a:headEnd type="none" w="med" len="med"/>
+                      <a:tailEnd type="none" w="med" len="med"/>
+                    </a:lnL>
+                    <a:lnR w="12700" cap="flat" cmpd="sng" algn="ctr">
+                      <a:solidFill>
+                        <a:schemeClr val="tx1"/>
+                      </a:solidFill>
+                      <a:prstDash val="solid"/>
+                      <a:round/>
+                      <a:headEnd type="none" w="med" len="med"/>
+                      <a:tailEnd type="none" w="med" len="med"/>
+                    </a:lnR>
+                    <a:lnT w="12700" cap="flat" cmpd="sng" algn="ctr">
+                      <a:solidFill>
+                        <a:schemeClr val="tx1"/>
+                      </a:solidFill>
+                      <a:prstDash val="solid"/>
+                      <a:round/>
+                      <a:headEnd type="none" w="med" len="med"/>
+                      <a:tailEnd type="none" w="med" len="med"/>
+                    </a:lnT>
+                    <a:lnB w="12700" cap="flat" cmpd="sng" algn="ctr">
+                      <a:solidFill>
+                        <a:schemeClr val="tx1"/>
+                      </a:solidFill>
+                      <a:prstDash val="solid"/>
+                      <a:round/>
+                      <a:headEnd type="none" w="med" len="med"/>
+                      <a:tailEnd type="none" w="med" len="med"/>
+                    </a:lnB>
+                  </a:tcPr>
+                </a:tc>
+                <a:tc>
+                  <a:txBody>
+                    <a:bodyPr/>
+                    <a:lstStyle/>
+                    <a:p>
+                      <a:r>
+                        <a:rPr lang="ko-KR" altLang="en-US"/>
+                        <a:t>구조</a:t>
+                      </a:r>
+                    </a:p>
+                  </a:txBody>
+                  <a:tcPr anchor="ctr">
+                    <a:lnL w="12700" cap="flat" cmpd="sng" algn="ctr">
+                      <a:solidFill>
+                        <a:schemeClr val="tx1"/>
+                      </a:solidFill>
+                      <a:prstDash val="solid"/>
+                      <a:round/>
+                      <a:headEnd type="none" w="med" len="med"/>
+                      <a:tailEnd type="none" w="med" len="med"/>
+                    </a:lnL>
+                    <a:lnR w="12700" cap="flat" cmpd="sng" algn="ctr">
+                      <a:solidFill>
+                        <a:schemeClr val="tx1"/>
+                      </a:solidFill>
+                      <a:prstDash val="solid"/>
+                      <a:round/>
+                      <a:headEnd type="none" w="med" len="med"/>
+                      <a:tailEnd type="none" w="med" len="med"/>
+                    </a:lnR>
+                    <a:lnT w="12700" cap="flat" cmpd="sng" algn="ctr">
+                      <a:solidFill>
+                        <a:schemeClr val="tx1"/>
+                      </a:solidFill>
+                      <a:prstDash val="solid"/>
+                      <a:round/>
+                      <a:headEnd type="none" w="med" len="med"/>
+                      <a:tailEnd type="none" w="med" len="med"/>
+                    </a:lnT>
+                    <a:lnB w="12700" cap="flat" cmpd="sng" algn="ctr">
+                      <a:solidFill>
+                        <a:schemeClr val="tx1"/>
+                      </a:solidFill>
+                      <a:prstDash val="solid"/>
+                      <a:round/>
+                      <a:headEnd type="none" w="med" len="med"/>
+                      <a:tailEnd type="none" w="med" len="med"/>
+                    </a:lnB>
+                  </a:tcPr>
+                </a:tc>
+                <a:tc>
+                  <a:txBody>
+                    <a:bodyPr/>
+                    <a:lstStyle/>
+                    <a:p>
+                      <a:r>
+                        <a:rPr lang="ko-KR" altLang="en-US"/>
+                        <a:t>특징</a:t>
+                      </a:r>
+                    </a:p>
+                  </a:txBody>
+                  <a:tcPr anchor="ctr">
+                    <a:lnL w="12700" cap="flat" cmpd="sng" algn="ctr">
+                      <a:solidFill>
+                        <a:schemeClr val="tx1"/>
+                      </a:solidFill>
+                      <a:prstDash val="solid"/>
+                      <a:round/>
+                      <a:headEnd type="none" w="med" len="med"/>
+                      <a:tailEnd type="none" w="med" len="med"/>
+                    </a:lnL>
+                    <a:lnR w="12700" cap="flat" cmpd="sng" algn="ctr">
+                      <a:solidFill>
+                        <a:schemeClr val="tx1"/>
+                      </a:solidFill>
+                      <a:prstDash val="solid"/>
+                      <a:round/>
+                      <a:headEnd type="none" w="med" len="med"/>
+                      <a:tailEnd type="none" w="med" len="med"/>
+                    </a:lnR>
+                    <a:lnT w="12700" cap="flat" cmpd="sng" algn="ctr">
+                      <a:solidFill>
+                        <a:schemeClr val="tx1"/>
+                      </a:solidFill>
+                      <a:prstDash val="solid"/>
+                      <a:round/>
+                      <a:headEnd type="none" w="med" len="med"/>
+                      <a:tailEnd type="none" w="med" len="med"/>
+                    </a:lnT>
+                    <a:lnB w="12700" cap="flat" cmpd="sng" algn="ctr">
+                      <a:solidFill>
+                        <a:schemeClr val="tx1"/>
+                      </a:solidFill>
+                      <a:prstDash val="solid"/>
+                      <a:round/>
+                      <a:headEnd type="none" w="med" len="med"/>
+                      <a:tailEnd type="none" w="med" len="med"/>
+                    </a:lnB>
+                  </a:tcPr>
+                </a:tc>
+                <a:extLst>
+                  <a:ext uri="{0D108BD9-81ED-4DB2-BD59-A6C34878D82A}">
+                    <a16:rowId xmlns:a16="http://schemas.microsoft.com/office/drawing/2014/main" val="999518806"/>
+                  </a:ext>
+                </a:extLst>
+              </a:tr>
+              <a:tr h="0">
+                <a:tc>
+                  <a:txBody>
+                    <a:bodyPr/>
+                    <a:lstStyle/>
+                    <a:p>
+                      <a:r>
+                        <a:rPr lang="en-US" b="1"/>
+                        <a:t>Transformer (2017)</a:t>
+                      </a:r>
+                      <a:endParaRPr lang="en-US"/>
+                    </a:p>
+                  </a:txBody>
+                  <a:tcPr anchor="ctr">
+                    <a:lnL w="12700" cap="flat" cmpd="sng" algn="ctr">
+                      <a:solidFill>
+                        <a:schemeClr val="tx1"/>
+                      </a:solidFill>
+                      <a:prstDash val="solid"/>
+                      <a:round/>
+                      <a:headEnd type="none" w="med" len="med"/>
+                      <a:tailEnd type="none" w="med" len="med"/>
+                    </a:lnL>
+                    <a:lnR w="12700" cap="flat" cmpd="sng" algn="ctr">
+                      <a:solidFill>
+                        <a:schemeClr val="tx1"/>
+                      </a:solidFill>
+                      <a:prstDash val="solid"/>
+                      <a:round/>
+                      <a:headEnd type="none" w="med" len="med"/>
+                      <a:tailEnd type="none" w="med" len="med"/>
+                    </a:lnR>
+                    <a:lnT w="12700" cap="flat" cmpd="sng" algn="ctr">
+                      <a:solidFill>
+                        <a:schemeClr val="tx1"/>
+                      </a:solidFill>
+                      <a:prstDash val="solid"/>
+                      <a:round/>
+                      <a:headEnd type="none" w="med" len="med"/>
+                      <a:tailEnd type="none" w="med" len="med"/>
+                    </a:lnT>
+                    <a:lnB w="12700" cap="flat" cmpd="sng" algn="ctr">
+                      <a:solidFill>
+                        <a:schemeClr val="tx1"/>
+                      </a:solidFill>
+                      <a:prstDash val="solid"/>
+                      <a:round/>
+                      <a:headEnd type="none" w="med" len="med"/>
+                      <a:tailEnd type="none" w="med" len="med"/>
+                    </a:lnB>
+                  </a:tcPr>
+                </a:tc>
+                <a:tc>
+                  <a:txBody>
+                    <a:bodyPr/>
+                    <a:lstStyle/>
+                    <a:p>
+                      <a:r>
+                        <a:rPr lang="en-US"/>
+                        <a:t>Encoder + Decoder</a:t>
+                      </a:r>
+                    </a:p>
+                  </a:txBody>
+                  <a:tcPr anchor="ctr">
+                    <a:lnL w="12700" cap="flat" cmpd="sng" algn="ctr">
+                      <a:solidFill>
+                        <a:schemeClr val="tx1"/>
+                      </a:solidFill>
+                      <a:prstDash val="solid"/>
+                      <a:round/>
+                      <a:headEnd type="none" w="med" len="med"/>
+                      <a:tailEnd type="none" w="med" len="med"/>
+                    </a:lnL>
+                    <a:lnR w="12700" cap="flat" cmpd="sng" algn="ctr">
+                      <a:solidFill>
+                        <a:schemeClr val="tx1"/>
+                      </a:solidFill>
+                      <a:prstDash val="solid"/>
+                      <a:round/>
+                      <a:headEnd type="none" w="med" len="med"/>
+                      <a:tailEnd type="none" w="med" len="med"/>
+                    </a:lnR>
+                    <a:lnT w="12700" cap="flat" cmpd="sng" algn="ctr">
+                      <a:solidFill>
+                        <a:schemeClr val="tx1"/>
+                      </a:solidFill>
+                      <a:prstDash val="solid"/>
+                      <a:round/>
+                      <a:headEnd type="none" w="med" len="med"/>
+                      <a:tailEnd type="none" w="med" len="med"/>
+                    </a:lnT>
+                    <a:lnB w="12700" cap="flat" cmpd="sng" algn="ctr">
+                      <a:solidFill>
+                        <a:schemeClr val="tx1"/>
+                      </a:solidFill>
+                      <a:prstDash val="solid"/>
+                      <a:round/>
+                      <a:headEnd type="none" w="med" len="med"/>
+                      <a:tailEnd type="none" w="med" len="med"/>
+                    </a:lnB>
+                  </a:tcPr>
+                </a:tc>
+                <a:tc>
+                  <a:txBody>
+                    <a:bodyPr/>
+                    <a:lstStyle/>
+                    <a:p>
+                      <a:r>
+                        <a:rPr lang="ko-KR" altLang="en-US"/>
+                        <a:t>번역 등 시퀀스</a:t>
+                      </a:r>
+                      <a:r>
+                        <a:rPr lang="en-US" altLang="ko-KR"/>
+                        <a:t>-</a:t>
+                      </a:r>
+                      <a:r>
+                        <a:rPr lang="ko-KR" altLang="en-US"/>
+                        <a:t>투</a:t>
+                      </a:r>
+                      <a:r>
+                        <a:rPr lang="en-US" altLang="ko-KR"/>
+                        <a:t>-</a:t>
+                      </a:r>
+                      <a:r>
+                        <a:rPr lang="ko-KR" altLang="en-US"/>
+                        <a:t>시퀀스</a:t>
+                      </a:r>
+                    </a:p>
+                  </a:txBody>
+                  <a:tcPr anchor="ctr">
+                    <a:lnL w="12700" cap="flat" cmpd="sng" algn="ctr">
+                      <a:solidFill>
+                        <a:schemeClr val="tx1"/>
+                      </a:solidFill>
+                      <a:prstDash val="solid"/>
+                      <a:round/>
+                      <a:headEnd type="none" w="med" len="med"/>
+                      <a:tailEnd type="none" w="med" len="med"/>
+                    </a:lnL>
+                    <a:lnR w="12700" cap="flat" cmpd="sng" algn="ctr">
+                      <a:solidFill>
+                        <a:schemeClr val="tx1"/>
+                      </a:solidFill>
+                      <a:prstDash val="solid"/>
+                      <a:round/>
+                      <a:headEnd type="none" w="med" len="med"/>
+                      <a:tailEnd type="none" w="med" len="med"/>
+                    </a:lnR>
+                    <a:lnT w="12700" cap="flat" cmpd="sng" algn="ctr">
+                      <a:solidFill>
+                        <a:schemeClr val="tx1"/>
+                      </a:solidFill>
+                      <a:prstDash val="solid"/>
+                      <a:round/>
+                      <a:headEnd type="none" w="med" len="med"/>
+                      <a:tailEnd type="none" w="med" len="med"/>
+                    </a:lnT>
+                    <a:lnB w="12700" cap="flat" cmpd="sng" algn="ctr">
+                      <a:solidFill>
+                        <a:schemeClr val="tx1"/>
+                      </a:solidFill>
+                      <a:prstDash val="solid"/>
+                      <a:round/>
+                      <a:headEnd type="none" w="med" len="med"/>
+                      <a:tailEnd type="none" w="med" len="med"/>
+                    </a:lnB>
+                  </a:tcPr>
+                </a:tc>
+                <a:extLst>
+                  <a:ext uri="{0D108BD9-81ED-4DB2-BD59-A6C34878D82A}">
+                    <a16:rowId xmlns:a16="http://schemas.microsoft.com/office/drawing/2014/main" val="408837184"/>
+                  </a:ext>
+                </a:extLst>
+              </a:tr>
+              <a:tr h="0">
+                <a:tc>
+                  <a:txBody>
+                    <a:bodyPr/>
+                    <a:lstStyle/>
+                    <a:p>
+                      <a:r>
+                        <a:rPr lang="en-US" b="1"/>
+                        <a:t>BERT (2018)</a:t>
+                      </a:r>
+                      <a:endParaRPr lang="en-US"/>
+                    </a:p>
+                  </a:txBody>
+                  <a:tcPr anchor="ctr">
+                    <a:lnL w="12700" cap="flat" cmpd="sng" algn="ctr">
+                      <a:solidFill>
+                        <a:schemeClr val="tx1"/>
+                      </a:solidFill>
+                      <a:prstDash val="solid"/>
+                      <a:round/>
+                      <a:headEnd type="none" w="med" len="med"/>
+                      <a:tailEnd type="none" w="med" len="med"/>
+                    </a:lnL>
+                    <a:lnR w="12700" cap="flat" cmpd="sng" algn="ctr">
+                      <a:solidFill>
+                        <a:schemeClr val="tx1"/>
+                      </a:solidFill>
+                      <a:prstDash val="solid"/>
+                      <a:round/>
+                      <a:headEnd type="none" w="med" len="med"/>
+                      <a:tailEnd type="none" w="med" len="med"/>
+                    </a:lnR>
+                    <a:lnT w="12700" cap="flat" cmpd="sng" algn="ctr">
+                      <a:solidFill>
+                        <a:schemeClr val="tx1"/>
+                      </a:solidFill>
+                      <a:prstDash val="solid"/>
+                      <a:round/>
+                      <a:headEnd type="none" w="med" len="med"/>
+                      <a:tailEnd type="none" w="med" len="med"/>
+                    </a:lnT>
+                    <a:lnB w="12700" cap="flat" cmpd="sng" algn="ctr">
+                      <a:solidFill>
+                        <a:schemeClr val="tx1"/>
+                      </a:solidFill>
+                      <a:prstDash val="solid"/>
+                      <a:round/>
+                      <a:headEnd type="none" w="med" len="med"/>
+                      <a:tailEnd type="none" w="med" len="med"/>
+                    </a:lnB>
+                  </a:tcPr>
+                </a:tc>
+                <a:tc>
+                  <a:txBody>
+                    <a:bodyPr/>
+                    <a:lstStyle/>
+                    <a:p>
+                      <a:r>
+                        <a:rPr lang="en-US"/>
+                        <a:t>Encoder</a:t>
+                      </a:r>
+                    </a:p>
+                  </a:txBody>
+                  <a:tcPr anchor="ctr">
+                    <a:lnL w="12700" cap="flat" cmpd="sng" algn="ctr">
+                      <a:solidFill>
+                        <a:schemeClr val="tx1"/>
+                      </a:solidFill>
+                      <a:prstDash val="solid"/>
+                      <a:round/>
+                      <a:headEnd type="none" w="med" len="med"/>
+                      <a:tailEnd type="none" w="med" len="med"/>
+                    </a:lnL>
+                    <a:lnR w="12700" cap="flat" cmpd="sng" algn="ctr">
+                      <a:solidFill>
+                        <a:schemeClr val="tx1"/>
+                      </a:solidFill>
+                      <a:prstDash val="solid"/>
+                      <a:round/>
+                      <a:headEnd type="none" w="med" len="med"/>
+                      <a:tailEnd type="none" w="med" len="med"/>
+                    </a:lnR>
+                    <a:lnT w="12700" cap="flat" cmpd="sng" algn="ctr">
+                      <a:solidFill>
+                        <a:schemeClr val="tx1"/>
+                      </a:solidFill>
+                      <a:prstDash val="solid"/>
+                      <a:round/>
+                      <a:headEnd type="none" w="med" len="med"/>
+                      <a:tailEnd type="none" w="med" len="med"/>
+                    </a:lnT>
+                    <a:lnB w="12700" cap="flat" cmpd="sng" algn="ctr">
+                      <a:solidFill>
+                        <a:schemeClr val="tx1"/>
+                      </a:solidFill>
+                      <a:prstDash val="solid"/>
+                      <a:round/>
+                      <a:headEnd type="none" w="med" len="med"/>
+                      <a:tailEnd type="none" w="med" len="med"/>
+                    </a:lnB>
+                  </a:tcPr>
+                </a:tc>
+                <a:tc>
+                  <a:txBody>
+                    <a:bodyPr/>
+                    <a:lstStyle/>
+                    <a:p>
+                      <a:r>
+                        <a:rPr lang="ko-KR" altLang="en-US"/>
+                        <a:t>문장 이해</a:t>
+                      </a:r>
+                      <a:r>
+                        <a:rPr lang="en-US" altLang="ko-KR"/>
+                        <a:t>, </a:t>
+                      </a:r>
+                      <a:r>
+                        <a:rPr lang="ko-KR" altLang="en-US"/>
+                        <a:t>분류</a:t>
+                      </a:r>
+                    </a:p>
+                  </a:txBody>
+                  <a:tcPr anchor="ctr">
+                    <a:lnL w="12700" cap="flat" cmpd="sng" algn="ctr">
+                      <a:solidFill>
+                        <a:schemeClr val="tx1"/>
+                      </a:solidFill>
+                      <a:prstDash val="solid"/>
+                      <a:round/>
+                      <a:headEnd type="none" w="med" len="med"/>
+                      <a:tailEnd type="none" w="med" len="med"/>
+                    </a:lnL>
+                    <a:lnR w="12700" cap="flat" cmpd="sng" algn="ctr">
+                      <a:solidFill>
+                        <a:schemeClr val="tx1"/>
+                      </a:solidFill>
+                      <a:prstDash val="solid"/>
+                      <a:round/>
+                      <a:headEnd type="none" w="med" len="med"/>
+                      <a:tailEnd type="none" w="med" len="med"/>
+                    </a:lnR>
+                    <a:lnT w="12700" cap="flat" cmpd="sng" algn="ctr">
+                      <a:solidFill>
+                        <a:schemeClr val="tx1"/>
+                      </a:solidFill>
+                      <a:prstDash val="solid"/>
+                      <a:round/>
+                      <a:headEnd type="none" w="med" len="med"/>
+                      <a:tailEnd type="none" w="med" len="med"/>
+                    </a:lnT>
+                    <a:lnB w="12700" cap="flat" cmpd="sng" algn="ctr">
+                      <a:solidFill>
+                        <a:schemeClr val="tx1"/>
+                      </a:solidFill>
+                      <a:prstDash val="solid"/>
+                      <a:round/>
+                      <a:headEnd type="none" w="med" len="med"/>
+                      <a:tailEnd type="none" w="med" len="med"/>
+                    </a:lnB>
+                  </a:tcPr>
+                </a:tc>
+                <a:extLst>
+                  <a:ext uri="{0D108BD9-81ED-4DB2-BD59-A6C34878D82A}">
+                    <a16:rowId xmlns:a16="http://schemas.microsoft.com/office/drawing/2014/main" val="1541410307"/>
+                  </a:ext>
+                </a:extLst>
+              </a:tr>
+              <a:tr h="0">
+                <a:tc>
+                  <a:txBody>
+                    <a:bodyPr/>
+                    <a:lstStyle/>
+                    <a:p>
+                      <a:r>
+                        <a:rPr lang="en-US" b="1"/>
+                        <a:t>GPT (2018~)</a:t>
+                      </a:r>
+                      <a:endParaRPr lang="en-US"/>
+                    </a:p>
+                  </a:txBody>
+                  <a:tcPr anchor="ctr">
+                    <a:lnL w="12700" cap="flat" cmpd="sng" algn="ctr">
+                      <a:solidFill>
+                        <a:schemeClr val="tx1"/>
+                      </a:solidFill>
+                      <a:prstDash val="solid"/>
+                      <a:round/>
+                      <a:headEnd type="none" w="med" len="med"/>
+                      <a:tailEnd type="none" w="med" len="med"/>
+                    </a:lnL>
+                    <a:lnR w="12700" cap="flat" cmpd="sng" algn="ctr">
+                      <a:solidFill>
+                        <a:schemeClr val="tx1"/>
+                      </a:solidFill>
+                      <a:prstDash val="solid"/>
+                      <a:round/>
+                      <a:headEnd type="none" w="med" len="med"/>
+                      <a:tailEnd type="none" w="med" len="med"/>
+                    </a:lnR>
+                    <a:lnT w="12700" cap="flat" cmpd="sng" algn="ctr">
+                      <a:solidFill>
+                        <a:schemeClr val="tx1"/>
+                      </a:solidFill>
+                      <a:prstDash val="solid"/>
+                      <a:round/>
+                      <a:headEnd type="none" w="med" len="med"/>
+                      <a:tailEnd type="none" w="med" len="med"/>
+                    </a:lnT>
+                    <a:lnB w="12700" cap="flat" cmpd="sng" algn="ctr">
+                      <a:solidFill>
+                        <a:schemeClr val="tx1"/>
+                      </a:solidFill>
+                      <a:prstDash val="solid"/>
+                      <a:round/>
+                      <a:headEnd type="none" w="med" len="med"/>
+                      <a:tailEnd type="none" w="med" len="med"/>
+                    </a:lnB>
+                  </a:tcPr>
+                </a:tc>
+                <a:tc>
+                  <a:txBody>
+                    <a:bodyPr/>
+                    <a:lstStyle/>
+                    <a:p>
+                      <a:r>
+                        <a:rPr lang="en-US"/>
+                        <a:t>Decoder</a:t>
+                      </a:r>
+                    </a:p>
+                  </a:txBody>
+                  <a:tcPr anchor="ctr">
+                    <a:lnL w="12700" cap="flat" cmpd="sng" algn="ctr">
+                      <a:solidFill>
+                        <a:schemeClr val="tx1"/>
+                      </a:solidFill>
+                      <a:prstDash val="solid"/>
+                      <a:round/>
+                      <a:headEnd type="none" w="med" len="med"/>
+                      <a:tailEnd type="none" w="med" len="med"/>
+                    </a:lnL>
+                    <a:lnR w="12700" cap="flat" cmpd="sng" algn="ctr">
+                      <a:solidFill>
+                        <a:schemeClr val="tx1"/>
+                      </a:solidFill>
+                      <a:prstDash val="solid"/>
+                      <a:round/>
+                      <a:headEnd type="none" w="med" len="med"/>
+                      <a:tailEnd type="none" w="med" len="med"/>
+                    </a:lnR>
+                    <a:lnT w="12700" cap="flat" cmpd="sng" algn="ctr">
+                      <a:solidFill>
+                        <a:schemeClr val="tx1"/>
+                      </a:solidFill>
+                      <a:prstDash val="solid"/>
+                      <a:round/>
+                      <a:headEnd type="none" w="med" len="med"/>
+                      <a:tailEnd type="none" w="med" len="med"/>
+                    </a:lnT>
+                    <a:lnB w="12700" cap="flat" cmpd="sng" algn="ctr">
+                      <a:solidFill>
+                        <a:schemeClr val="tx1"/>
+                      </a:solidFill>
+                      <a:prstDash val="solid"/>
+                      <a:round/>
+                      <a:headEnd type="none" w="med" len="med"/>
+                      <a:tailEnd type="none" w="med" len="med"/>
+                    </a:lnB>
+                  </a:tcPr>
+                </a:tc>
+                <a:tc>
+                  <a:txBody>
+                    <a:bodyPr/>
+                    <a:lstStyle/>
+                    <a:p>
+                      <a:r>
+                        <a:rPr lang="ko-KR" altLang="en-US"/>
+                        <a:t>텍스트 생성</a:t>
+                      </a:r>
+                    </a:p>
+                  </a:txBody>
+                  <a:tcPr anchor="ctr">
+                    <a:lnL w="12700" cap="flat" cmpd="sng" algn="ctr">
+                      <a:solidFill>
+                        <a:schemeClr val="tx1"/>
+                      </a:solidFill>
+                      <a:prstDash val="solid"/>
+                      <a:round/>
+                      <a:headEnd type="none" w="med" len="med"/>
+                      <a:tailEnd type="none" w="med" len="med"/>
+                    </a:lnL>
+                    <a:lnR w="12700" cap="flat" cmpd="sng" algn="ctr">
+                      <a:solidFill>
+                        <a:schemeClr val="tx1"/>
+                      </a:solidFill>
+                      <a:prstDash val="solid"/>
+                      <a:round/>
+                      <a:headEnd type="none" w="med" len="med"/>
+                      <a:tailEnd type="none" w="med" len="med"/>
+                    </a:lnR>
+                    <a:lnT w="12700" cap="flat" cmpd="sng" algn="ctr">
+                      <a:solidFill>
+                        <a:schemeClr val="tx1"/>
+                      </a:solidFill>
+                      <a:prstDash val="solid"/>
+                      <a:round/>
+                      <a:headEnd type="none" w="med" len="med"/>
+                      <a:tailEnd type="none" w="med" len="med"/>
+                    </a:lnT>
+                    <a:lnB w="12700" cap="flat" cmpd="sng" algn="ctr">
+                      <a:solidFill>
+                        <a:schemeClr val="tx1"/>
+                      </a:solidFill>
+                      <a:prstDash val="solid"/>
+                      <a:round/>
+                      <a:headEnd type="none" w="med" len="med"/>
+                      <a:tailEnd type="none" w="med" len="med"/>
+                    </a:lnB>
+                  </a:tcPr>
+                </a:tc>
+                <a:extLst>
+                  <a:ext uri="{0D108BD9-81ED-4DB2-BD59-A6C34878D82A}">
+                    <a16:rowId xmlns:a16="http://schemas.microsoft.com/office/drawing/2014/main" val="4258081316"/>
+                  </a:ext>
+                </a:extLst>
+              </a:tr>
+              <a:tr h="0">
+                <a:tc>
+                  <a:txBody>
+                    <a:bodyPr/>
+                    <a:lstStyle/>
+                    <a:p>
+                      <a:r>
+                        <a:rPr lang="en-US" b="1"/>
+                        <a:t>T5 / BART</a:t>
+                      </a:r>
+                      <a:endParaRPr lang="en-US"/>
+                    </a:p>
+                  </a:txBody>
+                  <a:tcPr anchor="ctr">
+                    <a:lnL w="12700" cap="flat" cmpd="sng" algn="ctr">
+                      <a:solidFill>
+                        <a:schemeClr val="tx1"/>
+                      </a:solidFill>
+                      <a:prstDash val="solid"/>
+                      <a:round/>
+                      <a:headEnd type="none" w="med" len="med"/>
+                      <a:tailEnd type="none" w="med" len="med"/>
+                    </a:lnL>
+                    <a:lnR w="12700" cap="flat" cmpd="sng" algn="ctr">
+                      <a:solidFill>
+                        <a:schemeClr val="tx1"/>
+                      </a:solidFill>
+                      <a:prstDash val="solid"/>
+                      <a:round/>
+                      <a:headEnd type="none" w="med" len="med"/>
+                      <a:tailEnd type="none" w="med" len="med"/>
+                    </a:lnR>
+                    <a:lnT w="12700" cap="flat" cmpd="sng" algn="ctr">
+                      <a:solidFill>
+                        <a:schemeClr val="tx1"/>
+                      </a:solidFill>
+                      <a:prstDash val="solid"/>
+                      <a:round/>
+                      <a:headEnd type="none" w="med" len="med"/>
+                      <a:tailEnd type="none" w="med" len="med"/>
+                    </a:lnT>
+                    <a:lnB w="12700" cap="flat" cmpd="sng" algn="ctr">
+                      <a:solidFill>
+                        <a:schemeClr val="tx1"/>
+                      </a:solidFill>
+                      <a:prstDash val="solid"/>
+                      <a:round/>
+                      <a:headEnd type="none" w="med" len="med"/>
+                      <a:tailEnd type="none" w="med" len="med"/>
+                    </a:lnB>
+                  </a:tcPr>
+                </a:tc>
+                <a:tc>
+                  <a:txBody>
+                    <a:bodyPr/>
+                    <a:lstStyle/>
+                    <a:p>
+                      <a:r>
+                        <a:rPr lang="en-US"/>
+                        <a:t>Encoder + Decoder</a:t>
+                      </a:r>
+                    </a:p>
+                  </a:txBody>
+                  <a:tcPr anchor="ctr">
+                    <a:lnL w="12700" cap="flat" cmpd="sng" algn="ctr">
+                      <a:solidFill>
+                        <a:schemeClr val="tx1"/>
+                      </a:solidFill>
+                      <a:prstDash val="solid"/>
+                      <a:round/>
+                      <a:headEnd type="none" w="med" len="med"/>
+                      <a:tailEnd type="none" w="med" len="med"/>
+                    </a:lnL>
+                    <a:lnR w="12700" cap="flat" cmpd="sng" algn="ctr">
+                      <a:solidFill>
+                        <a:schemeClr val="tx1"/>
+                      </a:solidFill>
+                      <a:prstDash val="solid"/>
+                      <a:round/>
+                      <a:headEnd type="none" w="med" len="med"/>
+                      <a:tailEnd type="none" w="med" len="med"/>
+                    </a:lnR>
+                    <a:lnT w="12700" cap="flat" cmpd="sng" algn="ctr">
+                      <a:solidFill>
+                        <a:schemeClr val="tx1"/>
+                      </a:solidFill>
+                      <a:prstDash val="solid"/>
+                      <a:round/>
+                      <a:headEnd type="none" w="med" len="med"/>
+                      <a:tailEnd type="none" w="med" len="med"/>
+                    </a:lnT>
+                    <a:lnB w="12700" cap="flat" cmpd="sng" algn="ctr">
+                      <a:solidFill>
+                        <a:schemeClr val="tx1"/>
+                      </a:solidFill>
+                      <a:prstDash val="solid"/>
+                      <a:round/>
+                      <a:headEnd type="none" w="med" len="med"/>
+                      <a:tailEnd type="none" w="med" len="med"/>
+                    </a:lnB>
+                  </a:tcPr>
+                </a:tc>
+                <a:tc>
+                  <a:txBody>
+                    <a:bodyPr/>
+                    <a:lstStyle/>
+                    <a:p>
+                      <a:r>
+                        <a:rPr lang="ko-KR" altLang="en-US"/>
+                        <a:t>요약</a:t>
+                      </a:r>
+                      <a:r>
+                        <a:rPr lang="en-US" altLang="ko-KR"/>
+                        <a:t>, </a:t>
+                      </a:r>
+                      <a:r>
+                        <a:rPr lang="ko-KR" altLang="en-US"/>
+                        <a:t>번역</a:t>
+                      </a:r>
+                      <a:r>
+                        <a:rPr lang="en-US" altLang="ko-KR"/>
+                        <a:t>, </a:t>
+                      </a:r>
+                      <a:r>
+                        <a:rPr lang="ko-KR" altLang="en-US"/>
+                        <a:t>질의응답 등</a:t>
+                      </a:r>
+                    </a:p>
+                  </a:txBody>
+                  <a:tcPr anchor="ctr">
+                    <a:lnL w="12700" cap="flat" cmpd="sng" algn="ctr">
+                      <a:solidFill>
+                        <a:schemeClr val="tx1"/>
+                      </a:solidFill>
+                      <a:prstDash val="solid"/>
+                      <a:round/>
+                      <a:headEnd type="none" w="med" len="med"/>
+                      <a:tailEnd type="none" w="med" len="med"/>
+                    </a:lnL>
+                    <a:lnR w="12700" cap="flat" cmpd="sng" algn="ctr">
+                      <a:solidFill>
+                        <a:schemeClr val="tx1"/>
+                      </a:solidFill>
+                      <a:prstDash val="solid"/>
+                      <a:round/>
+                      <a:headEnd type="none" w="med" len="med"/>
+                      <a:tailEnd type="none" w="med" len="med"/>
+                    </a:lnR>
+                    <a:lnT w="12700" cap="flat" cmpd="sng" algn="ctr">
+                      <a:solidFill>
+                        <a:schemeClr val="tx1"/>
+                      </a:solidFill>
+                      <a:prstDash val="solid"/>
+                      <a:round/>
+                      <a:headEnd type="none" w="med" len="med"/>
+                      <a:tailEnd type="none" w="med" len="med"/>
+                    </a:lnT>
+                    <a:lnB w="12700" cap="flat" cmpd="sng" algn="ctr">
+                      <a:solidFill>
+                        <a:schemeClr val="tx1"/>
+                      </a:solidFill>
+                      <a:prstDash val="solid"/>
+                      <a:round/>
+                      <a:headEnd type="none" w="med" len="med"/>
+                      <a:tailEnd type="none" w="med" len="med"/>
+                    </a:lnB>
+                  </a:tcPr>
+                </a:tc>
+                <a:extLst>
+                  <a:ext uri="{0D108BD9-81ED-4DB2-BD59-A6C34878D82A}">
+                    <a16:rowId xmlns:a16="http://schemas.microsoft.com/office/drawing/2014/main" val="2007362527"/>
+                  </a:ext>
+                </a:extLst>
+              </a:tr>
+              <a:tr h="0">
+                <a:tc>
+                  <a:txBody>
+                    <a:bodyPr/>
+                    <a:lstStyle/>
+                    <a:p>
+                      <a:r>
+                        <a:rPr lang="en-US" b="1"/>
+                        <a:t>Vision Transformer (ViT)</a:t>
+                      </a:r>
+                      <a:endParaRPr lang="en-US"/>
+                    </a:p>
+                  </a:txBody>
+                  <a:tcPr anchor="ctr">
+                    <a:lnL w="12700" cap="flat" cmpd="sng" algn="ctr">
+                      <a:solidFill>
+                        <a:schemeClr val="tx1"/>
+                      </a:solidFill>
+                      <a:prstDash val="solid"/>
+                      <a:round/>
+                      <a:headEnd type="none" w="med" len="med"/>
+                      <a:tailEnd type="none" w="med" len="med"/>
+                    </a:lnL>
+                    <a:lnR w="12700" cap="flat" cmpd="sng" algn="ctr">
+                      <a:solidFill>
+                        <a:schemeClr val="tx1"/>
+                      </a:solidFill>
+                      <a:prstDash val="solid"/>
+                      <a:round/>
+                      <a:headEnd type="none" w="med" len="med"/>
+                      <a:tailEnd type="none" w="med" len="med"/>
+                    </a:lnR>
+                    <a:lnT w="12700" cap="flat" cmpd="sng" algn="ctr">
+                      <a:solidFill>
+                        <a:schemeClr val="tx1"/>
+                      </a:solidFill>
+                      <a:prstDash val="solid"/>
+                      <a:round/>
+                      <a:headEnd type="none" w="med" len="med"/>
+                      <a:tailEnd type="none" w="med" len="med"/>
+                    </a:lnT>
+                    <a:lnB w="12700" cap="flat" cmpd="sng" algn="ctr">
+                      <a:solidFill>
+                        <a:schemeClr val="tx1"/>
+                      </a:solidFill>
+                      <a:prstDash val="solid"/>
+                      <a:round/>
+                      <a:headEnd type="none" w="med" len="med"/>
+                      <a:tailEnd type="none" w="med" len="med"/>
+                    </a:lnB>
+                  </a:tcPr>
+                </a:tc>
+                <a:tc>
+                  <a:txBody>
+                    <a:bodyPr/>
+                    <a:lstStyle/>
+                    <a:p>
+                      <a:r>
+                        <a:rPr lang="en-US"/>
+                        <a:t>Encoder</a:t>
+                      </a:r>
+                    </a:p>
+                  </a:txBody>
+                  <a:tcPr anchor="ctr">
+                    <a:lnL w="12700" cap="flat" cmpd="sng" algn="ctr">
+                      <a:solidFill>
+                        <a:schemeClr val="tx1"/>
+                      </a:solidFill>
+                      <a:prstDash val="solid"/>
+                      <a:round/>
+                      <a:headEnd type="none" w="med" len="med"/>
+                      <a:tailEnd type="none" w="med" len="med"/>
+                    </a:lnL>
+                    <a:lnR w="12700" cap="flat" cmpd="sng" algn="ctr">
+                      <a:solidFill>
+                        <a:schemeClr val="tx1"/>
+                      </a:solidFill>
+                      <a:prstDash val="solid"/>
+                      <a:round/>
+                      <a:headEnd type="none" w="med" len="med"/>
+                      <a:tailEnd type="none" w="med" len="med"/>
+                    </a:lnR>
+                    <a:lnT w="12700" cap="flat" cmpd="sng" algn="ctr">
+                      <a:solidFill>
+                        <a:schemeClr val="tx1"/>
+                      </a:solidFill>
+                      <a:prstDash val="solid"/>
+                      <a:round/>
+                      <a:headEnd type="none" w="med" len="med"/>
+                      <a:tailEnd type="none" w="med" len="med"/>
+                    </a:lnT>
+                    <a:lnB w="12700" cap="flat" cmpd="sng" algn="ctr">
+                      <a:solidFill>
+                        <a:schemeClr val="tx1"/>
+                      </a:solidFill>
+                      <a:prstDash val="solid"/>
+                      <a:round/>
+                      <a:headEnd type="none" w="med" len="med"/>
+                      <a:tailEnd type="none" w="med" len="med"/>
+                    </a:lnB>
+                  </a:tcPr>
+                </a:tc>
+                <a:tc>
+                  <a:txBody>
+                    <a:bodyPr/>
+                    <a:lstStyle/>
+                    <a:p>
+                      <a:r>
+                        <a:rPr lang="ko-KR" altLang="en-US"/>
+                        <a:t>이미지 분류</a:t>
+                      </a:r>
+                    </a:p>
+                  </a:txBody>
+                  <a:tcPr anchor="ctr">
+                    <a:lnL w="12700" cap="flat" cmpd="sng" algn="ctr">
+                      <a:solidFill>
+                        <a:schemeClr val="tx1"/>
+                      </a:solidFill>
+                      <a:prstDash val="solid"/>
+                      <a:round/>
+                      <a:headEnd type="none" w="med" len="med"/>
+                      <a:tailEnd type="none" w="med" len="med"/>
+                    </a:lnL>
+                    <a:lnR w="12700" cap="flat" cmpd="sng" algn="ctr">
+                      <a:solidFill>
+                        <a:schemeClr val="tx1"/>
+                      </a:solidFill>
+                      <a:prstDash val="solid"/>
+                      <a:round/>
+                      <a:headEnd type="none" w="med" len="med"/>
+                      <a:tailEnd type="none" w="med" len="med"/>
+                    </a:lnR>
+                    <a:lnT w="12700" cap="flat" cmpd="sng" algn="ctr">
+                      <a:solidFill>
+                        <a:schemeClr val="tx1"/>
+                      </a:solidFill>
+                      <a:prstDash val="solid"/>
+                      <a:round/>
+                      <a:headEnd type="none" w="med" len="med"/>
+                      <a:tailEnd type="none" w="med" len="med"/>
+                    </a:lnT>
+                    <a:lnB w="12700" cap="flat" cmpd="sng" algn="ctr">
+                      <a:solidFill>
+                        <a:schemeClr val="tx1"/>
+                      </a:solidFill>
+                      <a:prstDash val="solid"/>
+                      <a:round/>
+                      <a:headEnd type="none" w="med" len="med"/>
+                      <a:tailEnd type="none" w="med" len="med"/>
+                    </a:lnB>
+                  </a:tcPr>
+                </a:tc>
+                <a:extLst>
+                  <a:ext uri="{0D108BD9-81ED-4DB2-BD59-A6C34878D82A}">
+                    <a16:rowId xmlns:a16="http://schemas.microsoft.com/office/drawing/2014/main" val="3492642774"/>
+                  </a:ext>
+                </a:extLst>
+              </a:tr>
+              <a:tr h="0">
+                <a:tc>
+                  <a:txBody>
+                    <a:bodyPr/>
+                    <a:lstStyle/>
+                    <a:p>
+                      <a:r>
+                        <a:rPr lang="en-US" b="1"/>
+                        <a:t>Whisper / SpeechT5</a:t>
+                      </a:r>
+                      <a:endParaRPr lang="en-US"/>
+                    </a:p>
+                  </a:txBody>
+                  <a:tcPr anchor="ctr">
+                    <a:lnL w="12700" cap="flat" cmpd="sng" algn="ctr">
+                      <a:solidFill>
+                        <a:schemeClr val="tx1"/>
+                      </a:solidFill>
+                      <a:prstDash val="solid"/>
+                      <a:round/>
+                      <a:headEnd type="none" w="med" len="med"/>
+                      <a:tailEnd type="none" w="med" len="med"/>
+                    </a:lnL>
+                    <a:lnR w="12700" cap="flat" cmpd="sng" algn="ctr">
+                      <a:solidFill>
+                        <a:schemeClr val="tx1"/>
+                      </a:solidFill>
+                      <a:prstDash val="solid"/>
+                      <a:round/>
+                      <a:headEnd type="none" w="med" len="med"/>
+                      <a:tailEnd type="none" w="med" len="med"/>
+                    </a:lnR>
+                    <a:lnT w="12700" cap="flat" cmpd="sng" algn="ctr">
+                      <a:solidFill>
+                        <a:schemeClr val="tx1"/>
+                      </a:solidFill>
+                      <a:prstDash val="solid"/>
+                      <a:round/>
+                      <a:headEnd type="none" w="med" len="med"/>
+                      <a:tailEnd type="none" w="med" len="med"/>
+                    </a:lnT>
+                    <a:lnB w="12700" cap="flat" cmpd="sng" algn="ctr">
+                      <a:solidFill>
+                        <a:schemeClr val="tx1"/>
+                      </a:solidFill>
+                      <a:prstDash val="solid"/>
+                      <a:round/>
+                      <a:headEnd type="none" w="med" len="med"/>
+                      <a:tailEnd type="none" w="med" len="med"/>
+                    </a:lnB>
+                  </a:tcPr>
+                </a:tc>
+                <a:tc>
+                  <a:txBody>
+                    <a:bodyPr/>
+                    <a:lstStyle/>
+                    <a:p>
+                      <a:r>
+                        <a:rPr lang="en-US"/>
+                        <a:t>Encoder + Decoder</a:t>
+                      </a:r>
+                    </a:p>
+                  </a:txBody>
+                  <a:tcPr anchor="ctr">
+                    <a:lnL w="12700" cap="flat" cmpd="sng" algn="ctr">
+                      <a:solidFill>
+                        <a:schemeClr val="tx1"/>
+                      </a:solidFill>
+                      <a:prstDash val="solid"/>
+                      <a:round/>
+                      <a:headEnd type="none" w="med" len="med"/>
+                      <a:tailEnd type="none" w="med" len="med"/>
+                    </a:lnL>
+                    <a:lnR w="12700" cap="flat" cmpd="sng" algn="ctr">
+                      <a:solidFill>
+                        <a:schemeClr val="tx1"/>
+                      </a:solidFill>
+                      <a:prstDash val="solid"/>
+                      <a:round/>
+                      <a:headEnd type="none" w="med" len="med"/>
+                      <a:tailEnd type="none" w="med" len="med"/>
+                    </a:lnR>
+                    <a:lnT w="12700" cap="flat" cmpd="sng" algn="ctr">
+                      <a:solidFill>
+                        <a:schemeClr val="tx1"/>
+                      </a:solidFill>
+                      <a:prstDash val="solid"/>
+                      <a:round/>
+                      <a:headEnd type="none" w="med" len="med"/>
+                      <a:tailEnd type="none" w="med" len="med"/>
+                    </a:lnT>
+                    <a:lnB w="12700" cap="flat" cmpd="sng" algn="ctr">
+                      <a:solidFill>
+                        <a:schemeClr val="tx1"/>
+                      </a:solidFill>
+                      <a:prstDash val="solid"/>
+                      <a:round/>
+                      <a:headEnd type="none" w="med" len="med"/>
+                      <a:tailEnd type="none" w="med" len="med"/>
+                    </a:lnB>
+                  </a:tcPr>
+                </a:tc>
+                <a:tc>
+                  <a:txBody>
+                    <a:bodyPr/>
+                    <a:lstStyle/>
+                    <a:p>
+                      <a:r>
+                        <a:rPr lang="ko-KR" altLang="en-US"/>
+                        <a:t>음성 인식</a:t>
+                      </a:r>
+                      <a:r>
+                        <a:rPr lang="en-US" altLang="ko-KR"/>
+                        <a:t>, </a:t>
+                      </a:r>
+                      <a:r>
+                        <a:rPr lang="ko-KR" altLang="en-US"/>
+                        <a:t>음성 합성</a:t>
+                      </a:r>
+                    </a:p>
+                  </a:txBody>
+                  <a:tcPr anchor="ctr">
+                    <a:lnL w="12700" cap="flat" cmpd="sng" algn="ctr">
+                      <a:solidFill>
+                        <a:schemeClr val="tx1"/>
+                      </a:solidFill>
+                      <a:prstDash val="solid"/>
+                      <a:round/>
+                      <a:headEnd type="none" w="med" len="med"/>
+                      <a:tailEnd type="none" w="med" len="med"/>
+                    </a:lnL>
+                    <a:lnR w="12700" cap="flat" cmpd="sng" algn="ctr">
+                      <a:solidFill>
+                        <a:schemeClr val="tx1"/>
+                      </a:solidFill>
+                      <a:prstDash val="solid"/>
+                      <a:round/>
+                      <a:headEnd type="none" w="med" len="med"/>
+                      <a:tailEnd type="none" w="med" len="med"/>
+                    </a:lnR>
+                    <a:lnT w="12700" cap="flat" cmpd="sng" algn="ctr">
+                      <a:solidFill>
+                        <a:schemeClr val="tx1"/>
+                      </a:solidFill>
+                      <a:prstDash val="solid"/>
+                      <a:round/>
+                      <a:headEnd type="none" w="med" len="med"/>
+                      <a:tailEnd type="none" w="med" len="med"/>
+                    </a:lnT>
+                    <a:lnB w="12700" cap="flat" cmpd="sng" algn="ctr">
+                      <a:solidFill>
+                        <a:schemeClr val="tx1"/>
+                      </a:solidFill>
+                      <a:prstDash val="solid"/>
+                      <a:round/>
+                      <a:headEnd type="none" w="med" len="med"/>
+                      <a:tailEnd type="none" w="med" len="med"/>
+                    </a:lnB>
+                  </a:tcPr>
+                </a:tc>
+                <a:extLst>
+                  <a:ext uri="{0D108BD9-81ED-4DB2-BD59-A6C34878D82A}">
+                    <a16:rowId xmlns:a16="http://schemas.microsoft.com/office/drawing/2014/main" val="2434907980"/>
+                  </a:ext>
+                </a:extLst>
+              </a:tr>
+              <a:tr h="0">
+                <a:tc>
+                  <a:txBody>
+                    <a:bodyPr/>
+                    <a:lstStyle/>
+                    <a:p>
+                      <a:r>
+                        <a:rPr lang="en-US" b="1"/>
+                        <a:t>ChatGPT / Gemini / Claude </a:t>
+                      </a:r>
+                      <a:r>
+                        <a:rPr lang="ko-KR" altLang="en-US" b="1"/>
+                        <a:t>등</a:t>
+                      </a:r>
+                      <a:endParaRPr lang="ko-KR" altLang="en-US"/>
+                    </a:p>
+                  </a:txBody>
+                  <a:tcPr anchor="ctr">
+                    <a:lnL w="12700" cap="flat" cmpd="sng" algn="ctr">
+                      <a:solidFill>
+                        <a:schemeClr val="tx1"/>
+                      </a:solidFill>
+                      <a:prstDash val="solid"/>
+                      <a:round/>
+                      <a:headEnd type="none" w="med" len="med"/>
+                      <a:tailEnd type="none" w="med" len="med"/>
+                    </a:lnL>
+                    <a:lnR w="12700" cap="flat" cmpd="sng" algn="ctr">
+                      <a:solidFill>
+                        <a:schemeClr val="tx1"/>
+                      </a:solidFill>
+                      <a:prstDash val="solid"/>
+                      <a:round/>
+                      <a:headEnd type="none" w="med" len="med"/>
+                      <a:tailEnd type="none" w="med" len="med"/>
+                    </a:lnR>
+                    <a:lnT w="12700" cap="flat" cmpd="sng" algn="ctr">
+                      <a:solidFill>
+                        <a:schemeClr val="tx1"/>
+                      </a:solidFill>
+                      <a:prstDash val="solid"/>
+                      <a:round/>
+                      <a:headEnd type="none" w="med" len="med"/>
+                      <a:tailEnd type="none" w="med" len="med"/>
+                    </a:lnT>
+                    <a:lnB w="12700" cap="flat" cmpd="sng" algn="ctr">
+                      <a:solidFill>
+                        <a:schemeClr val="tx1"/>
+                      </a:solidFill>
+                      <a:prstDash val="solid"/>
+                      <a:round/>
+                      <a:headEnd type="none" w="med" len="med"/>
+                      <a:tailEnd type="none" w="med" len="med"/>
+                    </a:lnB>
+                  </a:tcPr>
+                </a:tc>
+                <a:tc>
+                  <a:txBody>
+                    <a:bodyPr/>
+                    <a:lstStyle/>
+                    <a:p>
+                      <a:r>
+                        <a:rPr lang="ko-KR" altLang="en-US"/>
+                        <a:t>대형 </a:t>
+                      </a:r>
+                      <a:r>
+                        <a:rPr lang="en-US"/>
+                        <a:t>Decoder </a:t>
+                      </a:r>
+                      <a:r>
+                        <a:rPr lang="ko-KR" altLang="en-US"/>
+                        <a:t>모델</a:t>
+                      </a:r>
+                    </a:p>
+                  </a:txBody>
+                  <a:tcPr anchor="ctr">
+                    <a:lnL w="12700" cap="flat" cmpd="sng" algn="ctr">
+                      <a:solidFill>
+                        <a:schemeClr val="tx1"/>
+                      </a:solidFill>
+                      <a:prstDash val="solid"/>
+                      <a:round/>
+                      <a:headEnd type="none" w="med" len="med"/>
+                      <a:tailEnd type="none" w="med" len="med"/>
+                    </a:lnL>
+                    <a:lnR w="12700" cap="flat" cmpd="sng" algn="ctr">
+                      <a:solidFill>
+                        <a:schemeClr val="tx1"/>
+                      </a:solidFill>
+                      <a:prstDash val="solid"/>
+                      <a:round/>
+                      <a:headEnd type="none" w="med" len="med"/>
+                      <a:tailEnd type="none" w="med" len="med"/>
+                    </a:lnR>
+                    <a:lnT w="12700" cap="flat" cmpd="sng" algn="ctr">
+                      <a:solidFill>
+                        <a:schemeClr val="tx1"/>
+                      </a:solidFill>
+                      <a:prstDash val="solid"/>
+                      <a:round/>
+                      <a:headEnd type="none" w="med" len="med"/>
+                      <a:tailEnd type="none" w="med" len="med"/>
+                    </a:lnT>
+                    <a:lnB w="12700" cap="flat" cmpd="sng" algn="ctr">
+                      <a:solidFill>
+                        <a:schemeClr val="tx1"/>
+                      </a:solidFill>
+                      <a:prstDash val="solid"/>
+                      <a:round/>
+                      <a:headEnd type="none" w="med" len="med"/>
+                      <a:tailEnd type="none" w="med" len="med"/>
+                    </a:lnB>
+                  </a:tcPr>
+                </a:tc>
+                <a:tc>
+                  <a:txBody>
+                    <a:bodyPr/>
+                    <a:lstStyle/>
+                    <a:p>
+                      <a:r>
+                        <a:rPr lang="ko-KR" altLang="en-US" dirty="0"/>
+                        <a:t>대화형 </a:t>
+                      </a:r>
+                      <a:r>
+                        <a:rPr lang="en-US" dirty="0"/>
+                        <a:t>AI</a:t>
+                      </a:r>
+                    </a:p>
+                  </a:txBody>
+                  <a:tcPr anchor="ctr">
+                    <a:lnL w="12700" cap="flat" cmpd="sng" algn="ctr">
+                      <a:solidFill>
+                        <a:schemeClr val="tx1"/>
+                      </a:solidFill>
+                      <a:prstDash val="solid"/>
+                      <a:round/>
+                      <a:headEnd type="none" w="med" len="med"/>
+                      <a:tailEnd type="none" w="med" len="med"/>
+                    </a:lnL>
+                    <a:lnR w="12700" cap="flat" cmpd="sng" algn="ctr">
+                      <a:solidFill>
+                        <a:schemeClr val="tx1"/>
+                      </a:solidFill>
+                      <a:prstDash val="solid"/>
+                      <a:round/>
+                      <a:headEnd type="none" w="med" len="med"/>
+                      <a:tailEnd type="none" w="med" len="med"/>
+                    </a:lnR>
+                    <a:lnT w="12700" cap="flat" cmpd="sng" algn="ctr">
+                      <a:solidFill>
+                        <a:schemeClr val="tx1"/>
+                      </a:solidFill>
+                      <a:prstDash val="solid"/>
+                      <a:round/>
+                      <a:headEnd type="none" w="med" len="med"/>
+                      <a:tailEnd type="none" w="med" len="med"/>
+                    </a:lnT>
+                    <a:lnB w="12700" cap="flat" cmpd="sng" algn="ctr">
+                      <a:solidFill>
+                        <a:schemeClr val="tx1"/>
+                      </a:solidFill>
+                      <a:prstDash val="solid"/>
+                      <a:round/>
+                      <a:headEnd type="none" w="med" len="med"/>
+                      <a:tailEnd type="none" w="med" len="med"/>
+                    </a:lnB>
+                  </a:tcPr>
+                </a:tc>
+                <a:extLst>
+                  <a:ext uri="{0D108BD9-81ED-4DB2-BD59-A6C34878D82A}">
+                    <a16:rowId xmlns:a16="http://schemas.microsoft.com/office/drawing/2014/main" val="676429007"/>
+                  </a:ext>
+                </a:extLst>
+              </a:tr>
+            </a:tbl>
+          </a:graphicData>
+        </a:graphic>
+      </p:graphicFrame>
     </p:spTree>
     <p:extLst>
       <p:ext uri="{BB962C8B-B14F-4D97-AF65-F5344CB8AC3E}">
-        <p14:creationId xmlns:p14="http://schemas.microsoft.com/office/powerpoint/2010/main" val="1501590709"/>
+        <p14:creationId xmlns:p14="http://schemas.microsoft.com/office/powerpoint/2010/main" val="1825670887"/>
       </p:ext>
     </p:extLst>
   </p:cSld>
@@ -5816,7 +9562,7 @@
 </p:sld>
 </file>
 
-<file path=ppt/slides/slide7.xml><?xml version="1.0" encoding="utf-8"?>
+<file path=ppt/slides/slide17.xml><?xml version="1.0" encoding="utf-8"?>
 <p:sld xmlns:a="http://schemas.openxmlformats.org/drawingml/2006/main" xmlns:r="http://schemas.openxmlformats.org/officeDocument/2006/relationships" xmlns:p="http://schemas.openxmlformats.org/presentationml/2006/main">
   <p:cSld>
     <p:spTree>
@@ -5971,7 +9717,7 @@
         <p:spPr>
           <a:xfrm>
             <a:off x="971600" y="1700955"/>
-            <a:ext cx="7200800" cy="2862322"/>
+            <a:ext cx="7200800" cy="1200329"/>
           </a:xfrm>
           <a:prstGeom prst="rect">
             <a:avLst/>
@@ -5990,11 +9736,27 @@
             </a:pPr>
             <a:r>
               <a:rPr lang="en-US" altLang="ko-KR" dirty="0"/>
-              <a:t>Word2Vec</a:t>
+              <a:t>BERT</a:t>
             </a:r>
             <a:r>
               <a:rPr lang="ko-KR" altLang="en-US" dirty="0"/>
-              <a:t>과 통계 기반의 강점을 결합한 방식</a:t>
+              <a:t>는 문맥</a:t>
+            </a:r>
+            <a:r>
+              <a:rPr lang="en-US" altLang="ko-KR" dirty="0"/>
+              <a:t>(Context)</a:t>
+            </a:r>
+            <a:r>
+              <a:rPr lang="ko-KR" altLang="en-US" dirty="0"/>
+              <a:t>에 따라 단어의 의미가 달라지는 ‘문맥적 </a:t>
+            </a:r>
+            <a:r>
+              <a:rPr lang="ko-KR" altLang="en-US" dirty="0" err="1"/>
+              <a:t>임베딩’을</a:t>
+            </a:r>
+            <a:r>
+              <a:rPr lang="ko-KR" altLang="en-US" dirty="0"/>
+              <a:t> 생성</a:t>
             </a:r>
             <a:endParaRPr lang="en-US" altLang="ko-KR" dirty="0"/>
           </a:p>
@@ -6004,24 +9766,20 @@
               <a:buChar char="•"/>
             </a:pPr>
             <a:r>
+              <a:rPr lang="en-US" altLang="ko-KR" dirty="0"/>
+              <a:t>Transformer</a:t>
+            </a:r>
+            <a:r>
               <a:rPr lang="ko-KR" altLang="en-US" dirty="0"/>
-              <a:t>단어 간의 전역적인 통계정보를 이용해서 단어 </a:t>
-            </a:r>
-            <a:r>
-              <a:rPr lang="ko-KR" altLang="en-US" dirty="0" err="1"/>
-              <a:t>백터를</a:t>
+              <a:t>의 </a:t>
+            </a:r>
+            <a:r>
+              <a:rPr lang="en-US" altLang="ko-KR" dirty="0"/>
+              <a:t>Encoder</a:t>
             </a:r>
             <a:r>
               <a:rPr lang="ko-KR" altLang="en-US" dirty="0"/>
-              <a:t> 학습하는 </a:t>
-            </a:r>
-            <a:r>
-              <a:rPr lang="ko-KR" altLang="en-US" dirty="0" err="1"/>
-              <a:t>임베딩</a:t>
-            </a:r>
-            <a:r>
-              <a:rPr lang="ko-KR" altLang="en-US" dirty="0"/>
-              <a:t> 방식</a:t>
+              <a:t>만 사용</a:t>
             </a:r>
             <a:endParaRPr lang="en-US" altLang="ko-KR" dirty="0"/>
           </a:p>
@@ -6032,96 +9790,16 @@
             </a:pPr>
             <a:r>
               <a:rPr lang="ko-KR" altLang="en-US" dirty="0"/>
-              <a:t>사전에 학습이 된 모델을 이용하여 </a:t>
-            </a:r>
-            <a:r>
-              <a:rPr lang="ko-KR" altLang="en-US" dirty="0" err="1"/>
-              <a:t>임베딩</a:t>
+              <a:t>문맥을 양방향으로 이해 하기 위해 </a:t>
+            </a:r>
+            <a:r>
+              <a:rPr lang="en-US" altLang="ko-KR" dirty="0"/>
+              <a:t>Bidirectional Encoder</a:t>
             </a:r>
             <a:r>
               <a:rPr lang="ko-KR" altLang="en-US" dirty="0"/>
-              <a:t> 변환을 </a:t>
-            </a:r>
-            <a:r>
-              <a:rPr lang="ko-KR" altLang="en-US" dirty="0" smtClean="0"/>
-              <a:t>사용</a:t>
-            </a:r>
-            <a:r>
-              <a:rPr lang="en-US" altLang="ko-KR" dirty="0"/>
-              <a:t> </a:t>
-            </a:r>
-            <a:r>
-              <a:rPr lang="en-US" altLang="ko-KR" dirty="0" smtClean="0"/>
-              <a:t>(</a:t>
-            </a:r>
-            <a:r>
-              <a:rPr lang="ko-KR" altLang="en-US" dirty="0" smtClean="0"/>
-              <a:t>사전 모델을 사용하지 않으면 오래 걸리고 어려울 수 있음</a:t>
-            </a:r>
-            <a:r>
-              <a:rPr lang="en-US" altLang="ko-KR" dirty="0" smtClean="0"/>
-              <a:t>)</a:t>
-            </a:r>
-            <a:endParaRPr lang="en-US" altLang="ko-KR" dirty="0"/>
-          </a:p>
-          <a:p>
-            <a:pPr marL="285750" indent="-285750">
-              <a:buFont typeface="Arial" panose="020B0604020202020204" pitchFamily="34" charset="0"/>
-              <a:buChar char="•"/>
-            </a:pPr>
-            <a:r>
-              <a:rPr lang="ko-KR" altLang="en-US" dirty="0"/>
-              <a:t>영문 모델은</a:t>
-            </a:r>
-            <a:r>
-              <a:rPr lang="en-US" altLang="ko-KR" dirty="0"/>
-              <a:t/>
-            </a:r>
-            <a:br>
-              <a:rPr lang="en-US" altLang="ko-KR" dirty="0"/>
-            </a:br>
-            <a:r>
-              <a:rPr lang="en-US" altLang="ko-KR" dirty="0"/>
-              <a:t>	https://nlp.stanford.edu/projects/glove/</a:t>
-            </a:r>
-            <a:br>
-              <a:rPr lang="en-US" altLang="ko-KR" dirty="0"/>
-            </a:br>
-            <a:r>
-              <a:rPr lang="ko-KR" altLang="en-US" dirty="0"/>
-              <a:t>사이트에서 다운로드 </a:t>
-            </a:r>
-            <a:r>
-              <a:rPr lang="ko-KR" altLang="en-US" dirty="0" smtClean="0"/>
-              <a:t>가능 </a:t>
-            </a:r>
-            <a:r>
-              <a:rPr lang="en-US" altLang="ko-KR" dirty="0" smtClean="0"/>
-              <a:t>(</a:t>
-            </a:r>
-            <a:r>
-              <a:rPr lang="ko-KR" altLang="en-US" dirty="0" smtClean="0"/>
-              <a:t>영문 모델이 유명</a:t>
-            </a:r>
-            <a:r>
-              <a:rPr lang="en-US" altLang="ko-KR" dirty="0" smtClean="0"/>
-              <a:t>. </a:t>
-            </a:r>
-            <a:r>
-              <a:rPr lang="ko-KR" altLang="en-US" dirty="0" smtClean="0"/>
-              <a:t>영문으로 작업할 일이 생겼을 때 사용하면 성능 굉장히 좋을 것</a:t>
-            </a:r>
-            <a:r>
-              <a:rPr lang="en-US" altLang="ko-KR" dirty="0" smtClean="0"/>
-              <a:t>.)</a:t>
-            </a:r>
-            <a:endParaRPr lang="en-US" altLang="ko-KR" dirty="0"/>
-          </a:p>
-          <a:p>
-            <a:pPr marL="285750" indent="-285750">
-              <a:buFont typeface="Arial" panose="020B0604020202020204" pitchFamily="34" charset="0"/>
-              <a:buChar char="•"/>
-            </a:pPr>
+              <a:t>을 사용</a:t>
+            </a:r>
             <a:endParaRPr lang="en-US" altLang="ko-KR" dirty="0"/>
           </a:p>
         </p:txBody>
@@ -6135,7 +9813,7 @@
         <p:spPr>
           <a:xfrm>
             <a:off x="539552" y="1065096"/>
-            <a:ext cx="7992888" cy="446276"/>
+            <a:ext cx="7992888" cy="461665"/>
           </a:xfrm>
           <a:prstGeom prst="rect">
             <a:avLst/>
@@ -6149,8 +9827,8 @@
           <a:lstStyle/>
           <a:p>
             <a:r>
-              <a:rPr lang="en-US" altLang="ko-KR" sz="2300" dirty="0" err="1"/>
-              <a:t>GloVe</a:t>
+              <a:rPr lang="en-US" altLang="ko-KR" sz="2400" dirty="0"/>
+              <a:t>BERT</a:t>
             </a:r>
             <a:endParaRPr lang="ko-KR" altLang="en-US" sz="2300" dirty="0"/>
           </a:p>
@@ -6159,7 +9837,7 @@
     </p:spTree>
     <p:extLst>
       <p:ext uri="{BB962C8B-B14F-4D97-AF65-F5344CB8AC3E}">
-        <p14:creationId xmlns:p14="http://schemas.microsoft.com/office/powerpoint/2010/main" val="3378569894"/>
+        <p14:creationId xmlns:p14="http://schemas.microsoft.com/office/powerpoint/2010/main" val="3909685035"/>
       </p:ext>
     </p:extLst>
   </p:cSld>
@@ -6169,7 +9847,7 @@
 </p:sld>
 </file>
 
-<file path=ppt/slides/slide8.xml><?xml version="1.0" encoding="utf-8"?>
+<file path=ppt/slides/slide18.xml><?xml version="1.0" encoding="utf-8"?>
 <p:sld xmlns:a="http://schemas.openxmlformats.org/drawingml/2006/main" xmlns:r="http://schemas.openxmlformats.org/officeDocument/2006/relationships" xmlns:p="http://schemas.openxmlformats.org/presentationml/2006/main">
   <p:cSld>
     <p:spTree>
@@ -6324,7 +10002,7 @@
         <p:spPr>
           <a:xfrm>
             <a:off x="971600" y="1700955"/>
-            <a:ext cx="7200800" cy="2585323"/>
+            <a:ext cx="7200800" cy="2031325"/>
           </a:xfrm>
           <a:prstGeom prst="rect">
             <a:avLst/>
@@ -6342,8 +10020,37 @@
               <a:buChar char="•"/>
             </a:pPr>
             <a:r>
+              <a:rPr lang="en-US" altLang="ko-KR" dirty="0"/>
+              <a:t>MLM</a:t>
+            </a:r>
+          </a:p>
+          <a:p>
+            <a:pPr marL="742950" lvl="1" indent="-285750">
+              <a:buFont typeface="Arial" panose="020B0604020202020204" pitchFamily="34" charset="0"/>
+              <a:buChar char="•"/>
+            </a:pPr>
+            <a:r>
               <a:rPr lang="ko-KR" altLang="en-US" dirty="0"/>
-              <a:t>단어 하나를 하나의 토큰으로 보는 것이 아니라 글자 단위로 분해하여 벡터를 학습하는 방식</a:t>
+              <a:t>문장에서 임의의 단어를 </a:t>
+            </a:r>
+            <a:r>
+              <a:rPr lang="en-US" altLang="ko-KR" dirty="0"/>
+              <a:t>[MASK]</a:t>
+            </a:r>
+            <a:r>
+              <a:rPr lang="ko-KR" altLang="en-US" dirty="0"/>
+              <a:t>로 가리고 해당 단어를 맞추는 과정</a:t>
+            </a:r>
+            <a:endParaRPr lang="en-US" altLang="ko-KR" dirty="0"/>
+          </a:p>
+          <a:p>
+            <a:pPr marL="742950" lvl="1" indent="-285750">
+              <a:buFont typeface="Arial" panose="020B0604020202020204" pitchFamily="34" charset="0"/>
+              <a:buChar char="•"/>
+            </a:pPr>
+            <a:r>
+              <a:rPr lang="ko-KR" altLang="en-US" dirty="0"/>
+              <a:t>양방향 문맥을 모두 고려하려 단어를 이해</a:t>
             </a:r>
             <a:endParaRPr lang="en-US" altLang="ko-KR" dirty="0"/>
           </a:p>
@@ -6353,34 +10060,9 @@
               <a:buChar char="•"/>
             </a:pPr>
             <a:r>
-              <a:rPr lang="ko-KR" altLang="en-US" dirty="0"/>
-              <a:t>글자를 </a:t>
-            </a:r>
-            <a:r>
               <a:rPr lang="en-US" altLang="ko-KR" dirty="0"/>
-              <a:t>n-gram</a:t>
-            </a:r>
-            <a:r>
-              <a:rPr lang="ko-KR" altLang="en-US" dirty="0"/>
-              <a:t>의 형식으로 학습을 하기 때문에 </a:t>
-            </a:r>
-            <a:r>
-              <a:rPr lang="en-US" altLang="ko-KR" dirty="0"/>
-              <a:t>OOV(</a:t>
-            </a:r>
-            <a:r>
-              <a:rPr lang="ko-KR" altLang="en-US" dirty="0"/>
-              <a:t>사전에 없는 단어</a:t>
-            </a:r>
-            <a:r>
-              <a:rPr lang="en-US" altLang="ko-KR" dirty="0" smtClean="0"/>
-              <a:t>) </a:t>
-            </a:r>
-            <a:r>
-              <a:rPr lang="ko-KR" altLang="en-US" dirty="0" smtClean="0"/>
-              <a:t>문제 해결 가능</a:t>
-            </a:r>
-            <a:endParaRPr lang="en-US" altLang="ko-KR" dirty="0" smtClean="0"/>
+              <a:t>NSP</a:t>
+            </a:r>
           </a:p>
           <a:p>
             <a:pPr marL="742950" lvl="1" indent="-285750">
@@ -6388,97 +10070,19 @@
               <a:buChar char="•"/>
             </a:pPr>
             <a:r>
-              <a:rPr lang="ko-KR" altLang="en-US" dirty="0" smtClean="0"/>
-              <a:t>자연어 처리에서 </a:t>
-            </a:r>
-            <a:r>
-              <a:rPr lang="en-US" altLang="ko-KR" dirty="0" smtClean="0"/>
-              <a:t>OOV </a:t>
-            </a:r>
-            <a:r>
-              <a:rPr lang="ko-KR" altLang="en-US" dirty="0" smtClean="0"/>
-              <a:t>문제는 생각보다 큰 문제</a:t>
+              <a:rPr lang="ko-KR" altLang="en-US" dirty="0"/>
+              <a:t>두 문장이 연속된 문장인지 아닌지를 예측하는 과정</a:t>
             </a:r>
             <a:endParaRPr lang="en-US" altLang="ko-KR" dirty="0"/>
           </a:p>
           <a:p>
-            <a:pPr marL="285750" indent="-285750">
+            <a:pPr marL="742950" lvl="1" indent="-285750">
               <a:buFont typeface="Arial" panose="020B0604020202020204" pitchFamily="34" charset="0"/>
               <a:buChar char="•"/>
             </a:pPr>
             <a:r>
               <a:rPr lang="ko-KR" altLang="en-US" dirty="0"/>
-              <a:t>단어의 형태 </a:t>
-            </a:r>
-            <a:r>
-              <a:rPr lang="ko-KR" altLang="en-US" dirty="0" smtClean="0"/>
-              <a:t>변화</a:t>
-            </a:r>
-            <a:r>
-              <a:rPr lang="en-US" altLang="ko-KR" dirty="0" smtClean="0"/>
-              <a:t>(+</a:t>
-            </a:r>
-            <a:r>
-              <a:rPr lang="ko-KR" altLang="en-US" dirty="0" smtClean="0"/>
-              <a:t>부사 등등</a:t>
-            </a:r>
-            <a:r>
-              <a:rPr lang="en-US" altLang="ko-KR" dirty="0" smtClean="0"/>
-              <a:t>)</a:t>
-            </a:r>
-            <a:r>
-              <a:rPr lang="ko-KR" altLang="en-US" dirty="0" smtClean="0"/>
-              <a:t>에 </a:t>
-            </a:r>
-            <a:r>
-              <a:rPr lang="ko-KR" altLang="en-US" dirty="0"/>
-              <a:t>강한 모델</a:t>
-            </a:r>
-            <a:endParaRPr lang="en-US" altLang="ko-KR" dirty="0"/>
-          </a:p>
-          <a:p>
-            <a:pPr marL="285750" indent="-285750">
-              <a:buFont typeface="Arial" panose="020B0604020202020204" pitchFamily="34" charset="0"/>
-              <a:buChar char="•"/>
-            </a:pPr>
-            <a:r>
-              <a:rPr lang="ko-KR" altLang="en-US" dirty="0"/>
-              <a:t>단어 대신 글자 단위로 보기 때문에 </a:t>
-            </a:r>
-            <a:r>
-              <a:rPr lang="ko-KR" altLang="en-US" dirty="0" err="1" smtClean="0"/>
-              <a:t>계산량이</a:t>
-            </a:r>
-            <a:r>
-              <a:rPr lang="ko-KR" altLang="en-US" dirty="0" smtClean="0"/>
-              <a:t> 많아져 학습에 </a:t>
-            </a:r>
-            <a:r>
-              <a:rPr lang="ko-KR" altLang="en-US" dirty="0"/>
-              <a:t>시간이 오래 걸림</a:t>
-            </a:r>
-            <a:endParaRPr lang="en-US" altLang="ko-KR" dirty="0"/>
-          </a:p>
-          <a:p>
-            <a:pPr marL="285750" indent="-285750">
-              <a:buFont typeface="Arial" panose="020B0604020202020204" pitchFamily="34" charset="0"/>
-              <a:buChar char="•"/>
-            </a:pPr>
-            <a:r>
-              <a:rPr lang="en-US" altLang="ko-KR" dirty="0"/>
-              <a:t>N-gram </a:t>
-            </a:r>
-            <a:r>
-              <a:rPr lang="ko-KR" altLang="en-US" dirty="0"/>
-              <a:t>벡터들을 추가로 </a:t>
-            </a:r>
-            <a:r>
-              <a:rPr lang="ko-KR" altLang="en-US" dirty="0" smtClean="0"/>
-              <a:t>이용하므로 메모리 사용량 </a:t>
-            </a:r>
-            <a:r>
-              <a:rPr lang="ko-KR" altLang="en-US" dirty="0"/>
-              <a:t>증가</a:t>
+              <a:t>문장 간의 관계 이해 능력을 학습</a:t>
             </a:r>
             <a:endParaRPr lang="en-US" altLang="ko-KR" dirty="0"/>
           </a:p>
@@ -6493,7 +10097,7 @@
         <p:spPr>
           <a:xfrm>
             <a:off x="539552" y="1065096"/>
-            <a:ext cx="7992888" cy="446276"/>
+            <a:ext cx="7992888" cy="461665"/>
           </a:xfrm>
           <a:prstGeom prst="rect">
             <a:avLst/>
@@ -6507,17 +10111,21 @@
           <a:lstStyle/>
           <a:p>
             <a:r>
-              <a:rPr lang="en-US" altLang="ko-KR" sz="2300" b="1" dirty="0" err="1"/>
-              <a:t>FastText</a:t>
-            </a:r>
-            <a:endParaRPr lang="ko-KR" altLang="en-US" sz="2300" b="1" dirty="0"/>
+              <a:rPr lang="en-US" altLang="ko-KR" sz="2400" dirty="0"/>
+              <a:t>BERT </a:t>
+            </a:r>
+            <a:r>
+              <a:rPr lang="ko-KR" altLang="en-US" sz="2400" dirty="0"/>
+              <a:t>학습 방식</a:t>
+            </a:r>
+            <a:endParaRPr lang="ko-KR" altLang="en-US" sz="2300" dirty="0"/>
           </a:p>
         </p:txBody>
       </p:sp>
     </p:spTree>
     <p:extLst>
       <p:ext uri="{BB962C8B-B14F-4D97-AF65-F5344CB8AC3E}">
-        <p14:creationId xmlns:p14="http://schemas.microsoft.com/office/powerpoint/2010/main" val="3311746442"/>
+        <p14:creationId xmlns:p14="http://schemas.microsoft.com/office/powerpoint/2010/main" val="3241362765"/>
       </p:ext>
     </p:extLst>
   </p:cSld>
@@ -6527,7 +10135,7 @@
 </p:sld>
 </file>
 
-<file path=ppt/slides/slide9.xml><?xml version="1.0" encoding="utf-8"?>
+<file path=ppt/slides/slide19.xml><?xml version="1.0" encoding="utf-8"?>
 <p:sld xmlns:a="http://schemas.openxmlformats.org/drawingml/2006/main" xmlns:r="http://schemas.openxmlformats.org/officeDocument/2006/relationships" xmlns:p="http://schemas.openxmlformats.org/presentationml/2006/main">
   <p:cSld>
     <p:spTree>
@@ -6692,6 +10300,2088 @@
     <p:extLst>
       <p:ext uri="{BB962C8B-B14F-4D97-AF65-F5344CB8AC3E}">
         <p14:creationId xmlns:p14="http://schemas.microsoft.com/office/powerpoint/2010/main" val="2449786974"/>
+      </p:ext>
+    </p:extLst>
+  </p:cSld>
+  <p:clrMapOvr>
+    <a:masterClrMapping/>
+  </p:clrMapOvr>
+</p:sld>
+</file>
+
+<file path=ppt/slides/slide2.xml><?xml version="1.0" encoding="utf-8"?>
+<p:sld xmlns:a="http://schemas.openxmlformats.org/drawingml/2006/main" xmlns:r="http://schemas.openxmlformats.org/officeDocument/2006/relationships" xmlns:p="http://schemas.openxmlformats.org/presentationml/2006/main">
+  <p:cSld>
+    <p:spTree>
+      <p:nvGrpSpPr>
+        <p:cNvPr id="1" name=""/>
+        <p:cNvGrpSpPr/>
+        <p:nvPr/>
+      </p:nvGrpSpPr>
+      <p:grpSpPr>
+        <a:xfrm>
+          <a:off x="0" y="0"/>
+          <a:ext cx="0" cy="0"/>
+          <a:chOff x="0" y="0"/>
+          <a:chExt cx="0" cy="0"/>
+        </a:xfrm>
+      </p:grpSpPr>
+      <p:sp>
+        <p:nvSpPr>
+          <p:cNvPr id="3" name="타원 2"/>
+          <p:cNvSpPr/>
+          <p:nvPr/>
+        </p:nvSpPr>
+        <p:spPr>
+          <a:xfrm>
+            <a:off x="2627784" y="1298236"/>
+            <a:ext cx="3858956" cy="3858956"/>
+          </a:xfrm>
+          <a:prstGeom prst="ellipse">
+            <a:avLst/>
+          </a:prstGeom>
+          <a:solidFill>
+            <a:schemeClr val="tx2">
+              <a:lumMod val="75000"/>
+            </a:schemeClr>
+          </a:solidFill>
+          <a:ln>
+            <a:noFill/>
+          </a:ln>
+        </p:spPr>
+        <p:style>
+          <a:lnRef idx="2">
+            <a:schemeClr val="accent1">
+              <a:shade val="50000"/>
+            </a:schemeClr>
+          </a:lnRef>
+          <a:fillRef idx="1">
+            <a:schemeClr val="accent1"/>
+          </a:fillRef>
+          <a:effectRef idx="0">
+            <a:schemeClr val="accent1"/>
+          </a:effectRef>
+          <a:fontRef idx="minor">
+            <a:schemeClr val="lt1"/>
+          </a:fontRef>
+        </p:style>
+        <p:txBody>
+          <a:bodyPr rtlCol="0" anchor="ctr"/>
+          <a:lstStyle/>
+          <a:p>
+            <a:pPr algn="ctr"/>
+            <a:endParaRPr lang="ko-KR" altLang="en-US"/>
+          </a:p>
+        </p:txBody>
+      </p:sp>
+      <p:sp>
+        <p:nvSpPr>
+          <p:cNvPr id="7" name="TextBox 6"/>
+          <p:cNvSpPr txBox="1"/>
+          <p:nvPr/>
+        </p:nvSpPr>
+        <p:spPr>
+          <a:xfrm>
+            <a:off x="2627784" y="2971550"/>
+            <a:ext cx="3858956" cy="1169551"/>
+          </a:xfrm>
+          <a:prstGeom prst="rect">
+            <a:avLst/>
+          </a:prstGeom>
+          <a:noFill/>
+        </p:spPr>
+        <p:txBody>
+          <a:bodyPr wrap="square" rtlCol="0">
+            <a:spAutoFit/>
+          </a:bodyPr>
+          <a:lstStyle/>
+          <a:p>
+            <a:pPr algn="ctr"/>
+            <a:r>
+              <a:rPr lang="en-US" altLang="ko-KR" sz="3500" b="1" dirty="0">
+                <a:solidFill>
+                  <a:schemeClr val="bg1"/>
+                </a:solidFill>
+              </a:rPr>
+              <a:t>Word-level </a:t>
+            </a:r>
+            <a:r>
+              <a:rPr lang="ko-KR" altLang="en-US" sz="3500" b="1" dirty="0" err="1">
+                <a:solidFill>
+                  <a:schemeClr val="bg1"/>
+                </a:solidFill>
+              </a:rPr>
+              <a:t>임베딩</a:t>
+            </a:r>
+            <a:endParaRPr lang="ko-KR" altLang="en-US" sz="3500" b="1" dirty="0">
+              <a:solidFill>
+                <a:schemeClr val="bg1"/>
+              </a:solidFill>
+            </a:endParaRPr>
+          </a:p>
+        </p:txBody>
+      </p:sp>
+      <p:sp>
+        <p:nvSpPr>
+          <p:cNvPr id="5" name="직사각형 4"/>
+          <p:cNvSpPr/>
+          <p:nvPr/>
+        </p:nvSpPr>
+        <p:spPr>
+          <a:xfrm>
+            <a:off x="708377" y="271681"/>
+            <a:ext cx="857927" cy="276999"/>
+          </a:xfrm>
+          <a:prstGeom prst="rect">
+            <a:avLst/>
+          </a:prstGeom>
+        </p:spPr>
+        <p:txBody>
+          <a:bodyPr wrap="none">
+            <a:spAutoFit/>
+          </a:bodyPr>
+          <a:lstStyle/>
+          <a:p>
+            <a:pPr algn="ctr"/>
+            <a:r>
+              <a:rPr lang="ko-KR" altLang="en-US" sz="1200" b="1" spc="-150" dirty="0">
+                <a:solidFill>
+                  <a:schemeClr val="bg1"/>
+                </a:solidFill>
+              </a:rPr>
+              <a:t>자연어처리</a:t>
+            </a:r>
+          </a:p>
+        </p:txBody>
+      </p:sp>
+    </p:spTree>
+    <p:extLst>
+      <p:ext uri="{BB962C8B-B14F-4D97-AF65-F5344CB8AC3E}">
+        <p14:creationId xmlns:p14="http://schemas.microsoft.com/office/powerpoint/2010/main" val="1192776622"/>
+      </p:ext>
+    </p:extLst>
+  </p:cSld>
+  <p:clrMapOvr>
+    <a:masterClrMapping/>
+  </p:clrMapOvr>
+</p:sld>
+</file>
+
+<file path=ppt/slides/slide3.xml><?xml version="1.0" encoding="utf-8"?>
+<p:sld xmlns:a="http://schemas.openxmlformats.org/drawingml/2006/main" xmlns:r="http://schemas.openxmlformats.org/officeDocument/2006/relationships" xmlns:p="http://schemas.openxmlformats.org/presentationml/2006/main">
+  <p:cSld>
+    <p:spTree>
+      <p:nvGrpSpPr>
+        <p:cNvPr id="1" name=""/>
+        <p:cNvGrpSpPr/>
+        <p:nvPr/>
+      </p:nvGrpSpPr>
+      <p:grpSpPr>
+        <a:xfrm>
+          <a:off x="0" y="0"/>
+          <a:ext cx="0" cy="0"/>
+          <a:chOff x="0" y="0"/>
+          <a:chExt cx="0" cy="0"/>
+        </a:xfrm>
+      </p:grpSpPr>
+      <p:sp>
+        <p:nvSpPr>
+          <p:cNvPr id="3" name="타원 2"/>
+          <p:cNvSpPr/>
+          <p:nvPr/>
+        </p:nvSpPr>
+        <p:spPr>
+          <a:xfrm>
+            <a:off x="4067944" y="74100"/>
+            <a:ext cx="936104" cy="936104"/>
+          </a:xfrm>
+          <a:prstGeom prst="ellipse">
+            <a:avLst/>
+          </a:prstGeom>
+          <a:solidFill>
+            <a:schemeClr val="tx2">
+              <a:lumMod val="75000"/>
+            </a:schemeClr>
+          </a:solidFill>
+          <a:ln>
+            <a:noFill/>
+          </a:ln>
+        </p:spPr>
+        <p:style>
+          <a:lnRef idx="2">
+            <a:schemeClr val="accent1">
+              <a:shade val="50000"/>
+            </a:schemeClr>
+          </a:lnRef>
+          <a:fillRef idx="1">
+            <a:schemeClr val="accent1"/>
+          </a:fillRef>
+          <a:effectRef idx="0">
+            <a:schemeClr val="accent1"/>
+          </a:effectRef>
+          <a:fontRef idx="minor">
+            <a:schemeClr val="lt1"/>
+          </a:fontRef>
+        </p:style>
+        <p:txBody>
+          <a:bodyPr rtlCol="0" anchor="ctr"/>
+          <a:lstStyle/>
+          <a:p>
+            <a:pPr algn="ctr"/>
+            <a:endParaRPr lang="ko-KR" altLang="en-US"/>
+          </a:p>
+        </p:txBody>
+      </p:sp>
+      <p:sp>
+        <p:nvSpPr>
+          <p:cNvPr id="8" name="직사각형 7"/>
+          <p:cNvSpPr/>
+          <p:nvPr/>
+        </p:nvSpPr>
+        <p:spPr>
+          <a:xfrm>
+            <a:off x="708380" y="271681"/>
+            <a:ext cx="857927" cy="276999"/>
+          </a:xfrm>
+          <a:prstGeom prst="rect">
+            <a:avLst/>
+          </a:prstGeom>
+        </p:spPr>
+        <p:txBody>
+          <a:bodyPr wrap="none">
+            <a:spAutoFit/>
+          </a:bodyPr>
+          <a:lstStyle/>
+          <a:p>
+            <a:pPr algn="ctr"/>
+            <a:r>
+              <a:rPr lang="ko-KR" altLang="en-US" sz="1200" b="1" spc="-150" dirty="0">
+                <a:solidFill>
+                  <a:schemeClr val="bg1"/>
+                </a:solidFill>
+              </a:rPr>
+              <a:t>자연어처리</a:t>
+            </a:r>
+            <a:endParaRPr lang="en-US" altLang="ko-KR" sz="1200" b="1" spc="-150" dirty="0">
+              <a:solidFill>
+                <a:schemeClr val="bg1"/>
+              </a:solidFill>
+            </a:endParaRPr>
+          </a:p>
+        </p:txBody>
+      </p:sp>
+      <p:sp>
+        <p:nvSpPr>
+          <p:cNvPr id="9" name="TextBox 8"/>
+          <p:cNvSpPr txBox="1"/>
+          <p:nvPr/>
+        </p:nvSpPr>
+        <p:spPr>
+          <a:xfrm>
+            <a:off x="3995936" y="479095"/>
+            <a:ext cx="1080120" cy="461665"/>
+          </a:xfrm>
+          <a:prstGeom prst="rect">
+            <a:avLst/>
+          </a:prstGeom>
+          <a:noFill/>
+        </p:spPr>
+        <p:txBody>
+          <a:bodyPr wrap="square" rtlCol="0">
+            <a:spAutoFit/>
+          </a:bodyPr>
+          <a:lstStyle/>
+          <a:p>
+            <a:pPr algn="ctr"/>
+            <a:r>
+              <a:rPr lang="en-US" altLang="ko-KR" sz="2400" dirty="0">
+                <a:solidFill>
+                  <a:schemeClr val="bg1"/>
+                </a:solidFill>
+                <a:latin typeface="HY헤드라인M" pitchFamily="18" charset="-127"/>
+                <a:ea typeface="HY헤드라인M" pitchFamily="18" charset="-127"/>
+              </a:rPr>
+              <a:t>01</a:t>
+            </a:r>
+            <a:endParaRPr lang="ko-KR" altLang="en-US" sz="2400" dirty="0">
+              <a:solidFill>
+                <a:schemeClr val="bg1"/>
+              </a:solidFill>
+              <a:latin typeface="HY헤드라인M" pitchFamily="18" charset="-127"/>
+              <a:ea typeface="HY헤드라인M" pitchFamily="18" charset="-127"/>
+            </a:endParaRPr>
+          </a:p>
+        </p:txBody>
+      </p:sp>
+      <p:sp>
+        <p:nvSpPr>
+          <p:cNvPr id="4" name="TextBox 3"/>
+          <p:cNvSpPr txBox="1"/>
+          <p:nvPr/>
+        </p:nvSpPr>
+        <p:spPr>
+          <a:xfrm>
+            <a:off x="971600" y="1700955"/>
+            <a:ext cx="7200800" cy="1477328"/>
+          </a:xfrm>
+          <a:prstGeom prst="rect">
+            <a:avLst/>
+          </a:prstGeom>
+          <a:noFill/>
+        </p:spPr>
+        <p:txBody>
+          <a:bodyPr wrap="square" rtlCol="0">
+            <a:spAutoFit/>
+          </a:bodyPr>
+          <a:lstStyle/>
+          <a:p>
+            <a:pPr marL="285750" indent="-285750">
+              <a:buFont typeface="Arial" panose="020B0604020202020204" pitchFamily="34" charset="0"/>
+              <a:buChar char="•"/>
+            </a:pPr>
+            <a:r>
+              <a:rPr lang="en-US" altLang="ko-KR" dirty="0"/>
+              <a:t>Word2Vec</a:t>
+            </a:r>
+            <a:r>
+              <a:rPr lang="ko-KR" altLang="en-US" dirty="0"/>
+              <a:t>은 단어를 단순한 문자로 생각하는 것이 아니라 의미를 가진 벡터로 표현하는 딥러닝 </a:t>
+            </a:r>
+            <a:r>
+              <a:rPr lang="ko-KR" altLang="en-US" dirty="0" err="1"/>
+              <a:t>임베딩</a:t>
+            </a:r>
+            <a:r>
+              <a:rPr lang="ko-KR" altLang="en-US" dirty="0"/>
+              <a:t> 방식</a:t>
+            </a:r>
+            <a:endParaRPr lang="en-US" altLang="ko-KR" dirty="0"/>
+          </a:p>
+          <a:p>
+            <a:pPr marL="285750" indent="-285750">
+              <a:buFont typeface="Arial" panose="020B0604020202020204" pitchFamily="34" charset="0"/>
+              <a:buChar char="•"/>
+            </a:pPr>
+            <a:r>
+              <a:rPr lang="ko-KR" altLang="en-US" dirty="0"/>
+              <a:t>문맥을 바탕으로 단어의 의미를 학습하는 모델</a:t>
+            </a:r>
+            <a:endParaRPr lang="en-US" altLang="ko-KR" dirty="0"/>
+          </a:p>
+          <a:p>
+            <a:pPr marL="285750" indent="-285750">
+              <a:buFont typeface="Arial" panose="020B0604020202020204" pitchFamily="34" charset="0"/>
+              <a:buChar char="•"/>
+            </a:pPr>
+            <a:r>
+              <a:rPr lang="ko-KR" altLang="en-US" dirty="0"/>
+              <a:t>코사인 유사도를 활용하여 단어 간 의미적 유사성을 표현 할 수 있는 모델</a:t>
+            </a:r>
+            <a:endParaRPr lang="en-US" altLang="ko-KR" dirty="0"/>
+          </a:p>
+        </p:txBody>
+      </p:sp>
+      <p:sp>
+        <p:nvSpPr>
+          <p:cNvPr id="6" name="TextBox 5"/>
+          <p:cNvSpPr txBox="1"/>
+          <p:nvPr/>
+        </p:nvSpPr>
+        <p:spPr>
+          <a:xfrm>
+            <a:off x="539552" y="1065096"/>
+            <a:ext cx="7992888" cy="446276"/>
+          </a:xfrm>
+          <a:prstGeom prst="rect">
+            <a:avLst/>
+          </a:prstGeom>
+          <a:noFill/>
+        </p:spPr>
+        <p:txBody>
+          <a:bodyPr wrap="square" rtlCol="0">
+            <a:spAutoFit/>
+          </a:bodyPr>
+          <a:lstStyle/>
+          <a:p>
+            <a:r>
+              <a:rPr lang="en-US" altLang="ko-KR" sz="2300" dirty="0"/>
+              <a:t>Word2Vec</a:t>
+            </a:r>
+            <a:endParaRPr lang="ko-KR" altLang="en-US" sz="2300" dirty="0"/>
+          </a:p>
+        </p:txBody>
+      </p:sp>
+    </p:spTree>
+  </p:cSld>
+  <p:clrMapOvr>
+    <a:masterClrMapping/>
+  </p:clrMapOvr>
+</p:sld>
+</file>
+
+<file path=ppt/slides/slide4.xml><?xml version="1.0" encoding="utf-8"?>
+<p:sld xmlns:a="http://schemas.openxmlformats.org/drawingml/2006/main" xmlns:r="http://schemas.openxmlformats.org/officeDocument/2006/relationships" xmlns:p="http://schemas.openxmlformats.org/presentationml/2006/main">
+  <p:cSld>
+    <p:spTree>
+      <p:nvGrpSpPr>
+        <p:cNvPr id="1" name=""/>
+        <p:cNvGrpSpPr/>
+        <p:nvPr/>
+      </p:nvGrpSpPr>
+      <p:grpSpPr>
+        <a:xfrm>
+          <a:off x="0" y="0"/>
+          <a:ext cx="0" cy="0"/>
+          <a:chOff x="0" y="0"/>
+          <a:chExt cx="0" cy="0"/>
+        </a:xfrm>
+      </p:grpSpPr>
+      <p:sp>
+        <p:nvSpPr>
+          <p:cNvPr id="3" name="타원 2"/>
+          <p:cNvSpPr/>
+          <p:nvPr/>
+        </p:nvSpPr>
+        <p:spPr>
+          <a:xfrm>
+            <a:off x="4067944" y="74100"/>
+            <a:ext cx="936104" cy="936104"/>
+          </a:xfrm>
+          <a:prstGeom prst="ellipse">
+            <a:avLst/>
+          </a:prstGeom>
+          <a:solidFill>
+            <a:schemeClr val="tx2">
+              <a:lumMod val="75000"/>
+            </a:schemeClr>
+          </a:solidFill>
+          <a:ln>
+            <a:noFill/>
+          </a:ln>
+        </p:spPr>
+        <p:style>
+          <a:lnRef idx="2">
+            <a:schemeClr val="accent1">
+              <a:shade val="50000"/>
+            </a:schemeClr>
+          </a:lnRef>
+          <a:fillRef idx="1">
+            <a:schemeClr val="accent1"/>
+          </a:fillRef>
+          <a:effectRef idx="0">
+            <a:schemeClr val="accent1"/>
+          </a:effectRef>
+          <a:fontRef idx="minor">
+            <a:schemeClr val="lt1"/>
+          </a:fontRef>
+        </p:style>
+        <p:txBody>
+          <a:bodyPr rtlCol="0" anchor="ctr"/>
+          <a:lstStyle/>
+          <a:p>
+            <a:pPr algn="ctr"/>
+            <a:endParaRPr lang="ko-KR" altLang="en-US"/>
+          </a:p>
+        </p:txBody>
+      </p:sp>
+      <p:sp>
+        <p:nvSpPr>
+          <p:cNvPr id="8" name="직사각형 7"/>
+          <p:cNvSpPr/>
+          <p:nvPr/>
+        </p:nvSpPr>
+        <p:spPr>
+          <a:xfrm>
+            <a:off x="708380" y="271681"/>
+            <a:ext cx="857927" cy="276999"/>
+          </a:xfrm>
+          <a:prstGeom prst="rect">
+            <a:avLst/>
+          </a:prstGeom>
+        </p:spPr>
+        <p:txBody>
+          <a:bodyPr wrap="none">
+            <a:spAutoFit/>
+          </a:bodyPr>
+          <a:lstStyle/>
+          <a:p>
+            <a:pPr algn="ctr"/>
+            <a:r>
+              <a:rPr lang="ko-KR" altLang="en-US" sz="1200" b="1" spc="-150" dirty="0">
+                <a:solidFill>
+                  <a:schemeClr val="bg1"/>
+                </a:solidFill>
+              </a:rPr>
+              <a:t>자연어처리</a:t>
+            </a:r>
+            <a:endParaRPr lang="en-US" altLang="ko-KR" sz="1200" b="1" spc="-150" dirty="0">
+              <a:solidFill>
+                <a:schemeClr val="bg1"/>
+              </a:solidFill>
+            </a:endParaRPr>
+          </a:p>
+        </p:txBody>
+      </p:sp>
+      <p:sp>
+        <p:nvSpPr>
+          <p:cNvPr id="9" name="TextBox 8"/>
+          <p:cNvSpPr txBox="1"/>
+          <p:nvPr/>
+        </p:nvSpPr>
+        <p:spPr>
+          <a:xfrm>
+            <a:off x="3995936" y="479095"/>
+            <a:ext cx="1080120" cy="461665"/>
+          </a:xfrm>
+          <a:prstGeom prst="rect">
+            <a:avLst/>
+          </a:prstGeom>
+          <a:noFill/>
+        </p:spPr>
+        <p:txBody>
+          <a:bodyPr wrap="square" rtlCol="0">
+            <a:spAutoFit/>
+          </a:bodyPr>
+          <a:lstStyle/>
+          <a:p>
+            <a:pPr algn="ctr"/>
+            <a:r>
+              <a:rPr lang="en-US" altLang="ko-KR" sz="2400" dirty="0">
+                <a:solidFill>
+                  <a:schemeClr val="bg1"/>
+                </a:solidFill>
+                <a:latin typeface="HY헤드라인M" pitchFamily="18" charset="-127"/>
+                <a:ea typeface="HY헤드라인M" pitchFamily="18" charset="-127"/>
+              </a:rPr>
+              <a:t>01</a:t>
+            </a:r>
+            <a:endParaRPr lang="ko-KR" altLang="en-US" sz="2400" dirty="0">
+              <a:solidFill>
+                <a:schemeClr val="bg1"/>
+              </a:solidFill>
+              <a:latin typeface="HY헤드라인M" pitchFamily="18" charset="-127"/>
+              <a:ea typeface="HY헤드라인M" pitchFamily="18" charset="-127"/>
+            </a:endParaRPr>
+          </a:p>
+        </p:txBody>
+      </p:sp>
+      <p:sp>
+        <p:nvSpPr>
+          <p:cNvPr id="4" name="TextBox 3"/>
+          <p:cNvSpPr txBox="1"/>
+          <p:nvPr/>
+        </p:nvSpPr>
+        <p:spPr>
+          <a:xfrm>
+            <a:off x="971600" y="1700955"/>
+            <a:ext cx="7200800" cy="2031325"/>
+          </a:xfrm>
+          <a:prstGeom prst="rect">
+            <a:avLst/>
+          </a:prstGeom>
+          <a:noFill/>
+        </p:spPr>
+        <p:txBody>
+          <a:bodyPr wrap="square" rtlCol="0">
+            <a:spAutoFit/>
+          </a:bodyPr>
+          <a:lstStyle/>
+          <a:p>
+            <a:pPr marL="285750" indent="-285750">
+              <a:buFont typeface="Arial" panose="020B0604020202020204" pitchFamily="34" charset="0"/>
+              <a:buChar char="•"/>
+            </a:pPr>
+            <a:r>
+              <a:rPr lang="en-US" altLang="ko-KR" dirty="0"/>
+              <a:t>CBOW</a:t>
+            </a:r>
+          </a:p>
+          <a:p>
+            <a:pPr marL="742950" lvl="1" indent="-285750">
+              <a:buFont typeface="Arial" panose="020B0604020202020204" pitchFamily="34" charset="0"/>
+              <a:buChar char="•"/>
+            </a:pPr>
+            <a:r>
+              <a:rPr lang="ko-KR" altLang="en-US" dirty="0"/>
+              <a:t>주변 단어를 이용하여 중심 단어를 예측</a:t>
+            </a:r>
+            <a:endParaRPr lang="en-US" altLang="ko-KR" dirty="0"/>
+          </a:p>
+          <a:p>
+            <a:pPr marL="742950" lvl="1" indent="-285750">
+              <a:buFont typeface="Arial" panose="020B0604020202020204" pitchFamily="34" charset="0"/>
+              <a:buChar char="•"/>
+            </a:pPr>
+            <a:r>
+              <a:rPr lang="ko-KR" altLang="en-US" dirty="0"/>
+              <a:t>문맥의 단어 </a:t>
+            </a:r>
+            <a:r>
+              <a:rPr lang="en-US" altLang="ko-KR" dirty="0"/>
+              <a:t>: [</a:t>
+            </a:r>
+            <a:r>
+              <a:rPr lang="ko-KR" altLang="en-US" dirty="0"/>
+              <a:t>나는</a:t>
+            </a:r>
+            <a:r>
+              <a:rPr lang="en-US" altLang="ko-KR" dirty="0"/>
+              <a:t>, </a:t>
+            </a:r>
+            <a:r>
+              <a:rPr lang="ko-KR" altLang="en-US" dirty="0"/>
+              <a:t>먹었다</a:t>
+            </a:r>
+            <a:r>
+              <a:rPr lang="en-US" altLang="ko-KR" dirty="0"/>
+              <a:t>]</a:t>
+            </a:r>
+          </a:p>
+          <a:p>
+            <a:pPr marL="742950" lvl="1" indent="-285750">
+              <a:buFont typeface="Arial" panose="020B0604020202020204" pitchFamily="34" charset="0"/>
+              <a:buChar char="•"/>
+            </a:pPr>
+            <a:r>
+              <a:rPr lang="ko-KR" altLang="en-US" dirty="0"/>
+              <a:t>중심 단어 </a:t>
+            </a:r>
+            <a:r>
+              <a:rPr lang="en-US" altLang="ko-KR" dirty="0"/>
+              <a:t>: </a:t>
+            </a:r>
+            <a:r>
+              <a:rPr lang="ko-KR" altLang="en-US" dirty="0"/>
+              <a:t>밥</a:t>
+            </a:r>
+            <a:endParaRPr lang="en-US" altLang="ko-KR" dirty="0"/>
+          </a:p>
+          <a:p>
+            <a:pPr marL="742950" lvl="1" indent="-285750">
+              <a:buFont typeface="Arial" panose="020B0604020202020204" pitchFamily="34" charset="0"/>
+              <a:buChar char="•"/>
+            </a:pPr>
+            <a:r>
+              <a:rPr lang="ko-KR" altLang="en-US" dirty="0"/>
+              <a:t>특정 단어가 어떤 문맥에 등장하는지를 이해하는 방법</a:t>
+            </a:r>
+            <a:endParaRPr lang="en-US" altLang="ko-KR" dirty="0"/>
+          </a:p>
+          <a:p>
+            <a:pPr marL="742950" lvl="1" indent="-285750">
+              <a:buFont typeface="Arial" panose="020B0604020202020204" pitchFamily="34" charset="0"/>
+              <a:buChar char="•"/>
+            </a:pPr>
+            <a:r>
+              <a:rPr lang="ko-KR" altLang="en-US" dirty="0"/>
+              <a:t>긴 문맥에서는 잘 반영이 되지 않은 문제가 있음</a:t>
+            </a:r>
+            <a:endParaRPr lang="en-US" altLang="ko-KR" dirty="0"/>
+          </a:p>
+          <a:p>
+            <a:pPr marL="742950" lvl="1" indent="-285750">
+              <a:buFont typeface="Arial" panose="020B0604020202020204" pitchFamily="34" charset="0"/>
+              <a:buChar char="•"/>
+            </a:pPr>
+            <a:r>
+              <a:rPr lang="ko-KR" altLang="en-US" dirty="0"/>
+              <a:t>속도는 빠르고 자주 등장하는 단어에 유리</a:t>
+            </a:r>
+            <a:endParaRPr lang="en-US" altLang="ko-KR" dirty="0"/>
+          </a:p>
+        </p:txBody>
+      </p:sp>
+      <p:sp>
+        <p:nvSpPr>
+          <p:cNvPr id="6" name="TextBox 5"/>
+          <p:cNvSpPr txBox="1"/>
+          <p:nvPr/>
+        </p:nvSpPr>
+        <p:spPr>
+          <a:xfrm>
+            <a:off x="539552" y="1065096"/>
+            <a:ext cx="7992888" cy="446276"/>
+          </a:xfrm>
+          <a:prstGeom prst="rect">
+            <a:avLst/>
+          </a:prstGeom>
+          <a:noFill/>
+        </p:spPr>
+        <p:txBody>
+          <a:bodyPr wrap="square" rtlCol="0">
+            <a:spAutoFit/>
+          </a:bodyPr>
+          <a:lstStyle/>
+          <a:p>
+            <a:r>
+              <a:rPr lang="en-US" altLang="ko-KR" sz="2300" dirty="0"/>
+              <a:t>Word2Vec</a:t>
+            </a:r>
+            <a:endParaRPr lang="ko-KR" altLang="en-US" sz="2300" dirty="0"/>
+          </a:p>
+        </p:txBody>
+      </p:sp>
+    </p:spTree>
+    <p:extLst>
+      <p:ext uri="{BB962C8B-B14F-4D97-AF65-F5344CB8AC3E}">
+        <p14:creationId xmlns:p14="http://schemas.microsoft.com/office/powerpoint/2010/main" val="2819083101"/>
+      </p:ext>
+    </p:extLst>
+  </p:cSld>
+  <p:clrMapOvr>
+    <a:masterClrMapping/>
+  </p:clrMapOvr>
+</p:sld>
+</file>
+
+<file path=ppt/slides/slide5.xml><?xml version="1.0" encoding="utf-8"?>
+<p:sld xmlns:a="http://schemas.openxmlformats.org/drawingml/2006/main" xmlns:r="http://schemas.openxmlformats.org/officeDocument/2006/relationships" xmlns:p="http://schemas.openxmlformats.org/presentationml/2006/main">
+  <p:cSld>
+    <p:spTree>
+      <p:nvGrpSpPr>
+        <p:cNvPr id="1" name=""/>
+        <p:cNvGrpSpPr/>
+        <p:nvPr/>
+      </p:nvGrpSpPr>
+      <p:grpSpPr>
+        <a:xfrm>
+          <a:off x="0" y="0"/>
+          <a:ext cx="0" cy="0"/>
+          <a:chOff x="0" y="0"/>
+          <a:chExt cx="0" cy="0"/>
+        </a:xfrm>
+      </p:grpSpPr>
+      <p:sp>
+        <p:nvSpPr>
+          <p:cNvPr id="3" name="타원 2"/>
+          <p:cNvSpPr/>
+          <p:nvPr/>
+        </p:nvSpPr>
+        <p:spPr>
+          <a:xfrm>
+            <a:off x="4067944" y="74100"/>
+            <a:ext cx="936104" cy="936104"/>
+          </a:xfrm>
+          <a:prstGeom prst="ellipse">
+            <a:avLst/>
+          </a:prstGeom>
+          <a:solidFill>
+            <a:schemeClr val="tx2">
+              <a:lumMod val="75000"/>
+            </a:schemeClr>
+          </a:solidFill>
+          <a:ln>
+            <a:noFill/>
+          </a:ln>
+        </p:spPr>
+        <p:style>
+          <a:lnRef idx="2">
+            <a:schemeClr val="accent1">
+              <a:shade val="50000"/>
+            </a:schemeClr>
+          </a:lnRef>
+          <a:fillRef idx="1">
+            <a:schemeClr val="accent1"/>
+          </a:fillRef>
+          <a:effectRef idx="0">
+            <a:schemeClr val="accent1"/>
+          </a:effectRef>
+          <a:fontRef idx="minor">
+            <a:schemeClr val="lt1"/>
+          </a:fontRef>
+        </p:style>
+        <p:txBody>
+          <a:bodyPr rtlCol="0" anchor="ctr"/>
+          <a:lstStyle/>
+          <a:p>
+            <a:pPr algn="ctr"/>
+            <a:endParaRPr lang="ko-KR" altLang="en-US"/>
+          </a:p>
+        </p:txBody>
+      </p:sp>
+      <p:sp>
+        <p:nvSpPr>
+          <p:cNvPr id="8" name="직사각형 7"/>
+          <p:cNvSpPr/>
+          <p:nvPr/>
+        </p:nvSpPr>
+        <p:spPr>
+          <a:xfrm>
+            <a:off x="708380" y="271681"/>
+            <a:ext cx="857927" cy="276999"/>
+          </a:xfrm>
+          <a:prstGeom prst="rect">
+            <a:avLst/>
+          </a:prstGeom>
+        </p:spPr>
+        <p:txBody>
+          <a:bodyPr wrap="none">
+            <a:spAutoFit/>
+          </a:bodyPr>
+          <a:lstStyle/>
+          <a:p>
+            <a:pPr algn="ctr"/>
+            <a:r>
+              <a:rPr lang="ko-KR" altLang="en-US" sz="1200" b="1" spc="-150" dirty="0">
+                <a:solidFill>
+                  <a:schemeClr val="bg1"/>
+                </a:solidFill>
+              </a:rPr>
+              <a:t>자연어처리</a:t>
+            </a:r>
+            <a:endParaRPr lang="en-US" altLang="ko-KR" sz="1200" b="1" spc="-150" dirty="0">
+              <a:solidFill>
+                <a:schemeClr val="bg1"/>
+              </a:solidFill>
+            </a:endParaRPr>
+          </a:p>
+        </p:txBody>
+      </p:sp>
+      <p:sp>
+        <p:nvSpPr>
+          <p:cNvPr id="9" name="TextBox 8"/>
+          <p:cNvSpPr txBox="1"/>
+          <p:nvPr/>
+        </p:nvSpPr>
+        <p:spPr>
+          <a:xfrm>
+            <a:off x="3995936" y="479095"/>
+            <a:ext cx="1080120" cy="461665"/>
+          </a:xfrm>
+          <a:prstGeom prst="rect">
+            <a:avLst/>
+          </a:prstGeom>
+          <a:noFill/>
+        </p:spPr>
+        <p:txBody>
+          <a:bodyPr wrap="square" rtlCol="0">
+            <a:spAutoFit/>
+          </a:bodyPr>
+          <a:lstStyle/>
+          <a:p>
+            <a:pPr algn="ctr"/>
+            <a:r>
+              <a:rPr lang="en-US" altLang="ko-KR" sz="2400" dirty="0">
+                <a:solidFill>
+                  <a:schemeClr val="bg1"/>
+                </a:solidFill>
+                <a:latin typeface="HY헤드라인M" pitchFamily="18" charset="-127"/>
+                <a:ea typeface="HY헤드라인M" pitchFamily="18" charset="-127"/>
+              </a:rPr>
+              <a:t>01</a:t>
+            </a:r>
+            <a:endParaRPr lang="ko-KR" altLang="en-US" sz="2400" dirty="0">
+              <a:solidFill>
+                <a:schemeClr val="bg1"/>
+              </a:solidFill>
+              <a:latin typeface="HY헤드라인M" pitchFamily="18" charset="-127"/>
+              <a:ea typeface="HY헤드라인M" pitchFamily="18" charset="-127"/>
+            </a:endParaRPr>
+          </a:p>
+        </p:txBody>
+      </p:sp>
+      <p:sp>
+        <p:nvSpPr>
+          <p:cNvPr id="4" name="TextBox 3"/>
+          <p:cNvSpPr txBox="1"/>
+          <p:nvPr/>
+        </p:nvSpPr>
+        <p:spPr>
+          <a:xfrm>
+            <a:off x="971600" y="1700955"/>
+            <a:ext cx="7200800" cy="2585323"/>
+          </a:xfrm>
+          <a:prstGeom prst="rect">
+            <a:avLst/>
+          </a:prstGeom>
+          <a:noFill/>
+        </p:spPr>
+        <p:txBody>
+          <a:bodyPr wrap="square" rtlCol="0">
+            <a:spAutoFit/>
+          </a:bodyPr>
+          <a:lstStyle/>
+          <a:p>
+            <a:pPr marL="285750" indent="-285750">
+              <a:buFont typeface="Arial" panose="020B0604020202020204" pitchFamily="34" charset="0"/>
+              <a:buChar char="•"/>
+            </a:pPr>
+            <a:r>
+              <a:rPr lang="en-US" altLang="ko-KR" dirty="0"/>
+              <a:t>Skip-Gram</a:t>
+            </a:r>
+          </a:p>
+          <a:p>
+            <a:pPr marL="742950" lvl="1" indent="-285750">
+              <a:buFont typeface="Arial" panose="020B0604020202020204" pitchFamily="34" charset="0"/>
+              <a:buChar char="•"/>
+            </a:pPr>
+            <a:r>
+              <a:rPr lang="ko-KR" altLang="en-US" dirty="0"/>
+              <a:t>중심 단어를 이용하여 주변 단어를 예측</a:t>
+            </a:r>
+            <a:endParaRPr lang="en-US" altLang="ko-KR" dirty="0"/>
+          </a:p>
+          <a:p>
+            <a:pPr marL="742950" lvl="1" indent="-285750">
+              <a:buFont typeface="Arial" panose="020B0604020202020204" pitchFamily="34" charset="0"/>
+              <a:buChar char="•"/>
+            </a:pPr>
+            <a:r>
+              <a:rPr lang="ko-KR" altLang="en-US" dirty="0"/>
+              <a:t>중심 단어 </a:t>
+            </a:r>
+            <a:r>
+              <a:rPr lang="en-US" altLang="ko-KR" dirty="0"/>
+              <a:t>: </a:t>
+            </a:r>
+            <a:r>
+              <a:rPr lang="ko-KR" altLang="en-US" dirty="0"/>
+              <a:t>밥을</a:t>
+            </a:r>
+            <a:endParaRPr lang="en-US" altLang="ko-KR" dirty="0"/>
+          </a:p>
+          <a:p>
+            <a:pPr marL="742950" lvl="1" indent="-285750">
+              <a:buFont typeface="Arial" panose="020B0604020202020204" pitchFamily="34" charset="0"/>
+              <a:buChar char="•"/>
+            </a:pPr>
+            <a:r>
+              <a:rPr lang="ko-KR" altLang="en-US" dirty="0"/>
+              <a:t>문맥 단어 </a:t>
+            </a:r>
+            <a:r>
+              <a:rPr lang="en-US" altLang="ko-KR" dirty="0"/>
+              <a:t>: [</a:t>
+            </a:r>
+            <a:r>
+              <a:rPr lang="ko-KR" altLang="en-US" dirty="0"/>
+              <a:t>나는</a:t>
+            </a:r>
+            <a:r>
+              <a:rPr lang="en-US" altLang="ko-KR" dirty="0"/>
+              <a:t>, </a:t>
+            </a:r>
+            <a:r>
+              <a:rPr lang="ko-KR" altLang="en-US" dirty="0"/>
+              <a:t>먹었다</a:t>
+            </a:r>
+            <a:r>
+              <a:rPr lang="en-US" altLang="ko-KR" dirty="0"/>
+              <a:t>]</a:t>
+            </a:r>
+          </a:p>
+          <a:p>
+            <a:pPr marL="742950" lvl="1" indent="-285750">
+              <a:buFont typeface="Arial" panose="020B0604020202020204" pitchFamily="34" charset="0"/>
+              <a:buChar char="•"/>
+            </a:pPr>
+            <a:r>
+              <a:rPr lang="ko-KR" altLang="en-US" dirty="0"/>
+              <a:t>희귀 단어 학습에 강함 </a:t>
+            </a:r>
+            <a:endParaRPr lang="en-US" altLang="ko-KR" dirty="0"/>
+          </a:p>
+          <a:p>
+            <a:pPr marL="742950" lvl="1" indent="-285750">
+              <a:buFont typeface="Arial" panose="020B0604020202020204" pitchFamily="34" charset="0"/>
+              <a:buChar char="•"/>
+            </a:pPr>
+            <a:r>
+              <a:rPr lang="en-US" altLang="ko-KR" dirty="0"/>
+              <a:t>CBOW</a:t>
+            </a:r>
+            <a:r>
+              <a:rPr lang="ko-KR" altLang="en-US" dirty="0"/>
+              <a:t>에 비해 일반적으로 사용</a:t>
+            </a:r>
+            <a:endParaRPr lang="en-US" altLang="ko-KR" dirty="0"/>
+          </a:p>
+          <a:p>
+            <a:pPr marL="742950" lvl="1" indent="-285750">
+              <a:buFont typeface="Arial" panose="020B0604020202020204" pitchFamily="34" charset="0"/>
+              <a:buChar char="•"/>
+            </a:pPr>
+            <a:r>
+              <a:rPr lang="ko-KR" altLang="en-US" dirty="0"/>
+              <a:t>더 좋은 </a:t>
+            </a:r>
+            <a:r>
+              <a:rPr lang="ko-KR" altLang="en-US" dirty="0" err="1"/>
+              <a:t>임베딩</a:t>
+            </a:r>
+            <a:r>
+              <a:rPr lang="ko-KR" altLang="en-US" dirty="0"/>
+              <a:t> 품질을 보임</a:t>
+            </a:r>
+            <a:endParaRPr lang="en-US" altLang="ko-KR" dirty="0"/>
+          </a:p>
+          <a:p>
+            <a:pPr marL="742950" lvl="1" indent="-285750">
+              <a:buFont typeface="Arial" panose="020B0604020202020204" pitchFamily="34" charset="0"/>
+              <a:buChar char="•"/>
+            </a:pPr>
+            <a:endParaRPr lang="en-US" altLang="ko-KR" dirty="0"/>
+          </a:p>
+          <a:p>
+            <a:pPr marL="742950" lvl="1" indent="-285750">
+              <a:buFont typeface="Arial" panose="020B0604020202020204" pitchFamily="34" charset="0"/>
+              <a:buChar char="•"/>
+            </a:pPr>
+            <a:endParaRPr lang="en-US" altLang="ko-KR" dirty="0"/>
+          </a:p>
+        </p:txBody>
+      </p:sp>
+      <p:sp>
+        <p:nvSpPr>
+          <p:cNvPr id="6" name="TextBox 5"/>
+          <p:cNvSpPr txBox="1"/>
+          <p:nvPr/>
+        </p:nvSpPr>
+        <p:spPr>
+          <a:xfrm>
+            <a:off x="539552" y="1065096"/>
+            <a:ext cx="7992888" cy="446276"/>
+          </a:xfrm>
+          <a:prstGeom prst="rect">
+            <a:avLst/>
+          </a:prstGeom>
+          <a:noFill/>
+        </p:spPr>
+        <p:txBody>
+          <a:bodyPr wrap="square" rtlCol="0">
+            <a:spAutoFit/>
+          </a:bodyPr>
+          <a:lstStyle/>
+          <a:p>
+            <a:r>
+              <a:rPr lang="en-US" altLang="ko-KR" sz="2300" dirty="0"/>
+              <a:t>Word2Vec</a:t>
+            </a:r>
+            <a:endParaRPr lang="ko-KR" altLang="en-US" sz="2300" dirty="0"/>
+          </a:p>
+        </p:txBody>
+      </p:sp>
+    </p:spTree>
+    <p:extLst>
+      <p:ext uri="{BB962C8B-B14F-4D97-AF65-F5344CB8AC3E}">
+        <p14:creationId xmlns:p14="http://schemas.microsoft.com/office/powerpoint/2010/main" val="1572472878"/>
+      </p:ext>
+    </p:extLst>
+  </p:cSld>
+  <p:clrMapOvr>
+    <a:masterClrMapping/>
+  </p:clrMapOvr>
+</p:sld>
+</file>
+
+<file path=ppt/slides/slide6.xml><?xml version="1.0" encoding="utf-8"?>
+<p:sld xmlns:a="http://schemas.openxmlformats.org/drawingml/2006/main" xmlns:r="http://schemas.openxmlformats.org/officeDocument/2006/relationships" xmlns:p="http://schemas.openxmlformats.org/presentationml/2006/main">
+  <p:cSld>
+    <p:spTree>
+      <p:nvGrpSpPr>
+        <p:cNvPr id="1" name=""/>
+        <p:cNvGrpSpPr/>
+        <p:nvPr/>
+      </p:nvGrpSpPr>
+      <p:grpSpPr>
+        <a:xfrm>
+          <a:off x="0" y="0"/>
+          <a:ext cx="0" cy="0"/>
+          <a:chOff x="0" y="0"/>
+          <a:chExt cx="0" cy="0"/>
+        </a:xfrm>
+      </p:grpSpPr>
+      <p:sp>
+        <p:nvSpPr>
+          <p:cNvPr id="3" name="타원 2"/>
+          <p:cNvSpPr/>
+          <p:nvPr/>
+        </p:nvSpPr>
+        <p:spPr>
+          <a:xfrm>
+            <a:off x="4067944" y="74100"/>
+            <a:ext cx="936104" cy="936104"/>
+          </a:xfrm>
+          <a:prstGeom prst="ellipse">
+            <a:avLst/>
+          </a:prstGeom>
+          <a:solidFill>
+            <a:schemeClr val="tx2">
+              <a:lumMod val="75000"/>
+            </a:schemeClr>
+          </a:solidFill>
+          <a:ln>
+            <a:noFill/>
+          </a:ln>
+        </p:spPr>
+        <p:style>
+          <a:lnRef idx="2">
+            <a:schemeClr val="accent1">
+              <a:shade val="50000"/>
+            </a:schemeClr>
+          </a:lnRef>
+          <a:fillRef idx="1">
+            <a:schemeClr val="accent1"/>
+          </a:fillRef>
+          <a:effectRef idx="0">
+            <a:schemeClr val="accent1"/>
+          </a:effectRef>
+          <a:fontRef idx="minor">
+            <a:schemeClr val="lt1"/>
+          </a:fontRef>
+        </p:style>
+        <p:txBody>
+          <a:bodyPr rtlCol="0" anchor="ctr"/>
+          <a:lstStyle/>
+          <a:p>
+            <a:pPr algn="ctr"/>
+            <a:endParaRPr lang="ko-KR" altLang="en-US"/>
+          </a:p>
+        </p:txBody>
+      </p:sp>
+      <p:sp>
+        <p:nvSpPr>
+          <p:cNvPr id="8" name="직사각형 7"/>
+          <p:cNvSpPr/>
+          <p:nvPr/>
+        </p:nvSpPr>
+        <p:spPr>
+          <a:xfrm>
+            <a:off x="708380" y="271681"/>
+            <a:ext cx="857927" cy="276999"/>
+          </a:xfrm>
+          <a:prstGeom prst="rect">
+            <a:avLst/>
+          </a:prstGeom>
+        </p:spPr>
+        <p:txBody>
+          <a:bodyPr wrap="none">
+            <a:spAutoFit/>
+          </a:bodyPr>
+          <a:lstStyle/>
+          <a:p>
+            <a:pPr algn="ctr"/>
+            <a:r>
+              <a:rPr lang="ko-KR" altLang="en-US" sz="1200" b="1" spc="-150" dirty="0">
+                <a:solidFill>
+                  <a:schemeClr val="bg1"/>
+                </a:solidFill>
+              </a:rPr>
+              <a:t>자연어처리</a:t>
+            </a:r>
+            <a:endParaRPr lang="en-US" altLang="ko-KR" sz="1200" b="1" spc="-150" dirty="0">
+              <a:solidFill>
+                <a:schemeClr val="bg1"/>
+              </a:solidFill>
+            </a:endParaRPr>
+          </a:p>
+        </p:txBody>
+      </p:sp>
+      <p:sp>
+        <p:nvSpPr>
+          <p:cNvPr id="9" name="TextBox 8"/>
+          <p:cNvSpPr txBox="1"/>
+          <p:nvPr/>
+        </p:nvSpPr>
+        <p:spPr>
+          <a:xfrm>
+            <a:off x="3995936" y="479095"/>
+            <a:ext cx="1080120" cy="461665"/>
+          </a:xfrm>
+          <a:prstGeom prst="rect">
+            <a:avLst/>
+          </a:prstGeom>
+          <a:noFill/>
+        </p:spPr>
+        <p:txBody>
+          <a:bodyPr wrap="square" rtlCol="0">
+            <a:spAutoFit/>
+          </a:bodyPr>
+          <a:lstStyle/>
+          <a:p>
+            <a:pPr algn="ctr"/>
+            <a:r>
+              <a:rPr lang="en-US" altLang="ko-KR" sz="2400" dirty="0">
+                <a:solidFill>
+                  <a:schemeClr val="bg1"/>
+                </a:solidFill>
+                <a:latin typeface="HY헤드라인M" pitchFamily="18" charset="-127"/>
+                <a:ea typeface="HY헤드라인M" pitchFamily="18" charset="-127"/>
+              </a:rPr>
+              <a:t>01</a:t>
+            </a:r>
+            <a:endParaRPr lang="ko-KR" altLang="en-US" sz="2400" dirty="0">
+              <a:solidFill>
+                <a:schemeClr val="bg1"/>
+              </a:solidFill>
+              <a:latin typeface="HY헤드라인M" pitchFamily="18" charset="-127"/>
+              <a:ea typeface="HY헤드라인M" pitchFamily="18" charset="-127"/>
+            </a:endParaRPr>
+          </a:p>
+        </p:txBody>
+      </p:sp>
+      <p:sp>
+        <p:nvSpPr>
+          <p:cNvPr id="4" name="TextBox 3"/>
+          <p:cNvSpPr txBox="1"/>
+          <p:nvPr/>
+        </p:nvSpPr>
+        <p:spPr>
+          <a:xfrm>
+            <a:off x="971600" y="1700955"/>
+            <a:ext cx="7200800" cy="646331"/>
+          </a:xfrm>
+          <a:prstGeom prst="rect">
+            <a:avLst/>
+          </a:prstGeom>
+          <a:noFill/>
+        </p:spPr>
+        <p:txBody>
+          <a:bodyPr wrap="square" rtlCol="0">
+            <a:spAutoFit/>
+          </a:bodyPr>
+          <a:lstStyle/>
+          <a:p>
+            <a:pPr marL="285750" indent="-285750">
+              <a:buFont typeface="Arial" panose="020B0604020202020204" pitchFamily="34" charset="0"/>
+              <a:buChar char="•"/>
+            </a:pPr>
+            <a:r>
+              <a:rPr lang="ko-KR" altLang="en-US" dirty="0" err="1"/>
+              <a:t>단어간의</a:t>
+            </a:r>
+            <a:r>
+              <a:rPr lang="ko-KR" altLang="en-US" dirty="0"/>
+              <a:t> 유사도 계산이 가능</a:t>
+            </a:r>
+            <a:endParaRPr lang="en-US" altLang="ko-KR" dirty="0"/>
+          </a:p>
+          <a:p>
+            <a:pPr marL="285750" indent="-285750">
+              <a:buFont typeface="Arial" panose="020B0604020202020204" pitchFamily="34" charset="0"/>
+              <a:buChar char="•"/>
+            </a:pPr>
+            <a:r>
+              <a:rPr lang="ko-KR" altLang="en-US" dirty="0" err="1"/>
+              <a:t>머신러닝과</a:t>
+            </a:r>
+            <a:r>
+              <a:rPr lang="ko-KR" altLang="en-US" dirty="0"/>
+              <a:t> </a:t>
+            </a:r>
+            <a:r>
+              <a:rPr lang="ko-KR" altLang="en-US" dirty="0" err="1"/>
+              <a:t>딥러닝에서</a:t>
+            </a:r>
+            <a:r>
+              <a:rPr lang="ko-KR" altLang="en-US" dirty="0"/>
+              <a:t> 입력 데이터로 사용이 가능</a:t>
+            </a:r>
+            <a:endParaRPr lang="en-US" altLang="ko-KR" dirty="0"/>
+          </a:p>
+        </p:txBody>
+      </p:sp>
+      <p:sp>
+        <p:nvSpPr>
+          <p:cNvPr id="6" name="TextBox 5"/>
+          <p:cNvSpPr txBox="1"/>
+          <p:nvPr/>
+        </p:nvSpPr>
+        <p:spPr>
+          <a:xfrm>
+            <a:off x="539552" y="1065096"/>
+            <a:ext cx="7992888" cy="446276"/>
+          </a:xfrm>
+          <a:prstGeom prst="rect">
+            <a:avLst/>
+          </a:prstGeom>
+          <a:noFill/>
+        </p:spPr>
+        <p:txBody>
+          <a:bodyPr wrap="square" rtlCol="0">
+            <a:spAutoFit/>
+          </a:bodyPr>
+          <a:lstStyle/>
+          <a:p>
+            <a:r>
+              <a:rPr lang="en-US" altLang="ko-KR" sz="2300" dirty="0"/>
+              <a:t>Word2Vec</a:t>
+            </a:r>
+            <a:endParaRPr lang="ko-KR" altLang="en-US" sz="2300" dirty="0"/>
+          </a:p>
+        </p:txBody>
+      </p:sp>
+    </p:spTree>
+    <p:extLst>
+      <p:ext uri="{BB962C8B-B14F-4D97-AF65-F5344CB8AC3E}">
+        <p14:creationId xmlns:p14="http://schemas.microsoft.com/office/powerpoint/2010/main" val="1501590709"/>
+      </p:ext>
+    </p:extLst>
+  </p:cSld>
+  <p:clrMapOvr>
+    <a:masterClrMapping/>
+  </p:clrMapOvr>
+</p:sld>
+</file>
+
+<file path=ppt/slides/slide7.xml><?xml version="1.0" encoding="utf-8"?>
+<p:sld xmlns:a="http://schemas.openxmlformats.org/drawingml/2006/main" xmlns:r="http://schemas.openxmlformats.org/officeDocument/2006/relationships" xmlns:p="http://schemas.openxmlformats.org/presentationml/2006/main">
+  <p:cSld>
+    <p:spTree>
+      <p:nvGrpSpPr>
+        <p:cNvPr id="1" name=""/>
+        <p:cNvGrpSpPr/>
+        <p:nvPr/>
+      </p:nvGrpSpPr>
+      <p:grpSpPr>
+        <a:xfrm>
+          <a:off x="0" y="0"/>
+          <a:ext cx="0" cy="0"/>
+          <a:chOff x="0" y="0"/>
+          <a:chExt cx="0" cy="0"/>
+        </a:xfrm>
+      </p:grpSpPr>
+      <p:sp>
+        <p:nvSpPr>
+          <p:cNvPr id="3" name="타원 2"/>
+          <p:cNvSpPr/>
+          <p:nvPr/>
+        </p:nvSpPr>
+        <p:spPr>
+          <a:xfrm>
+            <a:off x="4067944" y="74100"/>
+            <a:ext cx="936104" cy="936104"/>
+          </a:xfrm>
+          <a:prstGeom prst="ellipse">
+            <a:avLst/>
+          </a:prstGeom>
+          <a:solidFill>
+            <a:schemeClr val="tx2">
+              <a:lumMod val="75000"/>
+            </a:schemeClr>
+          </a:solidFill>
+          <a:ln>
+            <a:noFill/>
+          </a:ln>
+        </p:spPr>
+        <p:style>
+          <a:lnRef idx="2">
+            <a:schemeClr val="accent1">
+              <a:shade val="50000"/>
+            </a:schemeClr>
+          </a:lnRef>
+          <a:fillRef idx="1">
+            <a:schemeClr val="accent1"/>
+          </a:fillRef>
+          <a:effectRef idx="0">
+            <a:schemeClr val="accent1"/>
+          </a:effectRef>
+          <a:fontRef idx="minor">
+            <a:schemeClr val="lt1"/>
+          </a:fontRef>
+        </p:style>
+        <p:txBody>
+          <a:bodyPr rtlCol="0" anchor="ctr"/>
+          <a:lstStyle/>
+          <a:p>
+            <a:pPr algn="ctr"/>
+            <a:endParaRPr lang="ko-KR" altLang="en-US"/>
+          </a:p>
+        </p:txBody>
+      </p:sp>
+      <p:sp>
+        <p:nvSpPr>
+          <p:cNvPr id="8" name="직사각형 7"/>
+          <p:cNvSpPr/>
+          <p:nvPr/>
+        </p:nvSpPr>
+        <p:spPr>
+          <a:xfrm>
+            <a:off x="708380" y="271681"/>
+            <a:ext cx="857927" cy="276999"/>
+          </a:xfrm>
+          <a:prstGeom prst="rect">
+            <a:avLst/>
+          </a:prstGeom>
+        </p:spPr>
+        <p:txBody>
+          <a:bodyPr wrap="none">
+            <a:spAutoFit/>
+          </a:bodyPr>
+          <a:lstStyle/>
+          <a:p>
+            <a:pPr algn="ctr"/>
+            <a:r>
+              <a:rPr lang="ko-KR" altLang="en-US" sz="1200" b="1" spc="-150" dirty="0">
+                <a:solidFill>
+                  <a:schemeClr val="bg1"/>
+                </a:solidFill>
+              </a:rPr>
+              <a:t>자연어처리</a:t>
+            </a:r>
+            <a:endParaRPr lang="en-US" altLang="ko-KR" sz="1200" b="1" spc="-150" dirty="0">
+              <a:solidFill>
+                <a:schemeClr val="bg1"/>
+              </a:solidFill>
+            </a:endParaRPr>
+          </a:p>
+        </p:txBody>
+      </p:sp>
+      <p:sp>
+        <p:nvSpPr>
+          <p:cNvPr id="9" name="TextBox 8"/>
+          <p:cNvSpPr txBox="1"/>
+          <p:nvPr/>
+        </p:nvSpPr>
+        <p:spPr>
+          <a:xfrm>
+            <a:off x="3995936" y="479095"/>
+            <a:ext cx="1080120" cy="461665"/>
+          </a:xfrm>
+          <a:prstGeom prst="rect">
+            <a:avLst/>
+          </a:prstGeom>
+          <a:noFill/>
+        </p:spPr>
+        <p:txBody>
+          <a:bodyPr wrap="square" rtlCol="0">
+            <a:spAutoFit/>
+          </a:bodyPr>
+          <a:lstStyle/>
+          <a:p>
+            <a:pPr algn="ctr"/>
+            <a:r>
+              <a:rPr lang="en-US" altLang="ko-KR" sz="2400" dirty="0">
+                <a:solidFill>
+                  <a:schemeClr val="bg1"/>
+                </a:solidFill>
+                <a:latin typeface="HY헤드라인M" pitchFamily="18" charset="-127"/>
+                <a:ea typeface="HY헤드라인M" pitchFamily="18" charset="-127"/>
+              </a:rPr>
+              <a:t>01</a:t>
+            </a:r>
+            <a:endParaRPr lang="ko-KR" altLang="en-US" sz="2400" dirty="0">
+              <a:solidFill>
+                <a:schemeClr val="bg1"/>
+              </a:solidFill>
+              <a:latin typeface="HY헤드라인M" pitchFamily="18" charset="-127"/>
+              <a:ea typeface="HY헤드라인M" pitchFamily="18" charset="-127"/>
+            </a:endParaRPr>
+          </a:p>
+        </p:txBody>
+      </p:sp>
+      <p:sp>
+        <p:nvSpPr>
+          <p:cNvPr id="4" name="TextBox 3"/>
+          <p:cNvSpPr txBox="1"/>
+          <p:nvPr/>
+        </p:nvSpPr>
+        <p:spPr>
+          <a:xfrm>
+            <a:off x="971600" y="1700955"/>
+            <a:ext cx="7200800" cy="2308324"/>
+          </a:xfrm>
+          <a:prstGeom prst="rect">
+            <a:avLst/>
+          </a:prstGeom>
+          <a:noFill/>
+        </p:spPr>
+        <p:txBody>
+          <a:bodyPr wrap="square" rtlCol="0">
+            <a:spAutoFit/>
+          </a:bodyPr>
+          <a:lstStyle/>
+          <a:p>
+            <a:pPr marL="285750" indent="-285750">
+              <a:buFont typeface="Arial" panose="020B0604020202020204" pitchFamily="34" charset="0"/>
+              <a:buChar char="•"/>
+            </a:pPr>
+            <a:r>
+              <a:rPr lang="en-US" altLang="ko-KR" dirty="0"/>
+              <a:t>Word2Vec</a:t>
+            </a:r>
+            <a:r>
+              <a:rPr lang="ko-KR" altLang="en-US" dirty="0"/>
+              <a:t>과 통계 기반의 강점을 결합한 방식</a:t>
+            </a:r>
+            <a:endParaRPr lang="en-US" altLang="ko-KR" dirty="0"/>
+          </a:p>
+          <a:p>
+            <a:pPr marL="285750" indent="-285750">
+              <a:buFont typeface="Arial" panose="020B0604020202020204" pitchFamily="34" charset="0"/>
+              <a:buChar char="•"/>
+            </a:pPr>
+            <a:r>
+              <a:rPr lang="ko-KR" altLang="en-US" dirty="0"/>
+              <a:t>단어 간의 전역적인 통계정보를 이용해서 단어 </a:t>
+            </a:r>
+            <a:r>
+              <a:rPr lang="ko-KR" altLang="en-US" dirty="0" err="1"/>
+              <a:t>백터를</a:t>
+            </a:r>
+            <a:r>
+              <a:rPr lang="ko-KR" altLang="en-US" dirty="0"/>
+              <a:t> 학습하는 </a:t>
+            </a:r>
+            <a:r>
+              <a:rPr lang="ko-KR" altLang="en-US" dirty="0" err="1"/>
+              <a:t>임베딩</a:t>
+            </a:r>
+            <a:r>
+              <a:rPr lang="ko-KR" altLang="en-US" dirty="0"/>
+              <a:t> 방식</a:t>
+            </a:r>
+            <a:endParaRPr lang="en-US" altLang="ko-KR" dirty="0"/>
+          </a:p>
+          <a:p>
+            <a:pPr marL="285750" indent="-285750">
+              <a:buFont typeface="Arial" panose="020B0604020202020204" pitchFamily="34" charset="0"/>
+              <a:buChar char="•"/>
+            </a:pPr>
+            <a:r>
+              <a:rPr lang="ko-KR" altLang="en-US" dirty="0"/>
+              <a:t>사전에 학습이 된 모델을 이용하여 </a:t>
+            </a:r>
+            <a:r>
+              <a:rPr lang="ko-KR" altLang="en-US" dirty="0" err="1"/>
+              <a:t>임베딩</a:t>
+            </a:r>
+            <a:r>
+              <a:rPr lang="ko-KR" altLang="en-US" dirty="0"/>
+              <a:t> 변환을 사용</a:t>
+            </a:r>
+            <a:endParaRPr lang="en-US" altLang="ko-KR" dirty="0"/>
+          </a:p>
+          <a:p>
+            <a:pPr marL="285750" indent="-285750">
+              <a:buFont typeface="Arial" panose="020B0604020202020204" pitchFamily="34" charset="0"/>
+              <a:buChar char="•"/>
+            </a:pPr>
+            <a:r>
+              <a:rPr lang="ko-KR" altLang="en-US" dirty="0"/>
+              <a:t>영문 모델은</a:t>
+            </a:r>
+            <a:br>
+              <a:rPr lang="en-US" altLang="ko-KR" dirty="0"/>
+            </a:br>
+            <a:r>
+              <a:rPr lang="en-US" altLang="ko-KR" dirty="0"/>
+              <a:t>	https://nlp.stanford.edu/projects/glove/</a:t>
+            </a:r>
+            <a:br>
+              <a:rPr lang="en-US" altLang="ko-KR" dirty="0"/>
+            </a:br>
+            <a:r>
+              <a:rPr lang="ko-KR" altLang="en-US" dirty="0"/>
+              <a:t>사이트에서 다운로드 가능</a:t>
+            </a:r>
+            <a:endParaRPr lang="en-US" altLang="ko-KR" dirty="0"/>
+          </a:p>
+          <a:p>
+            <a:pPr marL="285750" indent="-285750">
+              <a:buFont typeface="Arial" panose="020B0604020202020204" pitchFamily="34" charset="0"/>
+              <a:buChar char="•"/>
+            </a:pPr>
+            <a:endParaRPr lang="en-US" altLang="ko-KR" dirty="0"/>
+          </a:p>
+        </p:txBody>
+      </p:sp>
+      <p:sp>
+        <p:nvSpPr>
+          <p:cNvPr id="6" name="TextBox 5"/>
+          <p:cNvSpPr txBox="1"/>
+          <p:nvPr/>
+        </p:nvSpPr>
+        <p:spPr>
+          <a:xfrm>
+            <a:off x="539552" y="1065096"/>
+            <a:ext cx="7992888" cy="446276"/>
+          </a:xfrm>
+          <a:prstGeom prst="rect">
+            <a:avLst/>
+          </a:prstGeom>
+          <a:noFill/>
+        </p:spPr>
+        <p:txBody>
+          <a:bodyPr wrap="square" rtlCol="0">
+            <a:spAutoFit/>
+          </a:bodyPr>
+          <a:lstStyle/>
+          <a:p>
+            <a:r>
+              <a:rPr lang="en-US" altLang="ko-KR" sz="2300" dirty="0" err="1"/>
+              <a:t>GloVe</a:t>
+            </a:r>
+            <a:endParaRPr lang="ko-KR" altLang="en-US" sz="2300" dirty="0"/>
+          </a:p>
+        </p:txBody>
+      </p:sp>
+    </p:spTree>
+    <p:extLst>
+      <p:ext uri="{BB962C8B-B14F-4D97-AF65-F5344CB8AC3E}">
+        <p14:creationId xmlns:p14="http://schemas.microsoft.com/office/powerpoint/2010/main" val="3378569894"/>
+      </p:ext>
+    </p:extLst>
+  </p:cSld>
+  <p:clrMapOvr>
+    <a:masterClrMapping/>
+  </p:clrMapOvr>
+</p:sld>
+</file>
+
+<file path=ppt/slides/slide8.xml><?xml version="1.0" encoding="utf-8"?>
+<p:sld xmlns:a="http://schemas.openxmlformats.org/drawingml/2006/main" xmlns:r="http://schemas.openxmlformats.org/officeDocument/2006/relationships" xmlns:p="http://schemas.openxmlformats.org/presentationml/2006/main">
+  <p:cSld>
+    <p:spTree>
+      <p:nvGrpSpPr>
+        <p:cNvPr id="1" name=""/>
+        <p:cNvGrpSpPr/>
+        <p:nvPr/>
+      </p:nvGrpSpPr>
+      <p:grpSpPr>
+        <a:xfrm>
+          <a:off x="0" y="0"/>
+          <a:ext cx="0" cy="0"/>
+          <a:chOff x="0" y="0"/>
+          <a:chExt cx="0" cy="0"/>
+        </a:xfrm>
+      </p:grpSpPr>
+      <p:sp>
+        <p:nvSpPr>
+          <p:cNvPr id="3" name="타원 2"/>
+          <p:cNvSpPr/>
+          <p:nvPr/>
+        </p:nvSpPr>
+        <p:spPr>
+          <a:xfrm>
+            <a:off x="4067944" y="74100"/>
+            <a:ext cx="936104" cy="936104"/>
+          </a:xfrm>
+          <a:prstGeom prst="ellipse">
+            <a:avLst/>
+          </a:prstGeom>
+          <a:solidFill>
+            <a:schemeClr val="tx2">
+              <a:lumMod val="75000"/>
+            </a:schemeClr>
+          </a:solidFill>
+          <a:ln>
+            <a:noFill/>
+          </a:ln>
+        </p:spPr>
+        <p:style>
+          <a:lnRef idx="2">
+            <a:schemeClr val="accent1">
+              <a:shade val="50000"/>
+            </a:schemeClr>
+          </a:lnRef>
+          <a:fillRef idx="1">
+            <a:schemeClr val="accent1"/>
+          </a:fillRef>
+          <a:effectRef idx="0">
+            <a:schemeClr val="accent1"/>
+          </a:effectRef>
+          <a:fontRef idx="minor">
+            <a:schemeClr val="lt1"/>
+          </a:fontRef>
+        </p:style>
+        <p:txBody>
+          <a:bodyPr rtlCol="0" anchor="ctr"/>
+          <a:lstStyle/>
+          <a:p>
+            <a:pPr algn="ctr"/>
+            <a:endParaRPr lang="ko-KR" altLang="en-US"/>
+          </a:p>
+        </p:txBody>
+      </p:sp>
+      <p:sp>
+        <p:nvSpPr>
+          <p:cNvPr id="8" name="직사각형 7"/>
+          <p:cNvSpPr/>
+          <p:nvPr/>
+        </p:nvSpPr>
+        <p:spPr>
+          <a:xfrm>
+            <a:off x="708380" y="271681"/>
+            <a:ext cx="857927" cy="276999"/>
+          </a:xfrm>
+          <a:prstGeom prst="rect">
+            <a:avLst/>
+          </a:prstGeom>
+        </p:spPr>
+        <p:txBody>
+          <a:bodyPr wrap="none">
+            <a:spAutoFit/>
+          </a:bodyPr>
+          <a:lstStyle/>
+          <a:p>
+            <a:pPr algn="ctr"/>
+            <a:r>
+              <a:rPr lang="ko-KR" altLang="en-US" sz="1200" b="1" spc="-150" dirty="0">
+                <a:solidFill>
+                  <a:schemeClr val="bg1"/>
+                </a:solidFill>
+              </a:rPr>
+              <a:t>자연어처리</a:t>
+            </a:r>
+            <a:endParaRPr lang="en-US" altLang="ko-KR" sz="1200" b="1" spc="-150" dirty="0">
+              <a:solidFill>
+                <a:schemeClr val="bg1"/>
+              </a:solidFill>
+            </a:endParaRPr>
+          </a:p>
+        </p:txBody>
+      </p:sp>
+      <p:sp>
+        <p:nvSpPr>
+          <p:cNvPr id="9" name="TextBox 8"/>
+          <p:cNvSpPr txBox="1"/>
+          <p:nvPr/>
+        </p:nvSpPr>
+        <p:spPr>
+          <a:xfrm>
+            <a:off x="3995936" y="479095"/>
+            <a:ext cx="1080120" cy="461665"/>
+          </a:xfrm>
+          <a:prstGeom prst="rect">
+            <a:avLst/>
+          </a:prstGeom>
+          <a:noFill/>
+        </p:spPr>
+        <p:txBody>
+          <a:bodyPr wrap="square" rtlCol="0">
+            <a:spAutoFit/>
+          </a:bodyPr>
+          <a:lstStyle/>
+          <a:p>
+            <a:pPr algn="ctr"/>
+            <a:r>
+              <a:rPr lang="en-US" altLang="ko-KR" sz="2400" dirty="0">
+                <a:solidFill>
+                  <a:schemeClr val="bg1"/>
+                </a:solidFill>
+                <a:latin typeface="HY헤드라인M" pitchFamily="18" charset="-127"/>
+                <a:ea typeface="HY헤드라인M" pitchFamily="18" charset="-127"/>
+              </a:rPr>
+              <a:t>01</a:t>
+            </a:r>
+            <a:endParaRPr lang="ko-KR" altLang="en-US" sz="2400" dirty="0">
+              <a:solidFill>
+                <a:schemeClr val="bg1"/>
+              </a:solidFill>
+              <a:latin typeface="HY헤드라인M" pitchFamily="18" charset="-127"/>
+              <a:ea typeface="HY헤드라인M" pitchFamily="18" charset="-127"/>
+            </a:endParaRPr>
+          </a:p>
+        </p:txBody>
+      </p:sp>
+      <p:sp>
+        <p:nvSpPr>
+          <p:cNvPr id="4" name="TextBox 3"/>
+          <p:cNvSpPr txBox="1"/>
+          <p:nvPr/>
+        </p:nvSpPr>
+        <p:spPr>
+          <a:xfrm>
+            <a:off x="971600" y="1700955"/>
+            <a:ext cx="7200800" cy="2031325"/>
+          </a:xfrm>
+          <a:prstGeom prst="rect">
+            <a:avLst/>
+          </a:prstGeom>
+          <a:noFill/>
+        </p:spPr>
+        <p:txBody>
+          <a:bodyPr wrap="square" rtlCol="0">
+            <a:spAutoFit/>
+          </a:bodyPr>
+          <a:lstStyle/>
+          <a:p>
+            <a:pPr marL="285750" indent="-285750">
+              <a:buFont typeface="Arial" panose="020B0604020202020204" pitchFamily="34" charset="0"/>
+              <a:buChar char="•"/>
+            </a:pPr>
+            <a:r>
+              <a:rPr lang="ko-KR" altLang="en-US" dirty="0"/>
+              <a:t>단어 하나를 하나의 토큰으로 보는 것이 아니라 글자 단위로 분해하여 벡터를 학습하는 방식</a:t>
+            </a:r>
+            <a:endParaRPr lang="en-US" altLang="ko-KR" dirty="0"/>
+          </a:p>
+          <a:p>
+            <a:pPr marL="285750" indent="-285750">
+              <a:buFont typeface="Arial" panose="020B0604020202020204" pitchFamily="34" charset="0"/>
+              <a:buChar char="•"/>
+            </a:pPr>
+            <a:r>
+              <a:rPr lang="ko-KR" altLang="en-US" dirty="0"/>
+              <a:t>글자를 </a:t>
+            </a:r>
+            <a:r>
+              <a:rPr lang="en-US" altLang="ko-KR" dirty="0"/>
+              <a:t>n-gram</a:t>
+            </a:r>
+            <a:r>
+              <a:rPr lang="ko-KR" altLang="en-US" dirty="0"/>
+              <a:t>의 형식으로 학습을 하기 때문에 </a:t>
+            </a:r>
+            <a:r>
+              <a:rPr lang="en-US" altLang="ko-KR" dirty="0"/>
+              <a:t>OOV(</a:t>
+            </a:r>
+            <a:r>
+              <a:rPr lang="ko-KR" altLang="en-US" dirty="0"/>
+              <a:t>사전에 없는 단어</a:t>
+            </a:r>
+            <a:r>
+              <a:rPr lang="en-US" altLang="ko-KR" dirty="0"/>
+              <a:t>)</a:t>
+            </a:r>
+            <a:r>
+              <a:rPr lang="ko-KR" altLang="en-US" dirty="0"/>
+              <a:t>문제를 해결</a:t>
+            </a:r>
+            <a:endParaRPr lang="en-US" altLang="ko-KR" dirty="0"/>
+          </a:p>
+          <a:p>
+            <a:pPr marL="285750" indent="-285750">
+              <a:buFont typeface="Arial" panose="020B0604020202020204" pitchFamily="34" charset="0"/>
+              <a:buChar char="•"/>
+            </a:pPr>
+            <a:r>
+              <a:rPr lang="ko-KR" altLang="en-US" dirty="0"/>
+              <a:t>단어의 형태 변화에 강한 모델</a:t>
+            </a:r>
+            <a:endParaRPr lang="en-US" altLang="ko-KR" dirty="0"/>
+          </a:p>
+          <a:p>
+            <a:pPr marL="285750" indent="-285750">
+              <a:buFont typeface="Arial" panose="020B0604020202020204" pitchFamily="34" charset="0"/>
+              <a:buChar char="•"/>
+            </a:pPr>
+            <a:r>
+              <a:rPr lang="ko-KR" altLang="en-US" dirty="0"/>
+              <a:t>단어 대신 글자 단위로 보기 때문에 학습에 시간이 오래 걸림</a:t>
+            </a:r>
+            <a:endParaRPr lang="en-US" altLang="ko-KR" dirty="0"/>
+          </a:p>
+          <a:p>
+            <a:pPr marL="285750" indent="-285750">
+              <a:buFont typeface="Arial" panose="020B0604020202020204" pitchFamily="34" charset="0"/>
+              <a:buChar char="•"/>
+            </a:pPr>
+            <a:r>
+              <a:rPr lang="en-US" altLang="ko-KR" dirty="0"/>
+              <a:t>N-gram </a:t>
+            </a:r>
+            <a:r>
+              <a:rPr lang="ko-KR" altLang="en-US" dirty="0"/>
+              <a:t>벡터들을 추가로 이용함으로 메모리에 사용량이 증가</a:t>
+            </a:r>
+            <a:endParaRPr lang="en-US" altLang="ko-KR" dirty="0"/>
+          </a:p>
+        </p:txBody>
+      </p:sp>
+      <p:sp>
+        <p:nvSpPr>
+          <p:cNvPr id="6" name="TextBox 5"/>
+          <p:cNvSpPr txBox="1"/>
+          <p:nvPr/>
+        </p:nvSpPr>
+        <p:spPr>
+          <a:xfrm>
+            <a:off x="539552" y="1065096"/>
+            <a:ext cx="7992888" cy="446276"/>
+          </a:xfrm>
+          <a:prstGeom prst="rect">
+            <a:avLst/>
+          </a:prstGeom>
+          <a:noFill/>
+        </p:spPr>
+        <p:txBody>
+          <a:bodyPr wrap="square" rtlCol="0">
+            <a:spAutoFit/>
+          </a:bodyPr>
+          <a:lstStyle/>
+          <a:p>
+            <a:r>
+              <a:rPr lang="en-US" altLang="ko-KR" sz="2300" dirty="0" err="1"/>
+              <a:t>FastText</a:t>
+            </a:r>
+            <a:endParaRPr lang="ko-KR" altLang="en-US" sz="2300" dirty="0"/>
+          </a:p>
+        </p:txBody>
+      </p:sp>
+    </p:spTree>
+    <p:extLst>
+      <p:ext uri="{BB962C8B-B14F-4D97-AF65-F5344CB8AC3E}">
+        <p14:creationId xmlns:p14="http://schemas.microsoft.com/office/powerpoint/2010/main" val="3311746442"/>
+      </p:ext>
+    </p:extLst>
+  </p:cSld>
+  <p:clrMapOvr>
+    <a:masterClrMapping/>
+  </p:clrMapOvr>
+</p:sld>
+</file>
+
+<file path=ppt/slides/slide9.xml><?xml version="1.0" encoding="utf-8"?>
+<p:sld xmlns:a="http://schemas.openxmlformats.org/drawingml/2006/main" xmlns:r="http://schemas.openxmlformats.org/officeDocument/2006/relationships" xmlns:p="http://schemas.openxmlformats.org/presentationml/2006/main">
+  <p:cSld>
+    <p:spTree>
+      <p:nvGrpSpPr>
+        <p:cNvPr id="1" name=""/>
+        <p:cNvGrpSpPr/>
+        <p:nvPr/>
+      </p:nvGrpSpPr>
+      <p:grpSpPr>
+        <a:xfrm>
+          <a:off x="0" y="0"/>
+          <a:ext cx="0" cy="0"/>
+          <a:chOff x="0" y="0"/>
+          <a:chExt cx="0" cy="0"/>
+        </a:xfrm>
+      </p:grpSpPr>
+      <p:sp>
+        <p:nvSpPr>
+          <p:cNvPr id="3" name="타원 2"/>
+          <p:cNvSpPr/>
+          <p:nvPr/>
+        </p:nvSpPr>
+        <p:spPr>
+          <a:xfrm>
+            <a:off x="2627784" y="1298236"/>
+            <a:ext cx="3858956" cy="3858956"/>
+          </a:xfrm>
+          <a:prstGeom prst="ellipse">
+            <a:avLst/>
+          </a:prstGeom>
+          <a:solidFill>
+            <a:schemeClr val="tx2">
+              <a:lumMod val="75000"/>
+            </a:schemeClr>
+          </a:solidFill>
+          <a:ln>
+            <a:noFill/>
+          </a:ln>
+        </p:spPr>
+        <p:style>
+          <a:lnRef idx="2">
+            <a:schemeClr val="accent1">
+              <a:shade val="50000"/>
+            </a:schemeClr>
+          </a:lnRef>
+          <a:fillRef idx="1">
+            <a:schemeClr val="accent1"/>
+          </a:fillRef>
+          <a:effectRef idx="0">
+            <a:schemeClr val="accent1"/>
+          </a:effectRef>
+          <a:fontRef idx="minor">
+            <a:schemeClr val="lt1"/>
+          </a:fontRef>
+        </p:style>
+        <p:txBody>
+          <a:bodyPr rtlCol="0" anchor="ctr"/>
+          <a:lstStyle/>
+          <a:p>
+            <a:pPr algn="ctr"/>
+            <a:endParaRPr lang="ko-KR" altLang="en-US"/>
+          </a:p>
+        </p:txBody>
+      </p:sp>
+      <p:sp>
+        <p:nvSpPr>
+          <p:cNvPr id="7" name="TextBox 6"/>
+          <p:cNvSpPr txBox="1"/>
+          <p:nvPr/>
+        </p:nvSpPr>
+        <p:spPr>
+          <a:xfrm>
+            <a:off x="2627784" y="2971550"/>
+            <a:ext cx="3858956" cy="630942"/>
+          </a:xfrm>
+          <a:prstGeom prst="rect">
+            <a:avLst/>
+          </a:prstGeom>
+          <a:noFill/>
+        </p:spPr>
+        <p:txBody>
+          <a:bodyPr wrap="square" rtlCol="0">
+            <a:spAutoFit/>
+          </a:bodyPr>
+          <a:lstStyle/>
+          <a:p>
+            <a:pPr algn="ctr"/>
+            <a:r>
+              <a:rPr lang="ko-KR" altLang="en-US" sz="3500" b="1" dirty="0">
+                <a:solidFill>
+                  <a:schemeClr val="bg1"/>
+                </a:solidFill>
+              </a:rPr>
+              <a:t>문맥 기반</a:t>
+            </a:r>
+            <a:r>
+              <a:rPr lang="en-US" altLang="ko-KR" sz="3500" b="1" dirty="0">
+                <a:solidFill>
+                  <a:schemeClr val="bg1"/>
+                </a:solidFill>
+              </a:rPr>
+              <a:t> </a:t>
+            </a:r>
+            <a:r>
+              <a:rPr lang="ko-KR" altLang="en-US" sz="3500" b="1" dirty="0" err="1">
+                <a:solidFill>
+                  <a:schemeClr val="bg1"/>
+                </a:solidFill>
+              </a:rPr>
+              <a:t>임베딩</a:t>
+            </a:r>
+            <a:endParaRPr lang="ko-KR" altLang="en-US" sz="3500" b="1" dirty="0">
+              <a:solidFill>
+                <a:schemeClr val="bg1"/>
+              </a:solidFill>
+            </a:endParaRPr>
+          </a:p>
+        </p:txBody>
+      </p:sp>
+      <p:sp>
+        <p:nvSpPr>
+          <p:cNvPr id="5" name="직사각형 4"/>
+          <p:cNvSpPr/>
+          <p:nvPr/>
+        </p:nvSpPr>
+        <p:spPr>
+          <a:xfrm>
+            <a:off x="708377" y="271681"/>
+            <a:ext cx="857927" cy="276999"/>
+          </a:xfrm>
+          <a:prstGeom prst="rect">
+            <a:avLst/>
+          </a:prstGeom>
+        </p:spPr>
+        <p:txBody>
+          <a:bodyPr wrap="none">
+            <a:spAutoFit/>
+          </a:bodyPr>
+          <a:lstStyle/>
+          <a:p>
+            <a:pPr algn="ctr"/>
+            <a:r>
+              <a:rPr lang="ko-KR" altLang="en-US" sz="1200" b="1" spc="-150" dirty="0">
+                <a:solidFill>
+                  <a:schemeClr val="bg1"/>
+                </a:solidFill>
+              </a:rPr>
+              <a:t>자연어처리</a:t>
+            </a:r>
+          </a:p>
+        </p:txBody>
+      </p:sp>
+    </p:spTree>
+    <p:extLst>
+      <p:ext uri="{BB962C8B-B14F-4D97-AF65-F5344CB8AC3E}">
+        <p14:creationId xmlns:p14="http://schemas.microsoft.com/office/powerpoint/2010/main" val="2634370426"/>
       </p:ext>
     </p:extLst>
   </p:cSld>
